--- a/jpegTransformerApp.pptx
+++ b/jpegTransformerApp.pptx
@@ -7,14 +7,13 @@
   <p:sldIdLst>
     <p:sldId id="256" r:id="rId2"/>
     <p:sldId id="258" r:id="rId3"/>
-    <p:sldId id="259" r:id="rId4"/>
-    <p:sldId id="260" r:id="rId5"/>
-    <p:sldId id="261" r:id="rId6"/>
-    <p:sldId id="262" r:id="rId7"/>
-    <p:sldId id="263" r:id="rId8"/>
-    <p:sldId id="264" r:id="rId9"/>
-    <p:sldId id="265" r:id="rId10"/>
-    <p:sldId id="257" r:id="rId11"/>
+    <p:sldId id="260" r:id="rId4"/>
+    <p:sldId id="259" r:id="rId5"/>
+    <p:sldId id="262" r:id="rId6"/>
+    <p:sldId id="263" r:id="rId7"/>
+    <p:sldId id="264" r:id="rId8"/>
+    <p:sldId id="265" r:id="rId9"/>
+    <p:sldId id="257" r:id="rId10"/>
   </p:sldIdLst>
   <p:sldSz cx="12192000" cy="6858000"/>
   <p:notesSz cx="6858000" cy="9144000"/>
@@ -113,6 +112,11 @@
       </a:defRPr>
     </a:lvl9pPr>
   </p:defaultTextStyle>
+  <p:extLst>
+    <p:ext uri="{EFAFB233-063F-42B5-8137-9DF3F51BA10A}">
+      <p15:sldGuideLst xmlns:p15="http://schemas.microsoft.com/office/powerpoint/2012/main"/>
+    </p:ext>
+  </p:extLst>
 </p:presentation>
 </file>
 
@@ -1092,7 +1096,7 @@
           <c:spPr>
             <a:ln w="19050" cap="rnd">
               <a:solidFill>
-                <a:schemeClr val="accent1"/>
+                <a:schemeClr val="accent3"/>
               </a:solidFill>
               <a:round/>
             </a:ln>
@@ -1103,11 +1107,11 @@
             <c:size val="5"/>
             <c:spPr>
               <a:solidFill>
-                <a:schemeClr val="accent1"/>
+                <a:schemeClr val="accent3"/>
               </a:solidFill>
               <a:ln w="9525">
                 <a:solidFill>
-                  <a:schemeClr val="accent1"/>
+                  <a:schemeClr val="accent3"/>
                 </a:solidFill>
               </a:ln>
               <a:effectLst/>
@@ -3929,37 +3933,30 @@
 <file path=ppt/diagrams/data1.xml><?xml version="1.0" encoding="utf-8"?>
 <dgm:dataModel xmlns:dgm="http://schemas.openxmlformats.org/drawingml/2006/diagram" xmlns:a="http://schemas.openxmlformats.org/drawingml/2006/main">
   <dgm:ptLst>
-    <dgm:pt modelId="{4CCA38CF-0584-4C54-B8E5-141F98FE8DC3}" type="doc">
-      <dgm:prSet loTypeId="urn:microsoft.com/office/officeart/2005/8/layout/bProcess2" loCatId="process" qsTypeId="urn:microsoft.com/office/officeart/2005/8/quickstyle/simple4" qsCatId="simple" csTypeId="urn:microsoft.com/office/officeart/2005/8/colors/accent1_2" csCatId="accent1" phldr="1"/>
+    <dgm:pt modelId="{91485AA2-4545-4C07-A8BC-0C6ED8E021D5}" type="doc">
+      <dgm:prSet loTypeId="urn:microsoft.com/office/officeart/2005/8/layout/hProcess9" loCatId="process" qsTypeId="urn:microsoft.com/office/officeart/2005/8/quickstyle/simple1" qsCatId="simple" csTypeId="urn:microsoft.com/office/officeart/2005/8/colors/accent1_2" csCatId="accent1" phldr="1"/>
       <dgm:spPr/>
-      <dgm:t>
-        <a:bodyPr/>
-        <a:lstStyle/>
-        <a:p>
-          <a:endParaRPr lang="it-IT"/>
-        </a:p>
-      </dgm:t>
     </dgm:pt>
-    <dgm:pt modelId="{460D84A4-A77E-4EDD-987A-973DE28E38C3}">
-      <dgm:prSet phldrT="[Testo]" custT="1"/>
+    <dgm:pt modelId="{42AD3462-EC2E-4FBD-82B8-BDB751066B84}">
+      <dgm:prSet phldrT="[Testo]"/>
       <dgm:spPr/>
       <dgm:t>
         <a:bodyPr/>
         <a:lstStyle/>
         <a:p>
           <a:r>
-            <a:rPr lang="it-IT" sz="1400" dirty="0"/>
+            <a:rPr lang="it-IT" dirty="0"/>
             <a:t>Ricerca libreria dct2 </a:t>
           </a:r>
           <a:r>
-            <a:rPr lang="it-IT" sz="1400" dirty="0" err="1"/>
+            <a:rPr lang="it-IT" dirty="0" err="1"/>
             <a:t>fft</a:t>
           </a:r>
-          <a:endParaRPr lang="it-IT" sz="1400" dirty="0"/>
+          <a:endParaRPr lang="it-IT" dirty="0"/>
         </a:p>
       </dgm:t>
     </dgm:pt>
-    <dgm:pt modelId="{11BD7D11-ABE8-401D-8292-8B13C765E039}" type="sibTrans" cxnId="{AAF0D72C-6245-43BB-B953-BF748E4DEE41}">
+    <dgm:pt modelId="{3FCDE066-5C45-40F1-AF15-53E1563FF17D}" type="parTrans" cxnId="{9C341FA1-7377-4351-885D-E0CE7318559E}">
       <dgm:prSet/>
       <dgm:spPr/>
       <dgm:t>
@@ -3970,7 +3967,7 @@
         </a:p>
       </dgm:t>
     </dgm:pt>
-    <dgm:pt modelId="{1312DDBE-F034-407D-BC3C-589AC9229EFA}" type="parTrans" cxnId="{AAF0D72C-6245-43BB-B953-BF748E4DEE41}">
+    <dgm:pt modelId="{9F671E39-F8B8-459A-8F5A-D37AE401A812}" type="sibTrans" cxnId="{9C341FA1-7377-4351-885D-E0CE7318559E}">
       <dgm:prSet/>
       <dgm:spPr/>
       <dgm:t>
@@ -3981,21 +3978,21 @@
         </a:p>
       </dgm:t>
     </dgm:pt>
-    <dgm:pt modelId="{72D3F947-D6E9-47F8-B643-69CEEF479676}">
-      <dgm:prSet phldrT="[Testo]" custT="1"/>
+    <dgm:pt modelId="{74294AE0-D1A3-43A0-AF54-ECDA17010A7C}">
+      <dgm:prSet phldrT="[Testo]"/>
       <dgm:spPr/>
       <dgm:t>
         <a:bodyPr/>
         <a:lstStyle/>
         <a:p>
           <a:r>
-            <a:rPr lang="it-IT" sz="1200" dirty="0"/>
+            <a:rPr lang="it-IT" dirty="0"/>
             <a:t>Sviluppo algoritmo dct2</a:t>
           </a:r>
         </a:p>
       </dgm:t>
     </dgm:pt>
-    <dgm:pt modelId="{89BCA6E5-77C6-4836-97C2-20C6845D1F7D}" type="sibTrans" cxnId="{B1DA9ADC-2AB7-4891-AE44-974C5084473A}">
+    <dgm:pt modelId="{854BFE59-DDBD-4D7B-BC6E-4BDD92348675}" type="parTrans" cxnId="{7B77A230-91AA-46E4-8C3D-6D0C6E7B2106}">
       <dgm:prSet/>
       <dgm:spPr/>
       <dgm:t>
@@ -4006,7 +4003,7 @@
         </a:p>
       </dgm:t>
     </dgm:pt>
-    <dgm:pt modelId="{3C15568F-FB58-41CE-98E9-70C4E53BC305}" type="parTrans" cxnId="{B1DA9ADC-2AB7-4891-AE44-974C5084473A}">
+    <dgm:pt modelId="{905E821C-67E8-4227-B149-EA251C49E5B4}" type="sibTrans" cxnId="{7B77A230-91AA-46E4-8C3D-6D0C6E7B2106}">
       <dgm:prSet/>
       <dgm:spPr/>
       <dgm:t>
@@ -4017,7 +4014,7 @@
         </a:p>
       </dgm:t>
     </dgm:pt>
-    <dgm:pt modelId="{E51628EF-846D-4860-B189-954CA44CC0AF}">
+    <dgm:pt modelId="{568D72A6-732F-448A-A3D6-1EE5DCF93B7C}">
       <dgm:prSet phldrT="[Testo]"/>
       <dgm:spPr/>
       <dgm:t>
@@ -4026,12 +4023,12 @@
         <a:p>
           <a:r>
             <a:rPr lang="it-IT" dirty="0"/>
-            <a:t>Confronto algoritmi</a:t>
+            <a:t>Confronto e conclusioni</a:t>
           </a:r>
         </a:p>
       </dgm:t>
     </dgm:pt>
-    <dgm:pt modelId="{1826349C-4B04-4556-A1FA-46AA75D3F1FE}" type="sibTrans" cxnId="{3DC21260-4FF9-4B94-9403-3DDDC33A1B34}">
+    <dgm:pt modelId="{9A848EEC-A84E-4BDA-B5E4-5FA62007C993}" type="parTrans" cxnId="{277DFA3E-AFE9-4243-802C-A4E6811D677D}">
       <dgm:prSet/>
       <dgm:spPr/>
       <dgm:t>
@@ -4042,7 +4039,7 @@
         </a:p>
       </dgm:t>
     </dgm:pt>
-    <dgm:pt modelId="{EA2F86F7-947B-48C1-9A27-16CDE614AFA4}" type="parTrans" cxnId="{3DC21260-4FF9-4B94-9403-3DDDC33A1B34}">
+    <dgm:pt modelId="{2273E239-5DDC-4D98-AC87-32B35629E237}" type="sibTrans" cxnId="{277DFA3E-AFE9-4243-802C-A4E6811D677D}">
       <dgm:prSet/>
       <dgm:spPr/>
       <dgm:t>
@@ -4053,7 +4050,7 @@
         </a:p>
       </dgm:t>
     </dgm:pt>
-    <dgm:pt modelId="{91CAD311-F4FB-4AA2-B32E-BCAE224DACAA}">
+    <dgm:pt modelId="{66567CA8-2170-4B66-BEB4-679E46434938}">
       <dgm:prSet/>
       <dgm:spPr/>
       <dgm:t>
@@ -4062,12 +4059,12 @@
         <a:p>
           <a:r>
             <a:rPr lang="it-IT" dirty="0"/>
-            <a:t>Estrapolazione conclusioni</a:t>
+            <a:t>Esecuzione metodi</a:t>
           </a:r>
         </a:p>
       </dgm:t>
     </dgm:pt>
-    <dgm:pt modelId="{87A7E57E-74AB-4DEF-9473-97CD0E5E0C88}" type="sibTrans" cxnId="{EF04D111-0A1B-4F28-A8D8-C6A50BE5F9D3}">
+    <dgm:pt modelId="{E93271D2-2E17-48CC-B508-13A953979061}" type="parTrans" cxnId="{9A346B2E-4EFD-4B13-BB86-9374B0937859}">
       <dgm:prSet/>
       <dgm:spPr/>
       <dgm:t>
@@ -4078,7 +4075,7 @@
         </a:p>
       </dgm:t>
     </dgm:pt>
-    <dgm:pt modelId="{7FC3B8B7-AA2C-42BE-BB34-B6A48639C387}" type="parTrans" cxnId="{EF04D111-0A1B-4F28-A8D8-C6A50BE5F9D3}">
+    <dgm:pt modelId="{E596C588-C208-484F-A691-87F027106D9A}" type="sibTrans" cxnId="{9A346B2E-4EFD-4B13-BB86-9374B0937859}">
       <dgm:prSet/>
       <dgm:spPr/>
       <dgm:t>
@@ -4089,69 +4086,61 @@
         </a:p>
       </dgm:t>
     </dgm:pt>
-    <dgm:pt modelId="{0FA32910-FD44-4DD7-8474-B1AC71DAE48D}" type="pres">
-      <dgm:prSet presAssocID="{4CCA38CF-0584-4C54-B8E5-141F98FE8DC3}" presName="diagram" presStyleCnt="0">
+    <dgm:pt modelId="{3491E506-7F78-4665-B3B2-471B2DF2EC12}" type="pres">
+      <dgm:prSet presAssocID="{91485AA2-4545-4C07-A8BC-0C6ED8E021D5}" presName="CompostProcess" presStyleCnt="0">
         <dgm:presLayoutVars>
           <dgm:dir/>
-          <dgm:resizeHandles/>
+          <dgm:resizeHandles val="exact"/>
         </dgm:presLayoutVars>
       </dgm:prSet>
       <dgm:spPr/>
     </dgm:pt>
-    <dgm:pt modelId="{DBA147E7-F3E9-4C66-98E5-61D87CCAC252}" type="pres">
-      <dgm:prSet presAssocID="{460D84A4-A77E-4EDD-987A-973DE28E38C3}" presName="firstNode" presStyleLbl="node1" presStyleIdx="0" presStyleCnt="4">
+    <dgm:pt modelId="{F57AB11D-2824-4695-92AB-B80876269BE9}" type="pres">
+      <dgm:prSet presAssocID="{91485AA2-4545-4C07-A8BC-0C6ED8E021D5}" presName="arrow" presStyleLbl="bgShp" presStyleIdx="0" presStyleCnt="1" custScaleX="117647"/>
+      <dgm:spPr/>
+    </dgm:pt>
+    <dgm:pt modelId="{6CF218B7-7E52-4007-8A0D-0F69388DBE1E}" type="pres">
+      <dgm:prSet presAssocID="{91485AA2-4545-4C07-A8BC-0C6ED8E021D5}" presName="linearProcess" presStyleCnt="0"/>
+      <dgm:spPr/>
+    </dgm:pt>
+    <dgm:pt modelId="{B4E7AA12-41E7-4F75-B521-C753BF6F568B}" type="pres">
+      <dgm:prSet presAssocID="{42AD3462-EC2E-4FBD-82B8-BDB751066B84}" presName="textNode" presStyleLbl="node1" presStyleIdx="0" presStyleCnt="4">
         <dgm:presLayoutVars>
           <dgm:bulletEnabled val="1"/>
         </dgm:presLayoutVars>
       </dgm:prSet>
       <dgm:spPr/>
     </dgm:pt>
-    <dgm:pt modelId="{46B9A038-5CBE-4459-9DCC-DE5C06776211}" type="pres">
-      <dgm:prSet presAssocID="{11BD7D11-ABE8-401D-8292-8B13C765E039}" presName="sibTrans" presStyleLbl="sibTrans2D1" presStyleIdx="0" presStyleCnt="3"/>
+    <dgm:pt modelId="{9E0DDDBC-C91B-46E0-AA6D-ADE14DD86ED6}" type="pres">
+      <dgm:prSet presAssocID="{9F671E39-F8B8-459A-8F5A-D37AE401A812}" presName="sibTrans" presStyleCnt="0"/>
       <dgm:spPr/>
     </dgm:pt>
-    <dgm:pt modelId="{C897CBE5-5B4E-4F2F-B709-AD1887D8445C}" type="pres">
-      <dgm:prSet presAssocID="{72D3F947-D6E9-47F8-B643-69CEEF479676}" presName="middleNode" presStyleCnt="0"/>
-      <dgm:spPr/>
-    </dgm:pt>
-    <dgm:pt modelId="{473C38CA-E6E1-4D53-8AF2-492DFF67A32C}" type="pres">
-      <dgm:prSet presAssocID="{72D3F947-D6E9-47F8-B643-69CEEF479676}" presName="padding" presStyleLbl="node1" presStyleIdx="0" presStyleCnt="4"/>
-      <dgm:spPr/>
-    </dgm:pt>
-    <dgm:pt modelId="{5D7D530A-3216-49D8-9FE5-ECE5E69F1059}" type="pres">
-      <dgm:prSet presAssocID="{72D3F947-D6E9-47F8-B643-69CEEF479676}" presName="shape" presStyleLbl="node1" presStyleIdx="1" presStyleCnt="4">
+    <dgm:pt modelId="{7A09576D-7338-4302-8C81-FD11454404A2}" type="pres">
+      <dgm:prSet presAssocID="{74294AE0-D1A3-43A0-AF54-ECDA17010A7C}" presName="textNode" presStyleLbl="node1" presStyleIdx="1" presStyleCnt="4">
         <dgm:presLayoutVars>
           <dgm:bulletEnabled val="1"/>
         </dgm:presLayoutVars>
       </dgm:prSet>
       <dgm:spPr/>
     </dgm:pt>
-    <dgm:pt modelId="{45645A55-47D3-4461-AFE9-74E1228E78B8}" type="pres">
-      <dgm:prSet presAssocID="{89BCA6E5-77C6-4836-97C2-20C6845D1F7D}" presName="sibTrans" presStyleLbl="sibTrans2D1" presStyleIdx="1" presStyleCnt="3"/>
+    <dgm:pt modelId="{22A17A0C-CB46-47C6-A54F-A30F62D328CA}" type="pres">
+      <dgm:prSet presAssocID="{905E821C-67E8-4227-B149-EA251C49E5B4}" presName="sibTrans" presStyleCnt="0"/>
       <dgm:spPr/>
     </dgm:pt>
-    <dgm:pt modelId="{1536601A-4A36-459F-9A3C-426277B45771}" type="pres">
-      <dgm:prSet presAssocID="{E51628EF-846D-4860-B189-954CA44CC0AF}" presName="middleNode" presStyleCnt="0"/>
-      <dgm:spPr/>
-    </dgm:pt>
-    <dgm:pt modelId="{8DE95E8F-A6C4-4E24-960B-E1698B23DF5C}" type="pres">
-      <dgm:prSet presAssocID="{E51628EF-846D-4860-B189-954CA44CC0AF}" presName="padding" presStyleLbl="node1" presStyleIdx="1" presStyleCnt="4"/>
-      <dgm:spPr/>
-    </dgm:pt>
-    <dgm:pt modelId="{6D4A0121-D520-4416-8D17-5716299A4D59}" type="pres">
-      <dgm:prSet presAssocID="{E51628EF-846D-4860-B189-954CA44CC0AF}" presName="shape" presStyleLbl="node1" presStyleIdx="2" presStyleCnt="4">
+    <dgm:pt modelId="{710B7382-CB55-41E4-9994-4748763B850C}" type="pres">
+      <dgm:prSet presAssocID="{66567CA8-2170-4B66-BEB4-679E46434938}" presName="textNode" presStyleLbl="node1" presStyleIdx="2" presStyleCnt="4">
         <dgm:presLayoutVars>
           <dgm:bulletEnabled val="1"/>
         </dgm:presLayoutVars>
       </dgm:prSet>
       <dgm:spPr/>
     </dgm:pt>
-    <dgm:pt modelId="{B387B121-4D2E-4371-8CBF-0ECA5A41B5FD}" type="pres">
-      <dgm:prSet presAssocID="{1826349C-4B04-4556-A1FA-46AA75D3F1FE}" presName="sibTrans" presStyleLbl="sibTrans2D1" presStyleIdx="2" presStyleCnt="3"/>
+    <dgm:pt modelId="{163DB0A7-D3E7-401D-95B4-F0B8FE7674A0}" type="pres">
+      <dgm:prSet presAssocID="{E596C588-C208-484F-A691-87F027106D9A}" presName="sibTrans" presStyleCnt="0"/>
       <dgm:spPr/>
     </dgm:pt>
-    <dgm:pt modelId="{536F5821-4264-4D0F-A811-4BBA2FBA03AC}" type="pres">
-      <dgm:prSet presAssocID="{91CAD311-F4FB-4AA2-B32E-BCAE224DACAA}" presName="lastNode" presStyleLbl="node1" presStyleIdx="3" presStyleCnt="4">
+    <dgm:pt modelId="{A49CFC96-64BD-4EBA-A80C-5659665658B6}" type="pres">
+      <dgm:prSet presAssocID="{568D72A6-732F-448A-A3D6-1EE5DCF93B7C}" presName="textNode" presStyleLbl="node1" presStyleIdx="3" presStyleCnt="4">
         <dgm:presLayoutVars>
           <dgm:bulletEnabled val="1"/>
         </dgm:presLayoutVars>
@@ -4160,29 +4149,24 @@
     </dgm:pt>
   </dgm:ptLst>
   <dgm:cxnLst>
-    <dgm:cxn modelId="{EF04D111-0A1B-4F28-A8D8-C6A50BE5F9D3}" srcId="{4CCA38CF-0584-4C54-B8E5-141F98FE8DC3}" destId="{91CAD311-F4FB-4AA2-B32E-BCAE224DACAA}" srcOrd="3" destOrd="0" parTransId="{7FC3B8B7-AA2C-42BE-BB34-B6A48639C387}" sibTransId="{87A7E57E-74AB-4DEF-9473-97CD0E5E0C88}"/>
-    <dgm:cxn modelId="{AAF0D72C-6245-43BB-B953-BF748E4DEE41}" srcId="{4CCA38CF-0584-4C54-B8E5-141F98FE8DC3}" destId="{460D84A4-A77E-4EDD-987A-973DE28E38C3}" srcOrd="0" destOrd="0" parTransId="{1312DDBE-F034-407D-BC3C-589AC9229EFA}" sibTransId="{11BD7D11-ABE8-401D-8292-8B13C765E039}"/>
-    <dgm:cxn modelId="{D33C203B-9240-48AA-B671-63ADAF0B2C32}" type="presOf" srcId="{4CCA38CF-0584-4C54-B8E5-141F98FE8DC3}" destId="{0FA32910-FD44-4DD7-8474-B1AC71DAE48D}" srcOrd="0" destOrd="0" presId="urn:microsoft.com/office/officeart/2005/8/layout/bProcess2"/>
-    <dgm:cxn modelId="{4315605F-AF7C-46A0-B391-C89F2DD8CCA5}" type="presOf" srcId="{E51628EF-846D-4860-B189-954CA44CC0AF}" destId="{6D4A0121-D520-4416-8D17-5716299A4D59}" srcOrd="0" destOrd="0" presId="urn:microsoft.com/office/officeart/2005/8/layout/bProcess2"/>
-    <dgm:cxn modelId="{3DC21260-4FF9-4B94-9403-3DDDC33A1B34}" srcId="{4CCA38CF-0584-4C54-B8E5-141F98FE8DC3}" destId="{E51628EF-846D-4860-B189-954CA44CC0AF}" srcOrd="2" destOrd="0" parTransId="{EA2F86F7-947B-48C1-9A27-16CDE614AFA4}" sibTransId="{1826349C-4B04-4556-A1FA-46AA75D3F1FE}"/>
-    <dgm:cxn modelId="{0AE23D43-7E9D-4D4B-8E4B-7FE271D79099}" type="presOf" srcId="{1826349C-4B04-4556-A1FA-46AA75D3F1FE}" destId="{B387B121-4D2E-4371-8CBF-0ECA5A41B5FD}" srcOrd="0" destOrd="0" presId="urn:microsoft.com/office/officeart/2005/8/layout/bProcess2"/>
-    <dgm:cxn modelId="{3A954B69-0DD4-4728-9FA9-27F036FD9D9E}" type="presOf" srcId="{11BD7D11-ABE8-401D-8292-8B13C765E039}" destId="{46B9A038-5CBE-4459-9DCC-DE5C06776211}" srcOrd="0" destOrd="0" presId="urn:microsoft.com/office/officeart/2005/8/layout/bProcess2"/>
-    <dgm:cxn modelId="{9B9CE152-3893-4262-880C-F3E0BB13773B}" type="presOf" srcId="{72D3F947-D6E9-47F8-B643-69CEEF479676}" destId="{5D7D530A-3216-49D8-9FE5-ECE5E69F1059}" srcOrd="0" destOrd="0" presId="urn:microsoft.com/office/officeart/2005/8/layout/bProcess2"/>
-    <dgm:cxn modelId="{474B6A79-4062-4D9A-AF46-1B5E619D779C}" type="presOf" srcId="{460D84A4-A77E-4EDD-987A-973DE28E38C3}" destId="{DBA147E7-F3E9-4C66-98E5-61D87CCAC252}" srcOrd="0" destOrd="0" presId="urn:microsoft.com/office/officeart/2005/8/layout/bProcess2"/>
-    <dgm:cxn modelId="{8DE0789F-7595-42BD-9FA2-9D0F37DAC657}" type="presOf" srcId="{89BCA6E5-77C6-4836-97C2-20C6845D1F7D}" destId="{45645A55-47D3-4461-AFE9-74E1228E78B8}" srcOrd="0" destOrd="0" presId="urn:microsoft.com/office/officeart/2005/8/layout/bProcess2"/>
-    <dgm:cxn modelId="{2BAFFAD7-0D8E-4321-9369-2D3850823D59}" type="presOf" srcId="{91CAD311-F4FB-4AA2-B32E-BCAE224DACAA}" destId="{536F5821-4264-4D0F-A811-4BBA2FBA03AC}" srcOrd="0" destOrd="0" presId="urn:microsoft.com/office/officeart/2005/8/layout/bProcess2"/>
-    <dgm:cxn modelId="{B1DA9ADC-2AB7-4891-AE44-974C5084473A}" srcId="{4CCA38CF-0584-4C54-B8E5-141F98FE8DC3}" destId="{72D3F947-D6E9-47F8-B643-69CEEF479676}" srcOrd="1" destOrd="0" parTransId="{3C15568F-FB58-41CE-98E9-70C4E53BC305}" sibTransId="{89BCA6E5-77C6-4836-97C2-20C6845D1F7D}"/>
-    <dgm:cxn modelId="{E2B5A8A1-D421-4898-BA9A-CE39EFF6E57C}" type="presParOf" srcId="{0FA32910-FD44-4DD7-8474-B1AC71DAE48D}" destId="{DBA147E7-F3E9-4C66-98E5-61D87CCAC252}" srcOrd="0" destOrd="0" presId="urn:microsoft.com/office/officeart/2005/8/layout/bProcess2"/>
-    <dgm:cxn modelId="{5AE07D49-E8A5-4260-A51E-1E45CBBC7934}" type="presParOf" srcId="{0FA32910-FD44-4DD7-8474-B1AC71DAE48D}" destId="{46B9A038-5CBE-4459-9DCC-DE5C06776211}" srcOrd="1" destOrd="0" presId="urn:microsoft.com/office/officeart/2005/8/layout/bProcess2"/>
-    <dgm:cxn modelId="{06F99415-D655-4E0A-8517-D3F853F7D691}" type="presParOf" srcId="{0FA32910-FD44-4DD7-8474-B1AC71DAE48D}" destId="{C897CBE5-5B4E-4F2F-B709-AD1887D8445C}" srcOrd="2" destOrd="0" presId="urn:microsoft.com/office/officeart/2005/8/layout/bProcess2"/>
-    <dgm:cxn modelId="{B77D3348-5040-4A68-9E30-6BC5E61E6841}" type="presParOf" srcId="{C897CBE5-5B4E-4F2F-B709-AD1887D8445C}" destId="{473C38CA-E6E1-4D53-8AF2-492DFF67A32C}" srcOrd="0" destOrd="0" presId="urn:microsoft.com/office/officeart/2005/8/layout/bProcess2"/>
-    <dgm:cxn modelId="{F688C4BA-E295-4A0F-BC7E-5BAC816827C1}" type="presParOf" srcId="{C897CBE5-5B4E-4F2F-B709-AD1887D8445C}" destId="{5D7D530A-3216-49D8-9FE5-ECE5E69F1059}" srcOrd="1" destOrd="0" presId="urn:microsoft.com/office/officeart/2005/8/layout/bProcess2"/>
-    <dgm:cxn modelId="{09BA3E09-0ECD-4B02-92D8-EBDF13B0A531}" type="presParOf" srcId="{0FA32910-FD44-4DD7-8474-B1AC71DAE48D}" destId="{45645A55-47D3-4461-AFE9-74E1228E78B8}" srcOrd="3" destOrd="0" presId="urn:microsoft.com/office/officeart/2005/8/layout/bProcess2"/>
-    <dgm:cxn modelId="{D509AAEE-4B0C-4BE4-AB4F-50FFC313B468}" type="presParOf" srcId="{0FA32910-FD44-4DD7-8474-B1AC71DAE48D}" destId="{1536601A-4A36-459F-9A3C-426277B45771}" srcOrd="4" destOrd="0" presId="urn:microsoft.com/office/officeart/2005/8/layout/bProcess2"/>
-    <dgm:cxn modelId="{BB58E527-F36F-4264-B943-9A7FF095AB8B}" type="presParOf" srcId="{1536601A-4A36-459F-9A3C-426277B45771}" destId="{8DE95E8F-A6C4-4E24-960B-E1698B23DF5C}" srcOrd="0" destOrd="0" presId="urn:microsoft.com/office/officeart/2005/8/layout/bProcess2"/>
-    <dgm:cxn modelId="{4D040DE7-6314-4559-9D6E-078120515E90}" type="presParOf" srcId="{1536601A-4A36-459F-9A3C-426277B45771}" destId="{6D4A0121-D520-4416-8D17-5716299A4D59}" srcOrd="1" destOrd="0" presId="urn:microsoft.com/office/officeart/2005/8/layout/bProcess2"/>
-    <dgm:cxn modelId="{70F09D47-77C4-47AC-8CF8-734D7E2C014C}" type="presParOf" srcId="{0FA32910-FD44-4DD7-8474-B1AC71DAE48D}" destId="{B387B121-4D2E-4371-8CBF-0ECA5A41B5FD}" srcOrd="5" destOrd="0" presId="urn:microsoft.com/office/officeart/2005/8/layout/bProcess2"/>
-    <dgm:cxn modelId="{F0FC53F3-051B-45E6-9408-936FFCDE161B}" type="presParOf" srcId="{0FA32910-FD44-4DD7-8474-B1AC71DAE48D}" destId="{536F5821-4264-4D0F-A811-4BBA2FBA03AC}" srcOrd="6" destOrd="0" presId="urn:microsoft.com/office/officeart/2005/8/layout/bProcess2"/>
+    <dgm:cxn modelId="{DB061407-4FB3-4A54-8AE4-C097D28677F4}" type="presOf" srcId="{42AD3462-EC2E-4FBD-82B8-BDB751066B84}" destId="{B4E7AA12-41E7-4F75-B521-C753BF6F568B}" srcOrd="0" destOrd="0" presId="urn:microsoft.com/office/officeart/2005/8/layout/hProcess9"/>
+    <dgm:cxn modelId="{9A346B2E-4EFD-4B13-BB86-9374B0937859}" srcId="{91485AA2-4545-4C07-A8BC-0C6ED8E021D5}" destId="{66567CA8-2170-4B66-BEB4-679E46434938}" srcOrd="2" destOrd="0" parTransId="{E93271D2-2E17-48CC-B508-13A953979061}" sibTransId="{E596C588-C208-484F-A691-87F027106D9A}"/>
+    <dgm:cxn modelId="{7B77A230-91AA-46E4-8C3D-6D0C6E7B2106}" srcId="{91485AA2-4545-4C07-A8BC-0C6ED8E021D5}" destId="{74294AE0-D1A3-43A0-AF54-ECDA17010A7C}" srcOrd="1" destOrd="0" parTransId="{854BFE59-DDBD-4D7B-BC6E-4BDD92348675}" sibTransId="{905E821C-67E8-4227-B149-EA251C49E5B4}"/>
+    <dgm:cxn modelId="{92292134-44DF-4093-82A9-CBB75C6BDC1D}" type="presOf" srcId="{74294AE0-D1A3-43A0-AF54-ECDA17010A7C}" destId="{7A09576D-7338-4302-8C81-FD11454404A2}" srcOrd="0" destOrd="0" presId="urn:microsoft.com/office/officeart/2005/8/layout/hProcess9"/>
+    <dgm:cxn modelId="{277DFA3E-AFE9-4243-802C-A4E6811D677D}" srcId="{91485AA2-4545-4C07-A8BC-0C6ED8E021D5}" destId="{568D72A6-732F-448A-A3D6-1EE5DCF93B7C}" srcOrd="3" destOrd="0" parTransId="{9A848EEC-A84E-4BDA-B5E4-5FA62007C993}" sibTransId="{2273E239-5DDC-4D98-AC87-32B35629E237}"/>
+    <dgm:cxn modelId="{E915C38C-03AC-4607-9B1B-5D80D277C69D}" type="presOf" srcId="{66567CA8-2170-4B66-BEB4-679E46434938}" destId="{710B7382-CB55-41E4-9994-4748763B850C}" srcOrd="0" destOrd="0" presId="urn:microsoft.com/office/officeart/2005/8/layout/hProcess9"/>
+    <dgm:cxn modelId="{ECF6D790-4934-47B7-A22E-439F4AA0353E}" type="presOf" srcId="{91485AA2-4545-4C07-A8BC-0C6ED8E021D5}" destId="{3491E506-7F78-4665-B3B2-471B2DF2EC12}" srcOrd="0" destOrd="0" presId="urn:microsoft.com/office/officeart/2005/8/layout/hProcess9"/>
+    <dgm:cxn modelId="{9C341FA1-7377-4351-885D-E0CE7318559E}" srcId="{91485AA2-4545-4C07-A8BC-0C6ED8E021D5}" destId="{42AD3462-EC2E-4FBD-82B8-BDB751066B84}" srcOrd="0" destOrd="0" parTransId="{3FCDE066-5C45-40F1-AF15-53E1563FF17D}" sibTransId="{9F671E39-F8B8-459A-8F5A-D37AE401A812}"/>
+    <dgm:cxn modelId="{3E270ACB-3FE9-4AD5-8FCD-6F878229DD0A}" type="presOf" srcId="{568D72A6-732F-448A-A3D6-1EE5DCF93B7C}" destId="{A49CFC96-64BD-4EBA-A80C-5659665658B6}" srcOrd="0" destOrd="0" presId="urn:microsoft.com/office/officeart/2005/8/layout/hProcess9"/>
+    <dgm:cxn modelId="{A3FD468B-F580-4B74-9710-C2D804C1FD0E}" type="presParOf" srcId="{3491E506-7F78-4665-B3B2-471B2DF2EC12}" destId="{F57AB11D-2824-4695-92AB-B80876269BE9}" srcOrd="0" destOrd="0" presId="urn:microsoft.com/office/officeart/2005/8/layout/hProcess9"/>
+    <dgm:cxn modelId="{FDD43153-3F5D-4B08-ADB8-0F23A1569B23}" type="presParOf" srcId="{3491E506-7F78-4665-B3B2-471B2DF2EC12}" destId="{6CF218B7-7E52-4007-8A0D-0F69388DBE1E}" srcOrd="1" destOrd="0" presId="urn:microsoft.com/office/officeart/2005/8/layout/hProcess9"/>
+    <dgm:cxn modelId="{024B2AC9-FC8E-42A2-8FAA-03E8CB88235D}" type="presParOf" srcId="{6CF218B7-7E52-4007-8A0D-0F69388DBE1E}" destId="{B4E7AA12-41E7-4F75-B521-C753BF6F568B}" srcOrd="0" destOrd="0" presId="urn:microsoft.com/office/officeart/2005/8/layout/hProcess9"/>
+    <dgm:cxn modelId="{05EBF444-FE22-4E77-B95C-664C828AE88A}" type="presParOf" srcId="{6CF218B7-7E52-4007-8A0D-0F69388DBE1E}" destId="{9E0DDDBC-C91B-46E0-AA6D-ADE14DD86ED6}" srcOrd="1" destOrd="0" presId="urn:microsoft.com/office/officeart/2005/8/layout/hProcess9"/>
+    <dgm:cxn modelId="{D74E28FD-7533-459D-AA56-5E84B0354824}" type="presParOf" srcId="{6CF218B7-7E52-4007-8A0D-0F69388DBE1E}" destId="{7A09576D-7338-4302-8C81-FD11454404A2}" srcOrd="2" destOrd="0" presId="urn:microsoft.com/office/officeart/2005/8/layout/hProcess9"/>
+    <dgm:cxn modelId="{CD6F2884-5CD9-4623-A39F-9B50A3EDFAD2}" type="presParOf" srcId="{6CF218B7-7E52-4007-8A0D-0F69388DBE1E}" destId="{22A17A0C-CB46-47C6-A54F-A30F62D328CA}" srcOrd="3" destOrd="0" presId="urn:microsoft.com/office/officeart/2005/8/layout/hProcess9"/>
+    <dgm:cxn modelId="{48FBE6C9-1DDE-4A67-B63C-05FB50AE0840}" type="presParOf" srcId="{6CF218B7-7E52-4007-8A0D-0F69388DBE1E}" destId="{710B7382-CB55-41E4-9994-4748763B850C}" srcOrd="4" destOrd="0" presId="urn:microsoft.com/office/officeart/2005/8/layout/hProcess9"/>
+    <dgm:cxn modelId="{C2DE1161-DB44-4F5C-973D-866A322AA45B}" type="presParOf" srcId="{6CF218B7-7E52-4007-8A0D-0F69388DBE1E}" destId="{163DB0A7-D3E7-401D-95B4-F0B8FE7674A0}" srcOrd="5" destOrd="0" presId="urn:microsoft.com/office/officeart/2005/8/layout/hProcess9"/>
+    <dgm:cxn modelId="{28FD7B8A-8BBA-4F9F-AD84-B803FF907245}" type="presParOf" srcId="{6CF218B7-7E52-4007-8A0D-0F69388DBE1E}" destId="{A49CFC96-64BD-4EBA-A80C-5659665658B6}" srcOrd="6" destOrd="0" presId="urn:microsoft.com/office/officeart/2005/8/layout/hProcess9"/>
   </dgm:cxnLst>
   <dgm:bg/>
   <dgm:whole/>
@@ -4202,59 +4186,28 @@
       <dsp:cNvGrpSpPr/>
     </dsp:nvGrpSpPr>
     <dsp:grpSpPr/>
-    <dsp:sp modelId="{DBA147E7-F3E9-4C66-98E5-61D87CCAC252}">
+    <dsp:sp modelId="{F57AB11D-2824-4695-92AB-B80876269BE9}">
       <dsp:nvSpPr>
         <dsp:cNvPr id="0" name=""/>
         <dsp:cNvSpPr/>
       </dsp:nvSpPr>
       <dsp:spPr>
         <a:xfrm>
-          <a:off x="4281" y="1029189"/>
-          <a:ext cx="1592870" cy="1592870"/>
+          <a:off x="2" y="0"/>
+          <a:ext cx="8769345" cy="3651250"/>
         </a:xfrm>
-        <a:prstGeom prst="ellipse">
+        <a:prstGeom prst="rightArrow">
           <a:avLst/>
         </a:prstGeom>
-        <a:gradFill rotWithShape="0">
-          <a:gsLst>
-            <a:gs pos="0">
-              <a:schemeClr val="accent1">
-                <a:hueOff val="0"/>
-                <a:satOff val="0"/>
-                <a:lumOff val="0"/>
-                <a:alphaOff val="0"/>
-                <a:tint val="94000"/>
-                <a:satMod val="103000"/>
-                <a:lumMod val="102000"/>
-              </a:schemeClr>
-            </a:gs>
-            <a:gs pos="50000">
-              <a:schemeClr val="accent1">
-                <a:hueOff val="0"/>
-                <a:satOff val="0"/>
-                <a:lumOff val="0"/>
-                <a:alphaOff val="0"/>
-                <a:shade val="100000"/>
-                <a:satMod val="110000"/>
-                <a:lumMod val="100000"/>
-              </a:schemeClr>
-            </a:gs>
-            <a:gs pos="100000">
-              <a:schemeClr val="accent1">
-                <a:hueOff val="0"/>
-                <a:satOff val="0"/>
-                <a:lumOff val="0"/>
-                <a:alphaOff val="0"/>
-                <a:shade val="70000"/>
-                <a:satMod val="120000"/>
-                <a:lumMod val="99000"/>
-              </a:schemeClr>
-            </a:gs>
-          </a:gsLst>
-          <a:path path="circle">
-            <a:fillToRect l="100000" t="100000" r="100000" b="100000"/>
-          </a:path>
-        </a:gradFill>
+        <a:solidFill>
+          <a:schemeClr val="accent1">
+            <a:tint val="40000"/>
+            <a:hueOff val="0"/>
+            <a:satOff val="0"/>
+            <a:lumOff val="0"/>
+            <a:alphaOff val="0"/>
+          </a:schemeClr>
+        </a:solidFill>
         <a:ln>
           <a:noFill/>
         </a:ln>
@@ -4264,10 +4217,57 @@
         <a:lnRef idx="0">
           <a:scrgbClr r="0" g="0" b="0"/>
         </a:lnRef>
-        <a:fillRef idx="3">
+        <a:fillRef idx="1">
           <a:scrgbClr r="0" g="0" b="0"/>
         </a:fillRef>
-        <a:effectRef idx="2">
+        <a:effectRef idx="0">
+          <a:scrgbClr r="0" g="0" b="0"/>
+        </a:effectRef>
+        <a:fontRef idx="minor"/>
+      </dsp:style>
+    </dsp:sp>
+    <dsp:sp modelId="{B4E7AA12-41E7-4F75-B521-C753BF6F568B}">
+      <dsp:nvSpPr>
+        <dsp:cNvPr id="0" name=""/>
+        <dsp:cNvSpPr/>
+      </dsp:nvSpPr>
+      <dsp:spPr>
+        <a:xfrm>
+          <a:off x="1873" y="1095375"/>
+          <a:ext cx="2108706" cy="1460500"/>
+        </a:xfrm>
+        <a:prstGeom prst="roundRect">
+          <a:avLst/>
+        </a:prstGeom>
+        <a:solidFill>
+          <a:schemeClr val="accent1">
+            <a:hueOff val="0"/>
+            <a:satOff val="0"/>
+            <a:lumOff val="0"/>
+            <a:alphaOff val="0"/>
+          </a:schemeClr>
+        </a:solidFill>
+        <a:ln w="12700" cap="flat" cmpd="sng" algn="ctr">
+          <a:solidFill>
+            <a:schemeClr val="lt1">
+              <a:hueOff val="0"/>
+              <a:satOff val="0"/>
+              <a:lumOff val="0"/>
+              <a:alphaOff val="0"/>
+            </a:schemeClr>
+          </a:solidFill>
+          <a:prstDash val="solid"/>
+        </a:ln>
+        <a:effectLst/>
+      </dsp:spPr>
+      <dsp:style>
+        <a:lnRef idx="2">
+          <a:scrgbClr r="0" g="0" b="0"/>
+        </a:lnRef>
+        <a:fillRef idx="1">
+          <a:scrgbClr r="0" g="0" b="0"/>
+        </a:fillRef>
+        <a:effectRef idx="0">
           <a:scrgbClr r="0" g="0" b="0"/>
         </a:effectRef>
         <a:fontRef idx="minor">
@@ -4275,12 +4275,12 @@
         </a:fontRef>
       </dsp:style>
       <dsp:txBody>
-        <a:bodyPr spcFirstLastPara="0" vert="horz" wrap="square" lIns="17780" tIns="17780" rIns="17780" bIns="17780" numCol="1" spcCol="1270" anchor="ctr" anchorCtr="0">
+        <a:bodyPr spcFirstLastPara="0" vert="horz" wrap="square" lIns="99060" tIns="99060" rIns="99060" bIns="99060" numCol="1" spcCol="1270" anchor="ctr" anchorCtr="0">
           <a:noAutofit/>
         </a:bodyPr>
         <a:lstStyle/>
         <a:p>
-          <a:pPr marL="0" lvl="0" indent="0" algn="ctr" defTabSz="622300">
+          <a:pPr marL="0" lvl="0" indent="0" algn="ctr" defTabSz="1155700">
             <a:lnSpc>
               <a:spcPct val="90000"/>
             </a:lnSpc>
@@ -4293,163 +4293,63 @@
             <a:buNone/>
           </a:pPr>
           <a:r>
-            <a:rPr lang="it-IT" sz="1400" kern="1200" dirty="0"/>
+            <a:rPr lang="it-IT" sz="2600" kern="1200" dirty="0"/>
             <a:t>Ricerca libreria dct2 </a:t>
           </a:r>
           <a:r>
-            <a:rPr lang="it-IT" sz="1400" kern="1200" dirty="0" err="1"/>
+            <a:rPr lang="it-IT" sz="2600" kern="1200" dirty="0" err="1"/>
             <a:t>fft</a:t>
           </a:r>
-          <a:endParaRPr lang="it-IT" sz="1400" kern="1200" dirty="0"/>
+          <a:endParaRPr lang="it-IT" sz="2600" kern="1200" dirty="0"/>
         </a:p>
       </dsp:txBody>
       <dsp:txXfrm>
-        <a:off x="237551" y="1262459"/>
-        <a:ext cx="1126330" cy="1126330"/>
+        <a:off x="73169" y="1166671"/>
+        <a:ext cx="1966114" cy="1317908"/>
       </dsp:txXfrm>
     </dsp:sp>
-    <dsp:sp modelId="{46B9A038-5CBE-4459-9DCC-DE5C06776211}">
-      <dsp:nvSpPr>
-        <dsp:cNvPr id="0" name=""/>
-        <dsp:cNvSpPr/>
-      </dsp:nvSpPr>
-      <dsp:spPr>
-        <a:xfrm rot="5400000">
-          <a:off x="1865148" y="1544288"/>
-          <a:ext cx="557504" cy="562673"/>
-        </a:xfrm>
-        <a:prstGeom prst="triangle">
-          <a:avLst/>
-        </a:prstGeom>
-        <a:gradFill rotWithShape="0">
-          <a:gsLst>
-            <a:gs pos="0">
-              <a:schemeClr val="accent1">
-                <a:tint val="60000"/>
-                <a:hueOff val="0"/>
-                <a:satOff val="0"/>
-                <a:lumOff val="0"/>
-                <a:alphaOff val="0"/>
-                <a:tint val="94000"/>
-                <a:satMod val="103000"/>
-                <a:lumMod val="102000"/>
-              </a:schemeClr>
-            </a:gs>
-            <a:gs pos="50000">
-              <a:schemeClr val="accent1">
-                <a:tint val="60000"/>
-                <a:hueOff val="0"/>
-                <a:satOff val="0"/>
-                <a:lumOff val="0"/>
-                <a:alphaOff val="0"/>
-                <a:shade val="100000"/>
-                <a:satMod val="110000"/>
-                <a:lumMod val="100000"/>
-              </a:schemeClr>
-            </a:gs>
-            <a:gs pos="100000">
-              <a:schemeClr val="accent1">
-                <a:tint val="60000"/>
-                <a:hueOff val="0"/>
-                <a:satOff val="0"/>
-                <a:lumOff val="0"/>
-                <a:alphaOff val="0"/>
-                <a:shade val="70000"/>
-                <a:satMod val="120000"/>
-                <a:lumMod val="99000"/>
-              </a:schemeClr>
-            </a:gs>
-          </a:gsLst>
-          <a:path path="circle">
-            <a:fillToRect l="100000" t="100000" r="100000" b="100000"/>
-          </a:path>
-        </a:gradFill>
-        <a:ln>
-          <a:noFill/>
-        </a:ln>
-        <a:effectLst/>
-      </dsp:spPr>
-      <dsp:style>
-        <a:lnRef idx="0">
-          <a:scrgbClr r="0" g="0" b="0"/>
-        </a:lnRef>
-        <a:fillRef idx="3">
-          <a:scrgbClr r="0" g="0" b="0"/>
-        </a:fillRef>
-        <a:effectRef idx="2">
-          <a:scrgbClr r="0" g="0" b="0"/>
-        </a:effectRef>
-        <a:fontRef idx="minor">
-          <a:schemeClr val="lt1"/>
-        </a:fontRef>
-      </dsp:style>
-    </dsp:sp>
-    <dsp:sp modelId="{5D7D530A-3216-49D8-9FE5-ECE5E69F1059}">
+    <dsp:sp modelId="{7A09576D-7338-4302-8C81-FD11454404A2}">
       <dsp:nvSpPr>
         <dsp:cNvPr id="0" name=""/>
         <dsp:cNvSpPr/>
       </dsp:nvSpPr>
       <dsp:spPr>
         <a:xfrm>
-          <a:off x="2658800" y="1294402"/>
-          <a:ext cx="1062444" cy="1062444"/>
+          <a:off x="2220838" y="1095375"/>
+          <a:ext cx="2108706" cy="1460500"/>
         </a:xfrm>
-        <a:prstGeom prst="ellipse">
+        <a:prstGeom prst="roundRect">
           <a:avLst/>
         </a:prstGeom>
-        <a:gradFill rotWithShape="0">
-          <a:gsLst>
-            <a:gs pos="0">
-              <a:schemeClr val="accent1">
-                <a:hueOff val="0"/>
-                <a:satOff val="0"/>
-                <a:lumOff val="0"/>
-                <a:alphaOff val="0"/>
-                <a:tint val="94000"/>
-                <a:satMod val="103000"/>
-                <a:lumMod val="102000"/>
-              </a:schemeClr>
-            </a:gs>
-            <a:gs pos="50000">
-              <a:schemeClr val="accent1">
-                <a:hueOff val="0"/>
-                <a:satOff val="0"/>
-                <a:lumOff val="0"/>
-                <a:alphaOff val="0"/>
-                <a:shade val="100000"/>
-                <a:satMod val="110000"/>
-                <a:lumMod val="100000"/>
-              </a:schemeClr>
-            </a:gs>
-            <a:gs pos="100000">
-              <a:schemeClr val="accent1">
-                <a:hueOff val="0"/>
-                <a:satOff val="0"/>
-                <a:lumOff val="0"/>
-                <a:alphaOff val="0"/>
-                <a:shade val="70000"/>
-                <a:satMod val="120000"/>
-                <a:lumMod val="99000"/>
-              </a:schemeClr>
-            </a:gs>
-          </a:gsLst>
-          <a:path path="circle">
-            <a:fillToRect l="100000" t="100000" r="100000" b="100000"/>
-          </a:path>
-        </a:gradFill>
-        <a:ln>
-          <a:noFill/>
+        <a:solidFill>
+          <a:schemeClr val="accent1">
+            <a:hueOff val="0"/>
+            <a:satOff val="0"/>
+            <a:lumOff val="0"/>
+            <a:alphaOff val="0"/>
+          </a:schemeClr>
+        </a:solidFill>
+        <a:ln w="12700" cap="flat" cmpd="sng" algn="ctr">
+          <a:solidFill>
+            <a:schemeClr val="lt1">
+              <a:hueOff val="0"/>
+              <a:satOff val="0"/>
+              <a:lumOff val="0"/>
+              <a:alphaOff val="0"/>
+            </a:schemeClr>
+          </a:solidFill>
+          <a:prstDash val="solid"/>
         </a:ln>
         <a:effectLst/>
       </dsp:spPr>
       <dsp:style>
-        <a:lnRef idx="0">
+        <a:lnRef idx="2">
           <a:scrgbClr r="0" g="0" b="0"/>
         </a:lnRef>
-        <a:fillRef idx="3">
+        <a:fillRef idx="1">
           <a:scrgbClr r="0" g="0" b="0"/>
         </a:fillRef>
-        <a:effectRef idx="2">
+        <a:effectRef idx="0">
           <a:scrgbClr r="0" g="0" b="0"/>
         </a:effectRef>
         <a:fontRef idx="minor">
@@ -4457,12 +4357,12 @@
         </a:fontRef>
       </dsp:style>
       <dsp:txBody>
-        <a:bodyPr spcFirstLastPara="0" vert="horz" wrap="square" lIns="15240" tIns="15240" rIns="15240" bIns="15240" numCol="1" spcCol="1270" anchor="ctr" anchorCtr="0">
+        <a:bodyPr spcFirstLastPara="0" vert="horz" wrap="square" lIns="99060" tIns="99060" rIns="99060" bIns="99060" numCol="1" spcCol="1270" anchor="ctr" anchorCtr="0">
           <a:noAutofit/>
         </a:bodyPr>
         <a:lstStyle/>
         <a:p>
-          <a:pPr marL="0" lvl="0" indent="0" algn="ctr" defTabSz="533400">
+          <a:pPr marL="0" lvl="0" indent="0" algn="ctr" defTabSz="1155700">
             <a:lnSpc>
               <a:spcPct val="90000"/>
             </a:lnSpc>
@@ -4475,158 +4375,58 @@
             <a:buNone/>
           </a:pPr>
           <a:r>
-            <a:rPr lang="it-IT" sz="1200" kern="1200" dirty="0"/>
+            <a:rPr lang="it-IT" sz="2600" kern="1200" dirty="0"/>
             <a:t>Sviluppo algoritmo dct2</a:t>
           </a:r>
         </a:p>
       </dsp:txBody>
       <dsp:txXfrm>
-        <a:off x="2814391" y="1449993"/>
-        <a:ext cx="751262" cy="751262"/>
+        <a:off x="2292134" y="1166671"/>
+        <a:ext cx="1966114" cy="1317908"/>
       </dsp:txXfrm>
     </dsp:sp>
-    <dsp:sp modelId="{45645A55-47D3-4461-AFE9-74E1228E78B8}">
-      <dsp:nvSpPr>
-        <dsp:cNvPr id="0" name=""/>
-        <dsp:cNvSpPr/>
-      </dsp:nvSpPr>
-      <dsp:spPr>
-        <a:xfrm rot="5400000">
-          <a:off x="4121847" y="1544288"/>
-          <a:ext cx="557504" cy="562673"/>
-        </a:xfrm>
-        <a:prstGeom prst="triangle">
-          <a:avLst/>
-        </a:prstGeom>
-        <a:gradFill rotWithShape="0">
-          <a:gsLst>
-            <a:gs pos="0">
-              <a:schemeClr val="accent1">
-                <a:tint val="60000"/>
-                <a:hueOff val="0"/>
-                <a:satOff val="0"/>
-                <a:lumOff val="0"/>
-                <a:alphaOff val="0"/>
-                <a:tint val="94000"/>
-                <a:satMod val="103000"/>
-                <a:lumMod val="102000"/>
-              </a:schemeClr>
-            </a:gs>
-            <a:gs pos="50000">
-              <a:schemeClr val="accent1">
-                <a:tint val="60000"/>
-                <a:hueOff val="0"/>
-                <a:satOff val="0"/>
-                <a:lumOff val="0"/>
-                <a:alphaOff val="0"/>
-                <a:shade val="100000"/>
-                <a:satMod val="110000"/>
-                <a:lumMod val="100000"/>
-              </a:schemeClr>
-            </a:gs>
-            <a:gs pos="100000">
-              <a:schemeClr val="accent1">
-                <a:tint val="60000"/>
-                <a:hueOff val="0"/>
-                <a:satOff val="0"/>
-                <a:lumOff val="0"/>
-                <a:alphaOff val="0"/>
-                <a:shade val="70000"/>
-                <a:satMod val="120000"/>
-                <a:lumMod val="99000"/>
-              </a:schemeClr>
-            </a:gs>
-          </a:gsLst>
-          <a:path path="circle">
-            <a:fillToRect l="100000" t="100000" r="100000" b="100000"/>
-          </a:path>
-        </a:gradFill>
-        <a:ln>
-          <a:noFill/>
-        </a:ln>
-        <a:effectLst/>
-      </dsp:spPr>
-      <dsp:style>
-        <a:lnRef idx="0">
-          <a:scrgbClr r="0" g="0" b="0"/>
-        </a:lnRef>
-        <a:fillRef idx="3">
-          <a:scrgbClr r="0" g="0" b="0"/>
-        </a:fillRef>
-        <a:effectRef idx="2">
-          <a:scrgbClr r="0" g="0" b="0"/>
-        </a:effectRef>
-        <a:fontRef idx="minor">
-          <a:schemeClr val="lt1"/>
-        </a:fontRef>
-      </dsp:style>
-    </dsp:sp>
-    <dsp:sp modelId="{6D4A0121-D520-4416-8D17-5716299A4D59}">
+    <dsp:sp modelId="{710B7382-CB55-41E4-9994-4748763B850C}">
       <dsp:nvSpPr>
         <dsp:cNvPr id="0" name=""/>
         <dsp:cNvSpPr/>
       </dsp:nvSpPr>
       <dsp:spPr>
         <a:xfrm>
-          <a:off x="5048105" y="1294402"/>
-          <a:ext cx="1062444" cy="1062444"/>
+          <a:off x="4439804" y="1095375"/>
+          <a:ext cx="2108706" cy="1460500"/>
         </a:xfrm>
-        <a:prstGeom prst="ellipse">
+        <a:prstGeom prst="roundRect">
           <a:avLst/>
         </a:prstGeom>
-        <a:gradFill rotWithShape="0">
-          <a:gsLst>
-            <a:gs pos="0">
-              <a:schemeClr val="accent1">
-                <a:hueOff val="0"/>
-                <a:satOff val="0"/>
-                <a:lumOff val="0"/>
-                <a:alphaOff val="0"/>
-                <a:tint val="94000"/>
-                <a:satMod val="103000"/>
-                <a:lumMod val="102000"/>
-              </a:schemeClr>
-            </a:gs>
-            <a:gs pos="50000">
-              <a:schemeClr val="accent1">
-                <a:hueOff val="0"/>
-                <a:satOff val="0"/>
-                <a:lumOff val="0"/>
-                <a:alphaOff val="0"/>
-                <a:shade val="100000"/>
-                <a:satMod val="110000"/>
-                <a:lumMod val="100000"/>
-              </a:schemeClr>
-            </a:gs>
-            <a:gs pos="100000">
-              <a:schemeClr val="accent1">
-                <a:hueOff val="0"/>
-                <a:satOff val="0"/>
-                <a:lumOff val="0"/>
-                <a:alphaOff val="0"/>
-                <a:shade val="70000"/>
-                <a:satMod val="120000"/>
-                <a:lumMod val="99000"/>
-              </a:schemeClr>
-            </a:gs>
-          </a:gsLst>
-          <a:path path="circle">
-            <a:fillToRect l="100000" t="100000" r="100000" b="100000"/>
-          </a:path>
-        </a:gradFill>
-        <a:ln>
-          <a:noFill/>
+        <a:solidFill>
+          <a:schemeClr val="accent1">
+            <a:hueOff val="0"/>
+            <a:satOff val="0"/>
+            <a:lumOff val="0"/>
+            <a:alphaOff val="0"/>
+          </a:schemeClr>
+        </a:solidFill>
+        <a:ln w="12700" cap="flat" cmpd="sng" algn="ctr">
+          <a:solidFill>
+            <a:schemeClr val="lt1">
+              <a:hueOff val="0"/>
+              <a:satOff val="0"/>
+              <a:lumOff val="0"/>
+              <a:alphaOff val="0"/>
+            </a:schemeClr>
+          </a:solidFill>
+          <a:prstDash val="solid"/>
         </a:ln>
         <a:effectLst/>
       </dsp:spPr>
       <dsp:style>
-        <a:lnRef idx="0">
+        <a:lnRef idx="2">
           <a:scrgbClr r="0" g="0" b="0"/>
         </a:lnRef>
-        <a:fillRef idx="3">
+        <a:fillRef idx="1">
           <a:scrgbClr r="0" g="0" b="0"/>
         </a:fillRef>
-        <a:effectRef idx="2">
+        <a:effectRef idx="0">
           <a:scrgbClr r="0" g="0" b="0"/>
         </a:effectRef>
         <a:fontRef idx="minor">
@@ -4634,12 +4434,12 @@
         </a:fontRef>
       </dsp:style>
       <dsp:txBody>
-        <a:bodyPr spcFirstLastPara="0" vert="horz" wrap="square" lIns="13970" tIns="13970" rIns="13970" bIns="13970" numCol="1" spcCol="1270" anchor="ctr" anchorCtr="0">
+        <a:bodyPr spcFirstLastPara="0" vert="horz" wrap="square" lIns="99060" tIns="99060" rIns="99060" bIns="99060" numCol="1" spcCol="1270" anchor="ctr" anchorCtr="0">
           <a:noAutofit/>
         </a:bodyPr>
         <a:lstStyle/>
         <a:p>
-          <a:pPr marL="0" lvl="0" indent="0" algn="ctr" defTabSz="488950">
+          <a:pPr marL="0" lvl="0" indent="0" algn="ctr" defTabSz="1155700">
             <a:lnSpc>
               <a:spcPct val="90000"/>
             </a:lnSpc>
@@ -4652,158 +4452,58 @@
             <a:buNone/>
           </a:pPr>
           <a:r>
-            <a:rPr lang="it-IT" sz="1100" kern="1200" dirty="0"/>
-            <a:t>Confronto algoritmi</a:t>
+            <a:rPr lang="it-IT" sz="2600" kern="1200" dirty="0"/>
+            <a:t>Esecuzione metodi</a:t>
           </a:r>
         </a:p>
       </dsp:txBody>
       <dsp:txXfrm>
-        <a:off x="5203696" y="1449993"/>
-        <a:ext cx="751262" cy="751262"/>
+        <a:off x="4511100" y="1166671"/>
+        <a:ext cx="1966114" cy="1317908"/>
       </dsp:txXfrm>
     </dsp:sp>
-    <dsp:sp modelId="{B387B121-4D2E-4371-8CBF-0ECA5A41B5FD}">
-      <dsp:nvSpPr>
-        <dsp:cNvPr id="0" name=""/>
-        <dsp:cNvSpPr/>
-      </dsp:nvSpPr>
-      <dsp:spPr>
-        <a:xfrm rot="5400000">
-          <a:off x="6378546" y="1544288"/>
-          <a:ext cx="557504" cy="562673"/>
-        </a:xfrm>
-        <a:prstGeom prst="triangle">
-          <a:avLst/>
-        </a:prstGeom>
-        <a:gradFill rotWithShape="0">
-          <a:gsLst>
-            <a:gs pos="0">
-              <a:schemeClr val="accent1">
-                <a:tint val="60000"/>
-                <a:hueOff val="0"/>
-                <a:satOff val="0"/>
-                <a:lumOff val="0"/>
-                <a:alphaOff val="0"/>
-                <a:tint val="94000"/>
-                <a:satMod val="103000"/>
-                <a:lumMod val="102000"/>
-              </a:schemeClr>
-            </a:gs>
-            <a:gs pos="50000">
-              <a:schemeClr val="accent1">
-                <a:tint val="60000"/>
-                <a:hueOff val="0"/>
-                <a:satOff val="0"/>
-                <a:lumOff val="0"/>
-                <a:alphaOff val="0"/>
-                <a:shade val="100000"/>
-                <a:satMod val="110000"/>
-                <a:lumMod val="100000"/>
-              </a:schemeClr>
-            </a:gs>
-            <a:gs pos="100000">
-              <a:schemeClr val="accent1">
-                <a:tint val="60000"/>
-                <a:hueOff val="0"/>
-                <a:satOff val="0"/>
-                <a:lumOff val="0"/>
-                <a:alphaOff val="0"/>
-                <a:shade val="70000"/>
-                <a:satMod val="120000"/>
-                <a:lumMod val="99000"/>
-              </a:schemeClr>
-            </a:gs>
-          </a:gsLst>
-          <a:path path="circle">
-            <a:fillToRect l="100000" t="100000" r="100000" b="100000"/>
-          </a:path>
-        </a:gradFill>
-        <a:ln>
-          <a:noFill/>
-        </a:ln>
-        <a:effectLst/>
-      </dsp:spPr>
-      <dsp:style>
-        <a:lnRef idx="0">
-          <a:scrgbClr r="0" g="0" b="0"/>
-        </a:lnRef>
-        <a:fillRef idx="3">
-          <a:scrgbClr r="0" g="0" b="0"/>
-        </a:fillRef>
-        <a:effectRef idx="2">
-          <a:scrgbClr r="0" g="0" b="0"/>
-        </a:effectRef>
-        <a:fontRef idx="minor">
-          <a:schemeClr val="lt1"/>
-        </a:fontRef>
-      </dsp:style>
-    </dsp:sp>
-    <dsp:sp modelId="{536F5821-4264-4D0F-A811-4BBA2FBA03AC}">
+    <dsp:sp modelId="{A49CFC96-64BD-4EBA-A80C-5659665658B6}">
       <dsp:nvSpPr>
         <dsp:cNvPr id="0" name=""/>
         <dsp:cNvSpPr/>
       </dsp:nvSpPr>
       <dsp:spPr>
         <a:xfrm>
-          <a:off x="7172197" y="1029189"/>
-          <a:ext cx="1592870" cy="1592870"/>
+          <a:off x="6658770" y="1095375"/>
+          <a:ext cx="2108706" cy="1460500"/>
         </a:xfrm>
-        <a:prstGeom prst="ellipse">
+        <a:prstGeom prst="roundRect">
           <a:avLst/>
         </a:prstGeom>
-        <a:gradFill rotWithShape="0">
-          <a:gsLst>
-            <a:gs pos="0">
-              <a:schemeClr val="accent1">
-                <a:hueOff val="0"/>
-                <a:satOff val="0"/>
-                <a:lumOff val="0"/>
-                <a:alphaOff val="0"/>
-                <a:tint val="94000"/>
-                <a:satMod val="103000"/>
-                <a:lumMod val="102000"/>
-              </a:schemeClr>
-            </a:gs>
-            <a:gs pos="50000">
-              <a:schemeClr val="accent1">
-                <a:hueOff val="0"/>
-                <a:satOff val="0"/>
-                <a:lumOff val="0"/>
-                <a:alphaOff val="0"/>
-                <a:shade val="100000"/>
-                <a:satMod val="110000"/>
-                <a:lumMod val="100000"/>
-              </a:schemeClr>
-            </a:gs>
-            <a:gs pos="100000">
-              <a:schemeClr val="accent1">
-                <a:hueOff val="0"/>
-                <a:satOff val="0"/>
-                <a:lumOff val="0"/>
-                <a:alphaOff val="0"/>
-                <a:shade val="70000"/>
-                <a:satMod val="120000"/>
-                <a:lumMod val="99000"/>
-              </a:schemeClr>
-            </a:gs>
-          </a:gsLst>
-          <a:path path="circle">
-            <a:fillToRect l="100000" t="100000" r="100000" b="100000"/>
-          </a:path>
-        </a:gradFill>
-        <a:ln>
-          <a:noFill/>
+        <a:solidFill>
+          <a:schemeClr val="accent1">
+            <a:hueOff val="0"/>
+            <a:satOff val="0"/>
+            <a:lumOff val="0"/>
+            <a:alphaOff val="0"/>
+          </a:schemeClr>
+        </a:solidFill>
+        <a:ln w="12700" cap="flat" cmpd="sng" algn="ctr">
+          <a:solidFill>
+            <a:schemeClr val="lt1">
+              <a:hueOff val="0"/>
+              <a:satOff val="0"/>
+              <a:lumOff val="0"/>
+              <a:alphaOff val="0"/>
+            </a:schemeClr>
+          </a:solidFill>
+          <a:prstDash val="solid"/>
         </a:ln>
         <a:effectLst/>
       </dsp:spPr>
       <dsp:style>
-        <a:lnRef idx="0">
+        <a:lnRef idx="2">
           <a:scrgbClr r="0" g="0" b="0"/>
         </a:lnRef>
-        <a:fillRef idx="3">
+        <a:fillRef idx="1">
           <a:scrgbClr r="0" g="0" b="0"/>
         </a:fillRef>
-        <a:effectRef idx="2">
+        <a:effectRef idx="0">
           <a:scrgbClr r="0" g="0" b="0"/>
         </a:effectRef>
         <a:fontRef idx="minor">
@@ -4811,12 +4511,12 @@
         </a:fontRef>
       </dsp:style>
       <dsp:txBody>
-        <a:bodyPr spcFirstLastPara="0" vert="horz" wrap="square" lIns="15240" tIns="15240" rIns="15240" bIns="15240" numCol="1" spcCol="1270" anchor="ctr" anchorCtr="0">
+        <a:bodyPr spcFirstLastPara="0" vert="horz" wrap="square" lIns="99060" tIns="99060" rIns="99060" bIns="99060" numCol="1" spcCol="1270" anchor="ctr" anchorCtr="0">
           <a:noAutofit/>
         </a:bodyPr>
         <a:lstStyle/>
         <a:p>
-          <a:pPr marL="0" lvl="0" indent="0" algn="ctr" defTabSz="533400">
+          <a:pPr marL="0" lvl="0" indent="0" algn="ctr" defTabSz="1155700">
             <a:lnSpc>
               <a:spcPct val="90000"/>
             </a:lnSpc>
@@ -4829,14 +4529,14 @@
             <a:buNone/>
           </a:pPr>
           <a:r>
-            <a:rPr lang="it-IT" sz="1200" kern="1200" dirty="0"/>
-            <a:t>Estrapolazione conclusioni</a:t>
+            <a:rPr lang="it-IT" sz="2600" kern="1200" dirty="0"/>
+            <a:t>Confronto e conclusioni</a:t>
           </a:r>
         </a:p>
       </dsp:txBody>
       <dsp:txXfrm>
-        <a:off x="7405467" y="1262459"/>
-        <a:ext cx="1126330" cy="1126330"/>
+        <a:off x="6730066" y="1166671"/>
+        <a:ext cx="1966114" cy="1317908"/>
       </dsp:txXfrm>
     </dsp:sp>
   </dsp:spTree>
@@ -4844,55 +4544,16 @@
 </file>
 
 <file path=ppt/diagrams/layout1.xml><?xml version="1.0" encoding="utf-8"?>
-<dgm:layoutDef xmlns:dgm="http://schemas.openxmlformats.org/drawingml/2006/diagram" xmlns:a="http://schemas.openxmlformats.org/drawingml/2006/main" uniqueId="urn:microsoft.com/office/officeart/2005/8/layout/bProcess2">
+<dgm:layoutDef xmlns:dgm="http://schemas.openxmlformats.org/drawingml/2006/diagram" xmlns:a="http://schemas.openxmlformats.org/drawingml/2006/main" uniqueId="urn:microsoft.com/office/officeart/2005/8/layout/hProcess9">
   <dgm:title val=""/>
   <dgm:desc val=""/>
   <dgm:catLst>
-    <dgm:cat type="process" pri="24000"/>
+    <dgm:cat type="process" pri="5000"/>
+    <dgm:cat type="convert" pri="13000"/>
   </dgm:catLst>
-  <dgm:sampData>
+  <dgm:sampData useDef="1">
     <dgm:dataModel>
-      <dgm:ptLst>
-        <dgm:pt modelId="0" type="doc"/>
-        <dgm:pt modelId="1">
-          <dgm:prSet phldr="1"/>
-        </dgm:pt>
-        <dgm:pt modelId="2">
-          <dgm:prSet phldr="1"/>
-        </dgm:pt>
-        <dgm:pt modelId="3">
-          <dgm:prSet phldr="1"/>
-        </dgm:pt>
-        <dgm:pt modelId="4">
-          <dgm:prSet phldr="1"/>
-        </dgm:pt>
-        <dgm:pt modelId="5">
-          <dgm:prSet phldr="1"/>
-        </dgm:pt>
-        <dgm:pt modelId="6">
-          <dgm:prSet phldr="1"/>
-        </dgm:pt>
-        <dgm:pt modelId="7">
-          <dgm:prSet phldr="1"/>
-        </dgm:pt>
-        <dgm:pt modelId="8">
-          <dgm:prSet phldr="1"/>
-        </dgm:pt>
-        <dgm:pt modelId="9">
-          <dgm:prSet phldr="1"/>
-        </dgm:pt>
-      </dgm:ptLst>
-      <dgm:cxnLst>
-        <dgm:cxn modelId="10" srcId="0" destId="1" srcOrd="0" destOrd="0"/>
-        <dgm:cxn modelId="11" srcId="0" destId="2" srcOrd="1" destOrd="0"/>
-        <dgm:cxn modelId="12" srcId="0" destId="3" srcOrd="2" destOrd="0"/>
-        <dgm:cxn modelId="13" srcId="0" destId="4" srcOrd="3" destOrd="0"/>
-        <dgm:cxn modelId="14" srcId="0" destId="5" srcOrd="4" destOrd="0"/>
-        <dgm:cxn modelId="15" srcId="0" destId="6" srcOrd="5" destOrd="0"/>
-        <dgm:cxn modelId="16" srcId="0" destId="7" srcOrd="6" destOrd="0"/>
-        <dgm:cxn modelId="17" srcId="0" destId="8" srcOrd="7" destOrd="0"/>
-        <dgm:cxn modelId="18" srcId="0" destId="9" srcOrd="8" destOrd="0"/>
-      </dgm:cxnLst>
+      <dgm:ptLst/>
       <dgm:bg/>
       <dgm:whole/>
     </dgm:dataModel>
@@ -4920,245 +4581,128 @@
         <dgm:pt modelId="2"/>
         <dgm:pt modelId="3"/>
         <dgm:pt modelId="4"/>
-        <dgm:pt modelId="5"/>
-        <dgm:pt modelId="6"/>
       </dgm:ptLst>
       <dgm:cxnLst>
-        <dgm:cxn modelId="7" srcId="0" destId="1" srcOrd="0" destOrd="0"/>
-        <dgm:cxn modelId="8" srcId="0" destId="2" srcOrd="1" destOrd="0"/>
-        <dgm:cxn modelId="9" srcId="0" destId="3" srcOrd="2" destOrd="0"/>
-        <dgm:cxn modelId="10" srcId="0" destId="4" srcOrd="3" destOrd="0"/>
-        <dgm:cxn modelId="11" srcId="0" destId="5" srcOrd="4" destOrd="0"/>
-        <dgm:cxn modelId="12" srcId="0" destId="6" srcOrd="5" destOrd="0"/>
+        <dgm:cxn modelId="5" srcId="0" destId="1" srcOrd="0" destOrd="0"/>
+        <dgm:cxn modelId="6" srcId="0" destId="2" srcOrd="1" destOrd="0"/>
+        <dgm:cxn modelId="7" srcId="0" destId="3" srcOrd="2" destOrd="0"/>
+        <dgm:cxn modelId="8" srcId="0" destId="4" srcOrd="3" destOrd="0"/>
       </dgm:cxnLst>
       <dgm:bg/>
       <dgm:whole/>
     </dgm:dataModel>
   </dgm:clrData>
-  <dgm:layoutNode name="diagram">
+  <dgm:layoutNode name="CompostProcess">
     <dgm:varLst>
       <dgm:dir/>
-      <dgm:resizeHandles/>
+      <dgm:resizeHandles val="exact"/>
     </dgm:varLst>
-    <dgm:choose name="Name0">
-      <dgm:if name="Name1" func="var" arg="dir" op="equ" val="norm">
-        <dgm:alg type="snake">
-          <dgm:param type="grDir" val="tL"/>
-          <dgm:param type="flowDir" val="col"/>
-          <dgm:param type="contDir" val="revDir"/>
-        </dgm:alg>
-      </dgm:if>
-      <dgm:else name="Name2">
-        <dgm:alg type="snake">
-          <dgm:param type="grDir" val="tR"/>
-          <dgm:param type="flowDir" val="col"/>
-          <dgm:param type="contDir" val="revDir"/>
-        </dgm:alg>
-      </dgm:else>
-    </dgm:choose>
+    <dgm:alg type="composite">
+      <dgm:param type="horzAlign" val="ctr"/>
+      <dgm:param type="vertAlign" val="mid"/>
+    </dgm:alg>
     <dgm:shape xmlns:r="http://schemas.openxmlformats.org/officeDocument/2006/relationships" r:blip="">
       <dgm:adjLst/>
     </dgm:shape>
     <dgm:presOf/>
     <dgm:constrLst>
-      <dgm:constr type="w" for="ch" forName="firstNode" refType="w"/>
-      <dgm:constr type="w" for="ch" forName="lastNode" refType="w" refFor="ch" refForName="firstNode" op="equ"/>
-      <dgm:constr type="w" for="ch" forName="middleNode" refType="w" refFor="ch" refForName="firstNode" op="equ"/>
-      <dgm:constr type="h" for="ch" ptType="sibTrans" refType="w" refFor="ch" refForName="middleNode" op="equ" fact="0.35"/>
-      <dgm:constr type="sp" refType="w" refFor="ch" refForName="middleNode" fact="0.5"/>
-      <dgm:constr type="connDist" for="des" ptType="sibTrans" op="equ"/>
-      <dgm:constr type="primFontSz" for="ch" forName="firstNode" val="65"/>
-      <dgm:constr type="primFontSz" for="ch" forName="lastNode" refType="primFontSz" refFor="ch" refForName="firstNode" op="equ"/>
-      <dgm:constr type="primFontSz" for="des" forName="shape" val="65"/>
-      <dgm:constr type="primFontSz" for="des" forName="shape" refType="primFontSz" refFor="ch" refForName="firstNode" op="lte"/>
-      <dgm:constr type="primFontSz" for="des" forName="shape" refType="primFontSz" refFor="ch" refForName="lastNode" op="lte"/>
+      <dgm:constr type="w" for="ch" forName="arrow" refType="w" fact="0.85"/>
+      <dgm:constr type="h" for="ch" forName="arrow" refType="h"/>
+      <dgm:constr type="ctrX" for="ch" forName="arrow" refType="w" fact="0.5"/>
+      <dgm:constr type="ctrY" for="ch" forName="arrow" refType="h" fact="0.5"/>
+      <dgm:constr type="w" for="ch" forName="linearProcess" refType="w"/>
+      <dgm:constr type="h" for="ch" forName="linearProcess" refType="h" fact="0.4"/>
+      <dgm:constr type="ctrX" for="ch" forName="linearProcess" refType="w" fact="0.5"/>
+      <dgm:constr type="ctrY" for="ch" forName="linearProcess" refType="h" fact="0.5"/>
     </dgm:constrLst>
     <dgm:ruleLst/>
-    <dgm:forEach name="Name3" axis="ch" ptType="node">
-      <dgm:choose name="Name4">
-        <dgm:if name="Name5" axis="self" ptType="node" func="pos" op="equ" val="1">
-          <dgm:layoutNode name="firstNode">
-            <dgm:varLst>
-              <dgm:bulletEnabled val="1"/>
-            </dgm:varLst>
-            <dgm:alg type="tx">
-              <dgm:param type="txAnchorVertCh" val="mid"/>
-            </dgm:alg>
-            <dgm:shape xmlns:r="http://schemas.openxmlformats.org/officeDocument/2006/relationships" type="ellipse" r:blip="">
-              <dgm:adjLst/>
-            </dgm:shape>
-            <dgm:presOf axis="desOrSelf" ptType="node"/>
-            <dgm:constrLst>
-              <dgm:constr type="h" refType="w"/>
-              <dgm:constr type="tMarg" refType="primFontSz" fact="0.1"/>
-              <dgm:constr type="bMarg" refType="primFontSz" fact="0.1"/>
-              <dgm:constr type="lMarg" refType="primFontSz" fact="0.1"/>
-              <dgm:constr type="rMarg" refType="primFontSz" fact="0.1"/>
-            </dgm:constrLst>
-            <dgm:ruleLst>
-              <dgm:rule type="primFontSz" val="5" fact="NaN" max="NaN"/>
-            </dgm:ruleLst>
-          </dgm:layoutNode>
+    <dgm:layoutNode name="arrow" styleLbl="bgShp">
+      <dgm:alg type="sp"/>
+      <dgm:choose name="Name0">
+        <dgm:if name="Name1" func="var" arg="dir" op="equ" val="norm">
+          <dgm:shape xmlns:r="http://schemas.openxmlformats.org/officeDocument/2006/relationships" type="rightArrow" r:blip="">
+            <dgm:adjLst/>
+          </dgm:shape>
         </dgm:if>
-        <dgm:if name="Name6" axis="self" ptType="node" func="revPos" op="equ" val="1">
-          <dgm:layoutNode name="lastNode">
-            <dgm:varLst>
-              <dgm:bulletEnabled val="1"/>
-            </dgm:varLst>
-            <dgm:alg type="tx">
-              <dgm:param type="txAnchorVertCh" val="mid"/>
-            </dgm:alg>
-            <dgm:shape xmlns:r="http://schemas.openxmlformats.org/officeDocument/2006/relationships" type="ellipse" r:blip="">
-              <dgm:adjLst/>
-            </dgm:shape>
-            <dgm:presOf axis="desOrSelf" ptType="node"/>
-            <dgm:constrLst>
-              <dgm:constr type="h" refType="w"/>
-              <dgm:constr type="tMarg" refType="primFontSz" fact="0.1"/>
-              <dgm:constr type="bMarg" refType="primFontSz" fact="0.1"/>
-              <dgm:constr type="lMarg" refType="primFontSz" fact="0.1"/>
-              <dgm:constr type="rMarg" refType="primFontSz" fact="0.1"/>
-            </dgm:constrLst>
-            <dgm:ruleLst>
-              <dgm:rule type="primFontSz" val="5" fact="NaN" max="NaN"/>
-            </dgm:ruleLst>
-          </dgm:layoutNode>
+        <dgm:else name="Name2">
+          <dgm:shape xmlns:r="http://schemas.openxmlformats.org/officeDocument/2006/relationships" type="leftArrow" r:blip="">
+            <dgm:adjLst/>
+          </dgm:shape>
+        </dgm:else>
+      </dgm:choose>
+      <dgm:presOf/>
+      <dgm:constrLst/>
+      <dgm:ruleLst/>
+    </dgm:layoutNode>
+    <dgm:layoutNode name="linearProcess">
+      <dgm:choose name="Name3">
+        <dgm:if name="Name4" func="var" arg="dir" op="equ" val="norm">
+          <dgm:alg type="lin"/>
         </dgm:if>
-        <dgm:else name="Name7">
-          <dgm:layoutNode name="middleNode">
-            <dgm:alg type="composite"/>
+        <dgm:else name="Name5">
+          <dgm:alg type="lin">
+            <dgm:param type="linDir" val="fromR"/>
+          </dgm:alg>
+        </dgm:else>
+      </dgm:choose>
+      <dgm:shape xmlns:r="http://schemas.openxmlformats.org/officeDocument/2006/relationships" r:blip="">
+        <dgm:adjLst/>
+      </dgm:shape>
+      <dgm:presOf/>
+      <dgm:constrLst>
+        <dgm:constr type="userA" for="ch" ptType="node" refType="w"/>
+        <dgm:constr type="h" for="ch" ptType="node" refType="h"/>
+        <dgm:constr type="w" for="ch" ptType="node" op="equ"/>
+        <dgm:constr type="w" for="ch" forName="sibTrans" refType="w" fact="0.05"/>
+        <dgm:constr type="primFontSz" for="ch" ptType="node" op="equ" val="65"/>
+      </dgm:constrLst>
+      <dgm:ruleLst/>
+      <dgm:forEach name="Name6" axis="ch" ptType="node">
+        <dgm:layoutNode name="textNode" styleLbl="node1">
+          <dgm:varLst>
+            <dgm:bulletEnabled val="1"/>
+          </dgm:varLst>
+          <dgm:alg type="tx"/>
+          <dgm:shape xmlns:r="http://schemas.openxmlformats.org/officeDocument/2006/relationships" type="roundRect" r:blip="">
+            <dgm:adjLst/>
+          </dgm:shape>
+          <dgm:presOf axis="desOrSelf" ptType="node"/>
+          <dgm:constrLst>
+            <dgm:constr type="userA"/>
+            <dgm:constr type="w" refType="userA" fact="0.3"/>
+            <dgm:constr type="tMarg" refType="primFontSz" fact="0.3"/>
+            <dgm:constr type="bMarg" refType="primFontSz" fact="0.3"/>
+            <dgm:constr type="lMarg" refType="primFontSz" fact="0.3"/>
+            <dgm:constr type="rMarg" refType="primFontSz" fact="0.3"/>
+          </dgm:constrLst>
+          <dgm:ruleLst>
+            <dgm:rule type="w" val="NaN" fact="1" max="NaN"/>
+            <dgm:rule type="primFontSz" val="5" fact="NaN" max="NaN"/>
+          </dgm:ruleLst>
+        </dgm:layoutNode>
+        <dgm:forEach name="Name7" axis="followSib" ptType="sibTrans" cnt="1">
+          <dgm:layoutNode name="sibTrans">
+            <dgm:alg type="sp"/>
             <dgm:shape xmlns:r="http://schemas.openxmlformats.org/officeDocument/2006/relationships" r:blip="">
               <dgm:adjLst/>
             </dgm:shape>
             <dgm:presOf/>
-            <dgm:constrLst>
-              <dgm:constr type="h" refType="w"/>
-              <dgm:constr type="w" for="ch" forName="padding" refType="w"/>
-              <dgm:constr type="h" for="ch" forName="padding" refType="h"/>
-              <dgm:constr type="w" for="ch" forName="shape" refType="w" fact="0.667"/>
-              <dgm:constr type="h" for="ch" forName="shape" refType="h" fact="0.667"/>
-              <dgm:constr type="ctrX" for="ch" forName="shape" refType="w" fact="0.5"/>
-              <dgm:constr type="ctrY" for="ch" forName="shape" refType="h" fact="0.5"/>
-            </dgm:constrLst>
+            <dgm:constrLst/>
             <dgm:ruleLst/>
-            <dgm:layoutNode name="padding">
-              <dgm:alg type="sp"/>
-              <dgm:shape xmlns:r="http://schemas.openxmlformats.org/officeDocument/2006/relationships" type="ellipse" r:blip="" hideGeom="1">
-                <dgm:adjLst/>
-              </dgm:shape>
-              <dgm:presOf/>
-              <dgm:constrLst/>
-              <dgm:ruleLst/>
-            </dgm:layoutNode>
-            <dgm:layoutNode name="shape">
-              <dgm:varLst>
-                <dgm:bulletEnabled val="1"/>
-              </dgm:varLst>
-              <dgm:alg type="tx">
-                <dgm:param type="txAnchorVertCh" val="mid"/>
-              </dgm:alg>
-              <dgm:shape xmlns:r="http://schemas.openxmlformats.org/officeDocument/2006/relationships" type="ellipse" r:blip="">
-                <dgm:adjLst/>
-              </dgm:shape>
-              <dgm:presOf axis="desOrSelf" ptType="node"/>
-              <dgm:constrLst>
-                <dgm:constr type="h" refType="w"/>
-                <dgm:constr type="tMarg" refType="primFontSz" fact="0.1"/>
-                <dgm:constr type="bMarg" refType="primFontSz" fact="0.1"/>
-                <dgm:constr type="lMarg" refType="primFontSz" fact="0.1"/>
-                <dgm:constr type="rMarg" refType="primFontSz" fact="0.1"/>
-              </dgm:constrLst>
-              <dgm:ruleLst>
-                <dgm:rule type="primFontSz" val="5" fact="NaN" max="NaN"/>
-              </dgm:ruleLst>
-            </dgm:layoutNode>
           </dgm:layoutNode>
-        </dgm:else>
-      </dgm:choose>
-      <dgm:forEach name="Name8" axis="followSib" ptType="sibTrans" cnt="1">
-        <dgm:layoutNode name="sibTrans">
-          <dgm:choose name="Name9">
-            <dgm:if name="Name10" func="var" arg="dir" op="equ" val="norm">
-              <dgm:choose name="Name11">
-                <dgm:if name="Name12" axis="self" ptType="sibTrans" func="pos" op="equ" val="1">
-                  <dgm:alg type="conn">
-                    <dgm:param type="begPts" val="auto"/>
-                    <dgm:param type="endPts" val="auto"/>
-                    <dgm:param type="srcNode" val="firstNode"/>
-                    <dgm:param type="dstNode" val="shape"/>
-                  </dgm:alg>
-                </dgm:if>
-                <dgm:if name="Name13" axis="self" ptType="sibTrans" func="revPos" op="equ" val="1">
-                  <dgm:alg type="conn">
-                    <dgm:param type="begPts" val="auto"/>
-                    <dgm:param type="endPts" val="auto"/>
-                    <dgm:param type="srcNode" val="shape"/>
-                    <dgm:param type="dstNode" val="lastNode"/>
-                  </dgm:alg>
-                </dgm:if>
-                <dgm:else name="Name14">
-                  <dgm:alg type="conn">
-                    <dgm:param type="begPts" val="auto"/>
-                    <dgm:param type="endPts" val="auto"/>
-                    <dgm:param type="srcNode" val="shape"/>
-                    <dgm:param type="dstNode" val="shape"/>
-                  </dgm:alg>
-                </dgm:else>
-              </dgm:choose>
-            </dgm:if>
-            <dgm:else name="Name15">
-              <dgm:choose name="Name16">
-                <dgm:if name="Name17" axis="self" ptType="sibTrans" func="pos" op="equ" val="1">
-                  <dgm:alg type="conn">
-                    <dgm:param type="begPts" val="auto"/>
-                    <dgm:param type="endPts" val="auto"/>
-                    <dgm:param type="srcNode" val="firstNode"/>
-                    <dgm:param type="dstNode" val="shape"/>
-                  </dgm:alg>
-                </dgm:if>
-                <dgm:if name="Name18" axis="self" ptType="sibTrans" func="revPos" op="equ" val="1">
-                  <dgm:alg type="conn">
-                    <dgm:param type="begPts" val="auto"/>
-                    <dgm:param type="endPts" val="auto"/>
-                    <dgm:param type="srcNode" val="shape"/>
-                    <dgm:param type="dstNode" val="lastNode"/>
-                  </dgm:alg>
-                </dgm:if>
-                <dgm:else name="Name19">
-                  <dgm:alg type="conn">
-                    <dgm:param type="begPts" val="auto"/>
-                    <dgm:param type="endPts" val="auto"/>
-                    <dgm:param type="srcNode" val="shape"/>
-                    <dgm:param type="dstNode" val="shape"/>
-                  </dgm:alg>
-                </dgm:else>
-              </dgm:choose>
-            </dgm:else>
-          </dgm:choose>
-          <dgm:shape xmlns:r="http://schemas.openxmlformats.org/officeDocument/2006/relationships" rot="90" type="triangle" r:blip="">
-            <dgm:adjLst/>
-          </dgm:shape>
-          <dgm:presOf axis="self"/>
-          <dgm:constrLst>
-            <dgm:constr type="w" refType="h"/>
-            <dgm:constr type="connDist"/>
-            <dgm:constr type="begPad" refType="connDist" fact="0.25"/>
-            <dgm:constr type="endPad" refType="connDist" fact="0.22"/>
-          </dgm:constrLst>
-          <dgm:ruleLst/>
-        </dgm:layoutNode>
+        </dgm:forEach>
       </dgm:forEach>
-    </dgm:forEach>
+    </dgm:layoutNode>
   </dgm:layoutNode>
 </dgm:layoutDef>
 </file>
 
 <file path=ppt/diagrams/quickStyle1.xml><?xml version="1.0" encoding="utf-8"?>
-<dgm:styleDef xmlns:dgm="http://schemas.openxmlformats.org/drawingml/2006/diagram" xmlns:a="http://schemas.openxmlformats.org/drawingml/2006/main" uniqueId="urn:microsoft.com/office/officeart/2005/8/quickstyle/simple4">
+<dgm:styleDef xmlns:dgm="http://schemas.openxmlformats.org/drawingml/2006/diagram" xmlns:a="http://schemas.openxmlformats.org/drawingml/2006/main" uniqueId="urn:microsoft.com/office/officeart/2005/8/quickstyle/simple1">
   <dgm:title val=""/>
   <dgm:desc val=""/>
   <dgm:catLst>
-    <dgm:cat type="simple" pri="10400"/>
+    <dgm:cat type="simple" pri="10100"/>
   </dgm:catLst>
   <dgm:scene3d>
     <a:camera prst="orthographicFront"/>
@@ -5172,13 +4716,13 @@
     <dgm:sp3d/>
     <dgm:txPr/>
     <dgm:style>
-      <a:lnRef idx="0">
+      <a:lnRef idx="2">
         <a:scrgbClr r="0" g="0" b="0"/>
       </a:lnRef>
-      <a:fillRef idx="3">
+      <a:fillRef idx="1">
         <a:scrgbClr r="0" g="0" b="0"/>
       </a:fillRef>
-      <a:effectRef idx="2">
+      <a:effectRef idx="0">
         <a:scrgbClr r="0" g="0" b="0"/>
       </a:effectRef>
       <a:fontRef idx="minor">
@@ -5194,13 +4738,13 @@
     <dgm:sp3d/>
     <dgm:txPr/>
     <dgm:style>
-      <a:lnRef idx="1">
+      <a:lnRef idx="2">
         <a:scrgbClr r="0" g="0" b="0"/>
       </a:lnRef>
-      <a:fillRef idx="3">
+      <a:fillRef idx="1">
         <a:scrgbClr r="0" g="0" b="0"/>
       </a:fillRef>
-      <a:effectRef idx="2">
+      <a:effectRef idx="0">
         <a:scrgbClr r="0" g="0" b="0"/>
       </a:effectRef>
       <a:fontRef idx="minor">
@@ -5216,10 +4760,10 @@
     <dgm:sp3d/>
     <dgm:txPr/>
     <dgm:style>
-      <a:lnRef idx="0">
+      <a:lnRef idx="2">
         <a:scrgbClr r="0" g="0" b="0"/>
       </a:lnRef>
-      <a:fillRef idx="3">
+      <a:fillRef idx="1">
         <a:scrgbClr r="0" g="0" b="0"/>
       </a:fillRef>
       <a:effectRef idx="0">
@@ -5238,13 +4782,13 @@
     <dgm:sp3d/>
     <dgm:txPr/>
     <dgm:style>
-      <a:lnRef idx="1">
+      <a:lnRef idx="2">
         <a:scrgbClr r="0" g="0" b="0"/>
       </a:lnRef>
-      <a:fillRef idx="3">
+      <a:fillRef idx="1">
         <a:scrgbClr r="0" g="0" b="0"/>
       </a:fillRef>
-      <a:effectRef idx="2">
+      <a:effectRef idx="0">
         <a:scrgbClr r="0" g="0" b="0"/>
       </a:effectRef>
       <a:fontRef idx="minor">
@@ -5260,13 +4804,13 @@
     <dgm:sp3d/>
     <dgm:txPr/>
     <dgm:style>
-      <a:lnRef idx="0">
+      <a:lnRef idx="2">
         <a:scrgbClr r="0" g="0" b="0"/>
       </a:lnRef>
-      <a:fillRef idx="3">
+      <a:fillRef idx="1">
         <a:scrgbClr r="0" g="0" b="0"/>
       </a:fillRef>
-      <a:effectRef idx="2">
+      <a:effectRef idx="0">
         <a:scrgbClr r="0" g="0" b="0"/>
       </a:effectRef>
       <a:fontRef idx="minor">
@@ -5282,13 +4826,13 @@
     <dgm:sp3d/>
     <dgm:txPr/>
     <dgm:style>
-      <a:lnRef idx="0">
+      <a:lnRef idx="2">
         <a:scrgbClr r="0" g="0" b="0"/>
       </a:lnRef>
-      <a:fillRef idx="3">
+      <a:fillRef idx="1">
         <a:scrgbClr r="0" g="0" b="0"/>
       </a:fillRef>
-      <a:effectRef idx="2">
+      <a:effectRef idx="0">
         <a:scrgbClr r="0" g="0" b="0"/>
       </a:effectRef>
       <a:fontRef idx="minor">
@@ -5304,13 +4848,13 @@
     <dgm:sp3d/>
     <dgm:txPr/>
     <dgm:style>
-      <a:lnRef idx="0">
+      <a:lnRef idx="2">
         <a:scrgbClr r="0" g="0" b="0"/>
       </a:lnRef>
-      <a:fillRef idx="3">
+      <a:fillRef idx="1">
         <a:scrgbClr r="0" g="0" b="0"/>
       </a:fillRef>
-      <a:effectRef idx="2">
+      <a:effectRef idx="0">
         <a:scrgbClr r="0" g="0" b="0"/>
       </a:effectRef>
       <a:fontRef idx="minor">
@@ -5326,13 +4870,13 @@
     <dgm:sp3d/>
     <dgm:txPr/>
     <dgm:style>
-      <a:lnRef idx="0">
+      <a:lnRef idx="2">
         <a:scrgbClr r="0" g="0" b="0"/>
       </a:lnRef>
-      <a:fillRef idx="3">
+      <a:fillRef idx="1">
         <a:scrgbClr r="0" g="0" b="0"/>
       </a:fillRef>
-      <a:effectRef idx="2">
+      <a:effectRef idx="0">
         <a:scrgbClr r="0" g="0" b="0"/>
       </a:effectRef>
       <a:fontRef idx="minor">
@@ -5348,13 +4892,13 @@
     <dgm:sp3d/>
     <dgm:txPr/>
     <dgm:style>
-      <a:lnRef idx="0">
+      <a:lnRef idx="2">
         <a:scrgbClr r="0" g="0" b="0"/>
       </a:lnRef>
       <a:fillRef idx="1">
         <a:scrgbClr r="0" g="0" b="0"/>
       </a:fillRef>
-      <a:effectRef idx="2">
+      <a:effectRef idx="0">
         <a:scrgbClr r="0" g="0" b="0"/>
       </a:effectRef>
       <a:fontRef idx="minor"/>
@@ -5368,13 +4912,13 @@
     <dgm:sp3d/>
     <dgm:txPr/>
     <dgm:style>
-      <a:lnRef idx="0">
+      <a:lnRef idx="2">
         <a:scrgbClr r="0" g="0" b="0"/>
       </a:lnRef>
       <a:fillRef idx="1">
         <a:scrgbClr r="0" g="0" b="0"/>
       </a:fillRef>
-      <a:effectRef idx="2">
+      <a:effectRef idx="0">
         <a:scrgbClr r="0" g="0" b="0"/>
       </a:effectRef>
       <a:fontRef idx="minor"/>
@@ -5388,13 +4932,13 @@
     <dgm:sp3d/>
     <dgm:txPr/>
     <dgm:style>
-      <a:lnRef idx="0">
+      <a:lnRef idx="2">
         <a:scrgbClr r="0" g="0" b="0"/>
       </a:lnRef>
       <a:fillRef idx="1">
         <a:scrgbClr r="0" g="0" b="0"/>
       </a:fillRef>
-      <a:effectRef idx="2">
+      <a:effectRef idx="0">
         <a:scrgbClr r="0" g="0" b="0"/>
       </a:effectRef>
       <a:fontRef idx="minor"/>
@@ -5411,10 +4955,10 @@
       <a:lnRef idx="0">
         <a:scrgbClr r="0" g="0" b="0"/>
       </a:lnRef>
-      <a:fillRef idx="3">
+      <a:fillRef idx="1">
         <a:scrgbClr r="0" g="0" b="0"/>
       </a:fillRef>
-      <a:effectRef idx="2">
+      <a:effectRef idx="0">
         <a:scrgbClr r="0" g="0" b="0"/>
       </a:effectRef>
       <a:fontRef idx="minor">
@@ -5433,10 +4977,10 @@
       <a:lnRef idx="0">
         <a:scrgbClr r="0" g="0" b="0"/>
       </a:lnRef>
-      <a:fillRef idx="3">
+      <a:fillRef idx="1">
         <a:scrgbClr r="0" g="0" b="0"/>
       </a:fillRef>
-      <a:effectRef idx="2">
+      <a:effectRef idx="0">
         <a:scrgbClr r="0" g="0" b="0"/>
       </a:effectRef>
       <a:fontRef idx="minor">
@@ -5455,10 +4999,10 @@
       <a:lnRef idx="0">
         <a:scrgbClr r="0" g="0" b="0"/>
       </a:lnRef>
-      <a:fillRef idx="3">
+      <a:fillRef idx="1">
         <a:scrgbClr r="0" g="0" b="0"/>
       </a:fillRef>
-      <a:effectRef idx="2">
+      <a:effectRef idx="0">
         <a:scrgbClr r="0" g="0" b="0"/>
       </a:effectRef>
       <a:fontRef idx="minor">
@@ -5500,7 +5044,7 @@
       <a:fillRef idx="1">
         <a:scrgbClr r="0" g="0" b="0"/>
       </a:fillRef>
-      <a:effectRef idx="1">
+      <a:effectRef idx="0">
         <a:scrgbClr r="0" g="0" b="0"/>
       </a:effectRef>
       <a:fontRef idx="minor"/>
@@ -5514,13 +5058,13 @@
     <dgm:sp3d/>
     <dgm:txPr/>
     <dgm:style>
-      <a:lnRef idx="0">
+      <a:lnRef idx="2">
         <a:scrgbClr r="0" g="0" b="0"/>
       </a:lnRef>
-      <a:fillRef idx="3">
+      <a:fillRef idx="1">
         <a:scrgbClr r="0" g="0" b="0"/>
       </a:fillRef>
-      <a:effectRef idx="2">
+      <a:effectRef idx="0">
         <a:scrgbClr r="0" g="0" b="0"/>
       </a:effectRef>
       <a:fontRef idx="minor">
@@ -5536,13 +5080,13 @@
     <dgm:sp3d/>
     <dgm:txPr/>
     <dgm:style>
-      <a:lnRef idx="0">
+      <a:lnRef idx="2">
         <a:scrgbClr r="0" g="0" b="0"/>
       </a:lnRef>
-      <a:fillRef idx="3">
+      <a:fillRef idx="1">
         <a:scrgbClr r="0" g="0" b="0"/>
       </a:fillRef>
-      <a:effectRef idx="2">
+      <a:effectRef idx="0">
         <a:scrgbClr r="0" g="0" b="0"/>
       </a:effectRef>
       <a:fontRef idx="minor">
@@ -5558,13 +5102,13 @@
     <dgm:sp3d/>
     <dgm:txPr/>
     <dgm:style>
-      <a:lnRef idx="0">
+      <a:lnRef idx="2">
         <a:scrgbClr r="0" g="0" b="0"/>
       </a:lnRef>
-      <a:fillRef idx="3">
+      <a:fillRef idx="1">
         <a:scrgbClr r="0" g="0" b="0"/>
       </a:fillRef>
-      <a:effectRef idx="2">
+      <a:effectRef idx="0">
         <a:scrgbClr r="0" g="0" b="0"/>
       </a:effectRef>
       <a:fontRef idx="minor">
@@ -5580,13 +5124,13 @@
     <dgm:sp3d/>
     <dgm:txPr/>
     <dgm:style>
-      <a:lnRef idx="0">
+      <a:lnRef idx="2">
         <a:scrgbClr r="0" g="0" b="0"/>
       </a:lnRef>
-      <a:fillRef idx="3">
+      <a:fillRef idx="1">
         <a:scrgbClr r="0" g="0" b="0"/>
       </a:fillRef>
-      <a:effectRef idx="2">
+      <a:effectRef idx="0">
         <a:scrgbClr r="0" g="0" b="0"/>
       </a:effectRef>
       <a:fontRef idx="minor">
@@ -5602,13 +5146,13 @@
     <dgm:sp3d/>
     <dgm:txPr/>
     <dgm:style>
-      <a:lnRef idx="0">
+      <a:lnRef idx="2">
         <a:scrgbClr r="0" g="0" b="0"/>
       </a:lnRef>
-      <a:fillRef idx="3">
+      <a:fillRef idx="1">
         <a:scrgbClr r="0" g="0" b="0"/>
       </a:fillRef>
-      <a:effectRef idx="2">
+      <a:effectRef idx="0">
         <a:scrgbClr r="0" g="0" b="0"/>
       </a:effectRef>
       <a:fontRef idx="minor">
@@ -5624,13 +5168,13 @@
     <dgm:sp3d/>
     <dgm:txPr/>
     <dgm:style>
-      <a:lnRef idx="0">
+      <a:lnRef idx="2">
         <a:scrgbClr r="0" g="0" b="0"/>
       </a:lnRef>
-      <a:fillRef idx="3">
+      <a:fillRef idx="1">
         <a:scrgbClr r="0" g="0" b="0"/>
       </a:fillRef>
-      <a:effectRef idx="2">
+      <a:effectRef idx="0">
         <a:scrgbClr r="0" g="0" b="0"/>
       </a:effectRef>
       <a:fontRef idx="minor">
@@ -5646,13 +5190,13 @@
     <dgm:sp3d/>
     <dgm:txPr/>
     <dgm:style>
-      <a:lnRef idx="0">
+      <a:lnRef idx="2">
         <a:scrgbClr r="0" g="0" b="0"/>
       </a:lnRef>
-      <a:fillRef idx="3">
+      <a:fillRef idx="1">
         <a:scrgbClr r="0" g="0" b="0"/>
       </a:fillRef>
-      <a:effectRef idx="2">
+      <a:effectRef idx="0">
         <a:scrgbClr r="0" g="0" b="0"/>
       </a:effectRef>
       <a:fontRef idx="minor">
@@ -5668,13 +5212,13 @@
     <dgm:sp3d/>
     <dgm:txPr/>
     <dgm:style>
-      <a:lnRef idx="1">
+      <a:lnRef idx="2">
         <a:scrgbClr r="0" g="0" b="0"/>
       </a:lnRef>
-      <a:fillRef idx="3">
+      <a:fillRef idx="1">
         <a:scrgbClr r="0" g="0" b="0"/>
       </a:fillRef>
-      <a:effectRef idx="2">
+      <a:effectRef idx="0">
         <a:scrgbClr r="0" g="0" b="0"/>
       </a:effectRef>
       <a:fontRef idx="minor">
@@ -5690,13 +5234,13 @@
     <dgm:sp3d/>
     <dgm:txPr/>
     <dgm:style>
-      <a:lnRef idx="1">
+      <a:lnRef idx="2">
         <a:scrgbClr r="0" g="0" b="0"/>
       </a:lnRef>
-      <a:fillRef idx="3">
+      <a:fillRef idx="1">
         <a:scrgbClr r="0" g="0" b="0"/>
       </a:fillRef>
-      <a:effectRef idx="2">
+      <a:effectRef idx="0">
         <a:scrgbClr r="0" g="0" b="0"/>
       </a:effectRef>
       <a:fontRef idx="minor">
@@ -5712,7 +5256,7 @@
     <dgm:sp3d/>
     <dgm:txPr/>
     <dgm:style>
-      <a:lnRef idx="1">
+      <a:lnRef idx="2">
         <a:scrgbClr r="0" g="0" b="0"/>
       </a:lnRef>
       <a:fillRef idx="0">
@@ -5732,7 +5276,7 @@
     <dgm:sp3d/>
     <dgm:txPr/>
     <dgm:style>
-      <a:lnRef idx="1">
+      <a:lnRef idx="2">
         <a:scrgbClr r="0" g="0" b="0"/>
       </a:lnRef>
       <a:fillRef idx="0">
@@ -5752,7 +5296,7 @@
     <dgm:sp3d/>
     <dgm:txPr/>
     <dgm:style>
-      <a:lnRef idx="1">
+      <a:lnRef idx="2">
         <a:scrgbClr r="0" g="0" b="0"/>
       </a:lnRef>
       <a:fillRef idx="0">
@@ -5772,7 +5316,7 @@
     <dgm:sp3d/>
     <dgm:txPr/>
     <dgm:style>
-      <a:lnRef idx="1">
+      <a:lnRef idx="2">
         <a:scrgbClr r="0" g="0" b="0"/>
       </a:lnRef>
       <a:fillRef idx="0">
@@ -5792,7 +5336,7 @@
     <dgm:sp3d/>
     <dgm:txPr/>
     <dgm:style>
-      <a:lnRef idx="1">
+      <a:lnRef idx="2">
         <a:scrgbClr r="0" g="0" b="0"/>
       </a:lnRef>
       <a:fillRef idx="1">
@@ -5812,7 +5356,7 @@
     <dgm:sp3d/>
     <dgm:txPr/>
     <dgm:style>
-      <a:lnRef idx="1">
+      <a:lnRef idx="2">
         <a:scrgbClr r="0" g="0" b="0"/>
       </a:lnRef>
       <a:fillRef idx="1">
@@ -5832,7 +5376,7 @@
     <dgm:sp3d/>
     <dgm:txPr/>
     <dgm:style>
-      <a:lnRef idx="1">
+      <a:lnRef idx="2">
         <a:scrgbClr r="0" g="0" b="0"/>
       </a:lnRef>
       <a:fillRef idx="1">
@@ -5872,7 +5416,7 @@
     <dgm:sp3d/>
     <dgm:txPr/>
     <dgm:style>
-      <a:lnRef idx="1">
+      <a:lnRef idx="2">
         <a:scrgbClr r="0" g="0" b="0"/>
       </a:lnRef>
       <a:fillRef idx="1">
@@ -5892,7 +5436,7 @@
     <dgm:sp3d/>
     <dgm:txPr/>
     <dgm:style>
-      <a:lnRef idx="1">
+      <a:lnRef idx="2">
         <a:scrgbClr r="0" g="0" b="0"/>
       </a:lnRef>
       <a:fillRef idx="1">
@@ -5912,7 +5456,7 @@
     <dgm:sp3d/>
     <dgm:txPr/>
     <dgm:style>
-      <a:lnRef idx="1">
+      <a:lnRef idx="2">
         <a:scrgbClr r="0" g="0" b="0"/>
       </a:lnRef>
       <a:fillRef idx="1">
@@ -5932,7 +5476,7 @@
     <dgm:sp3d/>
     <dgm:txPr/>
     <dgm:style>
-      <a:lnRef idx="1">
+      <a:lnRef idx="2">
         <a:scrgbClr r="0" g="0" b="0"/>
       </a:lnRef>
       <a:fillRef idx="1">
@@ -5952,7 +5496,7 @@
     <dgm:sp3d/>
     <dgm:txPr/>
     <dgm:style>
-      <a:lnRef idx="1">
+      <a:lnRef idx="2">
         <a:scrgbClr r="0" g="0" b="0"/>
       </a:lnRef>
       <a:fillRef idx="1">
@@ -5972,7 +5516,7 @@
     <dgm:sp3d/>
     <dgm:txPr/>
     <dgm:style>
-      <a:lnRef idx="1">
+      <a:lnRef idx="2">
         <a:scrgbClr r="0" g="0" b="0"/>
       </a:lnRef>
       <a:fillRef idx="1">
@@ -5992,7 +5536,7 @@
     <dgm:sp3d/>
     <dgm:txPr/>
     <dgm:style>
-      <a:lnRef idx="1">
+      <a:lnRef idx="2">
         <a:scrgbClr r="0" g="0" b="0"/>
       </a:lnRef>
       <a:fillRef idx="1">
@@ -6012,7 +5556,7 @@
     <dgm:sp3d/>
     <dgm:txPr/>
     <dgm:style>
-      <a:lnRef idx="1">
+      <a:lnRef idx="2">
         <a:scrgbClr r="0" g="0" b="0"/>
       </a:lnRef>
       <a:fillRef idx="1">
@@ -6032,7 +5576,7 @@
     <dgm:sp3d/>
     <dgm:txPr/>
     <dgm:style>
-      <a:lnRef idx="1">
+      <a:lnRef idx="2">
         <a:scrgbClr r="0" g="0" b="0"/>
       </a:lnRef>
       <a:fillRef idx="1">
@@ -6052,7 +5596,7 @@
     <dgm:sp3d/>
     <dgm:txPr/>
     <dgm:style>
-      <a:lnRef idx="1">
+      <a:lnRef idx="2">
         <a:scrgbClr r="0" g="0" b="0"/>
       </a:lnRef>
       <a:fillRef idx="1">
@@ -6072,7 +5616,7 @@
     <dgm:sp3d/>
     <dgm:txPr/>
     <dgm:style>
-      <a:lnRef idx="1">
+      <a:lnRef idx="2">
         <a:scrgbClr r="0" g="0" b="0"/>
       </a:lnRef>
       <a:fillRef idx="1">
@@ -6098,7 +5642,7 @@
       <a:fillRef idx="1">
         <a:scrgbClr r="0" g="0" b="0"/>
       </a:fillRef>
-      <a:effectRef idx="2">
+      <a:effectRef idx="0">
         <a:scrgbClr r="0" g="0" b="0"/>
       </a:effectRef>
       <a:fontRef idx="minor"/>
@@ -6118,7 +5662,7 @@
       <a:fillRef idx="1">
         <a:scrgbClr r="0" g="0" b="0"/>
       </a:fillRef>
-      <a:effectRef idx="2">
+      <a:effectRef idx="0">
         <a:scrgbClr r="0" g="0" b="0"/>
       </a:effectRef>
       <a:fontRef idx="minor"/>
@@ -6152,13 +5696,13 @@
     <dgm:sp3d/>
     <dgm:txPr/>
     <dgm:style>
-      <a:lnRef idx="0">
+      <a:lnRef idx="2">
         <a:scrgbClr r="0" g="0" b="0"/>
       </a:lnRef>
-      <a:fillRef idx="3">
+      <a:fillRef idx="1">
         <a:scrgbClr r="0" g="0" b="0"/>
       </a:fillRef>
-      <a:effectRef idx="2">
+      <a:effectRef idx="0">
         <a:scrgbClr r="0" g="0" b="0"/>
       </a:effectRef>
       <a:fontRef idx="minor"/>
@@ -6494,7 +6038,7 @@
           <a:p>
             <a:fld id="{12241623-A064-4BED-B073-BA4D61433402}" type="datetime1">
               <a:rPr lang="en-US" smtClean="0"/>
-              <a:t>6/7/2023</a:t>
+              <a:t>6/12/2023</a:t>
             </a:fld>
             <a:endParaRPr lang="en-US" dirty="0"/>
           </a:p>
@@ -7305,7 +6849,7 @@
           <a:p>
             <a:fld id="{6F86ED0C-1DA7-41F0-94CF-6218B1FEDFF1}" type="datetime1">
               <a:rPr lang="en-US" smtClean="0"/>
-              <a:t>6/7/2023</a:t>
+              <a:t>6/12/2023</a:t>
             </a:fld>
             <a:endParaRPr lang="en-US" dirty="0"/>
           </a:p>
@@ -7504,7 +7048,7 @@
           <a:p>
             <a:fld id="{EECF02AB-6034-4B88-BC5A-7C17CB0EF809}" type="datetime1">
               <a:rPr lang="en-US" smtClean="0"/>
-              <a:t>6/7/2023</a:t>
+              <a:t>6/12/2023</a:t>
             </a:fld>
             <a:endParaRPr lang="en-US" dirty="0"/>
           </a:p>
@@ -7739,7 +7283,7 @@
           <a:p>
             <a:fld id="{22F3E5F3-28EE-488F-BD53-B744C06C3DEC}" type="datetime1">
               <a:rPr lang="en-US" smtClean="0"/>
-              <a:t>6/7/2023</a:t>
+              <a:t>6/12/2023</a:t>
             </a:fld>
             <a:endParaRPr lang="en-US" dirty="0"/>
           </a:p>
@@ -10432,7 +9976,7 @@
           <a:p>
             <a:fld id="{E72EB70D-CD01-44DA-83B3-8FEB3383D307}" type="datetime1">
               <a:rPr lang="en-US" smtClean="0"/>
-              <a:t>6/7/2023</a:t>
+              <a:t>6/12/2023</a:t>
             </a:fld>
             <a:endParaRPr lang="en-US" dirty="0"/>
           </a:p>
@@ -10628,7 +10172,7 @@
           <a:p>
             <a:fld id="{D0158CFD-9357-46BE-A189-D637A67C8730}" type="datetime1">
               <a:rPr lang="en-US" smtClean="0"/>
-              <a:t>6/7/2023</a:t>
+              <a:t>6/12/2023</a:t>
             </a:fld>
             <a:endParaRPr lang="en-US" dirty="0"/>
           </a:p>
@@ -11017,7 +10561,7 @@
           <a:p>
             <a:fld id="{7B4742EE-B331-4632-BD10-A82FED6B6FC0}" type="datetime1">
               <a:rPr lang="en-US" smtClean="0"/>
-              <a:t>6/7/2023</a:t>
+              <a:t>6/12/2023</a:t>
             </a:fld>
             <a:endParaRPr lang="en-US" dirty="0"/>
           </a:p>
@@ -11183,7 +10727,7 @@
           <a:p>
             <a:fld id="{451BA835-D13F-49F4-8F11-5D576AC65FAD}" type="datetime1">
               <a:rPr lang="en-US" smtClean="0"/>
-              <a:t>6/7/2023</a:t>
+              <a:t>6/12/2023</a:t>
             </a:fld>
             <a:endParaRPr lang="en-US" dirty="0"/>
           </a:p>
@@ -11306,7 +10850,7 @@
           <a:p>
             <a:fld id="{ADBD1799-ACB5-4CB2-86A2-5C574F1C8706}" type="datetime1">
               <a:rPr lang="en-US" smtClean="0"/>
-              <a:t>6/7/2023</a:t>
+              <a:t>6/12/2023</a:t>
             </a:fld>
             <a:endParaRPr lang="en-US" dirty="0"/>
           </a:p>
@@ -11616,7 +11160,7 @@
           <a:p>
             <a:fld id="{ED5DD0D6-7A82-473E-879B-C6ECD6CCCFEC}" type="datetime1">
               <a:rPr lang="en-US" smtClean="0"/>
-              <a:t>6/7/2023</a:t>
+              <a:t>6/12/2023</a:t>
             </a:fld>
             <a:endParaRPr lang="en-US" dirty="0"/>
           </a:p>
@@ -11916,7 +11460,7 @@
           <a:p>
             <a:fld id="{D4605E03-BC17-41A7-854C-DFAB672737DC}" type="datetime1">
               <a:rPr lang="en-US" smtClean="0"/>
-              <a:t>6/7/2023</a:t>
+              <a:t>6/12/2023</a:t>
             </a:fld>
             <a:endParaRPr lang="en-US" dirty="0"/>
           </a:p>
@@ -12168,7 +11712,7 @@
           <a:p>
             <a:fld id="{C4408324-A84C-4A45-93B6-78D079CCE772}" type="datetime1">
               <a:rPr lang="en-US" smtClean="0"/>
-              <a:t>6/7/2023</a:t>
+              <a:t>6/12/2023</a:t>
             </a:fld>
             <a:endParaRPr lang="en-US" dirty="0"/>
           </a:p>
@@ -12765,26 +12309,26 @@
         </p:nvSpPr>
         <p:spPr>
           <a:xfrm>
-            <a:off x="106397" y="723114"/>
-            <a:ext cx="6333471" cy="856304"/>
+            <a:off x="0" y="-350614"/>
+            <a:ext cx="7478967" cy="1839977"/>
           </a:xfrm>
         </p:spPr>
         <p:txBody>
           <a:bodyPr anchor="b">
-            <a:normAutofit fontScale="90000"/>
+            <a:normAutofit/>
           </a:bodyPr>
           <a:lstStyle/>
           <a:p>
             <a:pPr algn="ctr"/>
             <a:r>
-              <a:rPr lang="it-IT" sz="4000" dirty="0" err="1">
+              <a:rPr lang="it-IT" dirty="0" err="1">
                 <a:solidFill>
                   <a:schemeClr val="accent1"/>
                 </a:solidFill>
               </a:rPr>
-              <a:t>jpegTransformeApp</a:t>
+              <a:t>jpegTransformerApp</a:t>
             </a:r>
-            <a:endParaRPr lang="it-IT" sz="4000" dirty="0">
+            <a:endParaRPr lang="it-IT" dirty="0">
               <a:solidFill>
                 <a:schemeClr val="accent1"/>
               </a:solidFill>
@@ -12810,7 +12354,7 @@
         </p:nvSpPr>
         <p:spPr>
           <a:xfrm>
-            <a:off x="618677" y="2098964"/>
+            <a:off x="702746" y="1729140"/>
             <a:ext cx="5618839" cy="3959471"/>
           </a:xfrm>
         </p:spPr>
@@ -12820,27 +12364,36 @@
           </a:bodyPr>
           <a:lstStyle/>
           <a:p>
+            <a:pPr algn="ctr"/>
             <a:r>
-              <a:rPr lang="it-IT" b="1" dirty="0"/>
+              <a:rPr lang="it-IT" sz="2800" b="1" dirty="0">
+                <a:solidFill>
+                  <a:srgbClr val="FF0000"/>
+                </a:solidFill>
+              </a:rPr>
               <a:t>Metodi del Calcolo Scientifico</a:t>
             </a:r>
           </a:p>
           <a:p>
+            <a:pPr algn="ctr"/>
             <a:r>
-              <a:rPr lang="it-IT" sz="2000" dirty="0"/>
+              <a:rPr lang="it-IT" sz="2000" b="1" dirty="0"/>
               <a:t>A.A. 2022/2023 - Progetto 2</a:t>
             </a:r>
           </a:p>
           <a:p>
+            <a:pPr algn="ctr"/>
             <a:endParaRPr lang="it-IT" sz="2000" dirty="0"/>
           </a:p>
           <a:p>
+            <a:pPr algn="ctr"/>
             <a:r>
               <a:rPr lang="it-IT" sz="2000" dirty="0"/>
               <a:t>Gabriele Lecchi – 852134</a:t>
             </a:r>
           </a:p>
           <a:p>
+            <a:pPr algn="ctr"/>
             <a:r>
               <a:rPr lang="it-IT" sz="2000" dirty="0"/>
               <a:t>Lorenzo Titta - 852107</a:t>
@@ -13559,160 +13112,6 @@
 </p:sld>
 </file>
 
-<file path=ppt/slides/slide10.xml><?xml version="1.0" encoding="utf-8"?>
-<p:sld xmlns:a="http://schemas.openxmlformats.org/drawingml/2006/main" xmlns:r="http://schemas.openxmlformats.org/officeDocument/2006/relationships" xmlns:p="http://schemas.openxmlformats.org/presentationml/2006/main">
-  <p:cSld>
-    <p:spTree>
-      <p:nvGrpSpPr>
-        <p:cNvPr id="1" name=""/>
-        <p:cNvGrpSpPr/>
-        <p:nvPr/>
-      </p:nvGrpSpPr>
-      <p:grpSpPr>
-        <a:xfrm>
-          <a:off x="0" y="0"/>
-          <a:ext cx="0" cy="0"/>
-          <a:chOff x="0" y="0"/>
-          <a:chExt cx="0" cy="0"/>
-        </a:xfrm>
-      </p:grpSpPr>
-      <p:sp>
-        <p:nvSpPr>
-          <p:cNvPr id="5" name="Titolo 1">
-            <a:extLst>
-              <a:ext uri="{FF2B5EF4-FFF2-40B4-BE49-F238E27FC236}">
-                <a16:creationId xmlns:a16="http://schemas.microsoft.com/office/drawing/2014/main" id="{6A663824-B132-B52B-CE64-B4B2ADFA2D04}"/>
-              </a:ext>
-            </a:extLst>
-          </p:cNvPr>
-          <p:cNvSpPr txBox="1">
-            <a:spLocks/>
-          </p:cNvSpPr>
-          <p:nvPr/>
-        </p:nvSpPr>
-        <p:spPr>
-          <a:xfrm>
-            <a:off x="2929264" y="2628114"/>
-            <a:ext cx="6333471" cy="856304"/>
-          </a:xfrm>
-          <a:prstGeom prst="rect">
-            <a:avLst/>
-          </a:prstGeom>
-        </p:spPr>
-        <p:txBody>
-          <a:bodyPr anchor="b">
-            <a:normAutofit fontScale="97500"/>
-          </a:bodyPr>
-          <a:lstStyle>
-            <a:lvl1pPr algn="l" defTabSz="914400" rtl="0" eaLnBrk="1" latinLnBrk="0" hangingPunct="1">
-              <a:lnSpc>
-                <a:spcPct val="130000"/>
-              </a:lnSpc>
-              <a:spcBef>
-                <a:spcPct val="0"/>
-              </a:spcBef>
-              <a:buNone/>
-              <a:defRPr sz="3200" b="1" kern="1200" spc="150" baseline="0">
-                <a:solidFill>
-                  <a:schemeClr val="tx1">
-                    <a:lumMod val="75000"/>
-                    <a:lumOff val="25000"/>
-                  </a:schemeClr>
-                </a:solidFill>
-                <a:latin typeface="+mj-lt"/>
-                <a:ea typeface="+mj-ea"/>
-                <a:cs typeface="+mj-cs"/>
-              </a:defRPr>
-            </a:lvl1pPr>
-          </a:lstStyle>
-          <a:p>
-            <a:pPr algn="ctr"/>
-            <a:r>
-              <a:rPr lang="it-IT" sz="4000" dirty="0">
-                <a:solidFill>
-                  <a:schemeClr val="accent1"/>
-                </a:solidFill>
-              </a:rPr>
-              <a:t>FINE</a:t>
-            </a:r>
-          </a:p>
-        </p:txBody>
-      </p:sp>
-      <p:sp>
-        <p:nvSpPr>
-          <p:cNvPr id="6" name="Titolo 1">
-            <a:extLst>
-              <a:ext uri="{FF2B5EF4-FFF2-40B4-BE49-F238E27FC236}">
-                <a16:creationId xmlns:a16="http://schemas.microsoft.com/office/drawing/2014/main" id="{923D3751-C398-FD8D-C34D-992AB4BD97FA}"/>
-              </a:ext>
-            </a:extLst>
-          </p:cNvPr>
-          <p:cNvSpPr txBox="1">
-            <a:spLocks/>
-          </p:cNvSpPr>
-          <p:nvPr/>
-        </p:nvSpPr>
-        <p:spPr>
-          <a:xfrm>
-            <a:off x="2929264" y="3422073"/>
-            <a:ext cx="6333471" cy="856304"/>
-          </a:xfrm>
-          <a:prstGeom prst="rect">
-            <a:avLst/>
-          </a:prstGeom>
-        </p:spPr>
-        <p:txBody>
-          <a:bodyPr anchor="b">
-            <a:normAutofit fontScale="97500"/>
-          </a:bodyPr>
-          <a:lstStyle>
-            <a:lvl1pPr algn="l" defTabSz="914400" rtl="0" eaLnBrk="1" latinLnBrk="0" hangingPunct="1">
-              <a:lnSpc>
-                <a:spcPct val="130000"/>
-              </a:lnSpc>
-              <a:spcBef>
-                <a:spcPct val="0"/>
-              </a:spcBef>
-              <a:buNone/>
-              <a:defRPr sz="3200" b="1" kern="1200" spc="150" baseline="0">
-                <a:solidFill>
-                  <a:schemeClr val="tx1">
-                    <a:lumMod val="75000"/>
-                    <a:lumOff val="25000"/>
-                  </a:schemeClr>
-                </a:solidFill>
-                <a:latin typeface="+mj-lt"/>
-                <a:ea typeface="+mj-ea"/>
-                <a:cs typeface="+mj-cs"/>
-              </a:defRPr>
-            </a:lvl1pPr>
-          </a:lstStyle>
-          <a:p>
-            <a:pPr algn="ctr"/>
-            <a:r>
-              <a:rPr lang="it-IT" sz="2400" dirty="0">
-                <a:solidFill>
-                  <a:schemeClr val="tx1"/>
-                </a:solidFill>
-              </a:rPr>
-              <a:t>Ringraziamo per l’attenzione</a:t>
-            </a:r>
-          </a:p>
-        </p:txBody>
-      </p:sp>
-    </p:spTree>
-    <p:extLst>
-      <p:ext uri="{BB962C8B-B14F-4D97-AF65-F5344CB8AC3E}">
-        <p14:creationId xmlns:p14="http://schemas.microsoft.com/office/powerpoint/2010/main" val="3095669492"/>
-      </p:ext>
-    </p:extLst>
-  </p:cSld>
-  <p:clrMapOvr>
-    <a:masterClrMapping/>
-  </p:clrMapOvr>
-</p:sld>
-</file>
-
 <file path=ppt/slides/slide2.xml><?xml version="1.0" encoding="utf-8"?>
 <p:sld xmlns:a="http://schemas.openxmlformats.org/drawingml/2006/main" xmlns:r="http://schemas.openxmlformats.org/officeDocument/2006/relationships" xmlns:p="http://schemas.openxmlformats.org/presentationml/2006/main">
   <p:cSld>
@@ -13748,16 +13147,16 @@
         </p:nvSpPr>
         <p:spPr/>
         <p:txBody>
-          <a:bodyPr/>
+          <a:bodyPr>
+            <a:normAutofit fontScale="90000"/>
+          </a:bodyPr>
           <a:lstStyle/>
           <a:p>
             <a:pPr algn="ctr"/>
             <a:r>
-              <a:rPr lang="it-IT" dirty="0">
+              <a:rPr lang="it-IT" sz="5400" dirty="0">
                 <a:solidFill>
-                  <a:schemeClr val="accent1">
-                    <a:lumMod val="75000"/>
-                  </a:schemeClr>
+                  <a:schemeClr val="accent1"/>
                 </a:solidFill>
               </a:rPr>
               <a:t>Idea e Struttura – Prima parte</a:t>
@@ -13767,10 +13166,10 @@
       </p:sp>
       <p:graphicFrame>
         <p:nvGraphicFramePr>
-          <p:cNvPr id="4" name="Segnaposto contenuto 3">
+          <p:cNvPr id="6" name="Segnaposto contenuto 5">
             <a:extLst>
               <a:ext uri="{FF2B5EF4-FFF2-40B4-BE49-F238E27FC236}">
-                <a16:creationId xmlns:a16="http://schemas.microsoft.com/office/drawing/2014/main" id="{F652FE20-4D8B-C39C-2230-E56BE5514252}"/>
+                <a16:creationId xmlns:a16="http://schemas.microsoft.com/office/drawing/2014/main" id="{3FB4FC99-7201-4206-D794-0682B79AE675}"/>
               </a:ext>
             </a:extLst>
           </p:cNvPr>
@@ -13781,7 +13180,7 @@
             <p:ph idx="1"/>
             <p:extLst>
               <p:ext uri="{D42A27DB-BD31-4B8C-83A1-F6EECF244321}">
-                <p14:modId xmlns:p14="http://schemas.microsoft.com/office/powerpoint/2010/main" val="3067087930"/>
+                <p14:modId xmlns:p14="http://schemas.microsoft.com/office/powerpoint/2010/main" val="2990466578"/>
               </p:ext>
             </p:extLst>
           </p:nvPr>
@@ -13810,983 +13209,6 @@
 </file>
 
 <file path=ppt/slides/slide3.xml><?xml version="1.0" encoding="utf-8"?>
-<p:sld xmlns:a="http://schemas.openxmlformats.org/drawingml/2006/main" xmlns:r="http://schemas.openxmlformats.org/officeDocument/2006/relationships" xmlns:p="http://schemas.openxmlformats.org/presentationml/2006/main">
-  <p:cSld>
-    <p:bg>
-      <p:bgPr>
-        <a:solidFill>
-          <a:schemeClr val="bg2"/>
-        </a:solidFill>
-        <a:effectLst/>
-      </p:bgPr>
-    </p:bg>
-    <p:spTree>
-      <p:nvGrpSpPr>
-        <p:cNvPr id="1" name=""/>
-        <p:cNvGrpSpPr/>
-        <p:nvPr/>
-      </p:nvGrpSpPr>
-      <p:grpSpPr>
-        <a:xfrm>
-          <a:off x="0" y="0"/>
-          <a:ext cx="0" cy="0"/>
-          <a:chOff x="0" y="0"/>
-          <a:chExt cx="0" cy="0"/>
-        </a:xfrm>
-      </p:grpSpPr>
-      <p:sp useBgFill="1">
-        <p:nvSpPr>
-          <p:cNvPr id="25" name="Rectangle 24">
-            <a:extLst>
-              <a:ext uri="{FF2B5EF4-FFF2-40B4-BE49-F238E27FC236}">
-                <a16:creationId xmlns:a16="http://schemas.microsoft.com/office/drawing/2014/main" id="{AC14302F-E955-47D0-A56B-D1D1A6953B51}"/>
-              </a:ext>
-              <a:ext uri="{C183D7F6-B498-43B3-948B-1728B52AA6E4}">
-                <adec:decorative xmlns:adec="http://schemas.microsoft.com/office/drawing/2017/decorative" val="1"/>
-              </a:ext>
-            </a:extLst>
-          </p:cNvPr>
-          <p:cNvSpPr>
-            <a:spLocks noGrp="1" noRot="1" noChangeAspect="1" noMove="1" noResize="1" noEditPoints="1" noAdjustHandles="1" noChangeArrowheads="1" noChangeShapeType="1" noTextEdit="1"/>
-          </p:cNvSpPr>
-          <p:nvPr>
-            <p:extLst>
-              <p:ext uri="{386F3935-93C4-4BCD-93E2-E3B085C9AB24}">
-                <p16:designElem xmlns:p16="http://schemas.microsoft.com/office/powerpoint/2015/main" val="1"/>
-              </p:ext>
-            </p:extLst>
-          </p:nvPr>
-        </p:nvSpPr>
-        <p:spPr>
-          <a:xfrm>
-            <a:off x="153" y="0"/>
-            <a:ext cx="12191695" cy="6858000"/>
-          </a:xfrm>
-          <a:prstGeom prst="rect">
-            <a:avLst/>
-          </a:prstGeom>
-          <a:ln>
-            <a:noFill/>
-          </a:ln>
-        </p:spPr>
-        <p:style>
-          <a:lnRef idx="2">
-            <a:schemeClr val="accent1">
-              <a:shade val="50000"/>
-            </a:schemeClr>
-          </a:lnRef>
-          <a:fillRef idx="1">
-            <a:schemeClr val="accent1"/>
-          </a:fillRef>
-          <a:effectRef idx="0">
-            <a:schemeClr val="accent1"/>
-          </a:effectRef>
-          <a:fontRef idx="minor">
-            <a:schemeClr val="lt1"/>
-          </a:fontRef>
-        </p:style>
-        <p:txBody>
-          <a:bodyPr rtlCol="0" anchor="ctr"/>
-          <a:lstStyle/>
-          <a:p>
-            <a:pPr marL="0" marR="0" lvl="0" indent="0" algn="ctr" defTabSz="457200" rtl="0" eaLnBrk="1" fontAlgn="auto" latinLnBrk="0" hangingPunct="1">
-              <a:lnSpc>
-                <a:spcPct val="100000"/>
-              </a:lnSpc>
-              <a:spcBef>
-                <a:spcPts val="0"/>
-              </a:spcBef>
-              <a:spcAft>
-                <a:spcPts val="0"/>
-              </a:spcAft>
-              <a:buClrTx/>
-              <a:buSzTx/>
-              <a:buFontTx/>
-              <a:buNone/>
-              <a:tabLst/>
-              <a:defRPr/>
-            </a:pPr>
-            <a:endParaRPr kumimoji="0" lang="en-US" sz="1800" b="0" i="0" u="none" strike="noStrike" kern="1200" cap="none" spc="0" normalizeH="0" baseline="0" noProof="0">
-              <a:ln>
-                <a:noFill/>
-              </a:ln>
-              <a:solidFill>
-                <a:prstClr val="white"/>
-              </a:solidFill>
-              <a:effectLst/>
-              <a:uLnTx/>
-              <a:uFillTx/>
-              <a:latin typeface="Meiryo"/>
-              <a:ea typeface="+mn-ea"/>
-              <a:cs typeface="+mn-cs"/>
-            </a:endParaRPr>
-          </a:p>
-        </p:txBody>
-      </p:sp>
-      <p:grpSp>
-        <p:nvGrpSpPr>
-          <p:cNvPr id="27" name="Group 26">
-            <a:extLst>
-              <a:ext uri="{FF2B5EF4-FFF2-40B4-BE49-F238E27FC236}">
-                <a16:creationId xmlns:a16="http://schemas.microsoft.com/office/drawing/2014/main" id="{F0DA1A54-9FBE-4DAE-B253-1715AA029202}"/>
-              </a:ext>
-              <a:ext uri="{C183D7F6-B498-43B3-948B-1728B52AA6E4}">
-                <adec:decorative xmlns:adec="http://schemas.microsoft.com/office/drawing/2017/decorative" val="1"/>
-              </a:ext>
-            </a:extLst>
-          </p:cNvPr>
-          <p:cNvGrpSpPr>
-            <a:grpSpLocks noGrp="1" noUngrp="1" noRot="1" noChangeAspect="1" noMove="1" noResize="1"/>
-          </p:cNvGrpSpPr>
-          <p:nvPr>
-            <p:extLst>
-              <p:ext uri="{386F3935-93C4-4BCD-93E2-E3B085C9AB24}">
-                <p16:designElem xmlns:p16="http://schemas.microsoft.com/office/powerpoint/2015/main" val="1"/>
-              </p:ext>
-            </p:extLst>
-          </p:nvPr>
-        </p:nvGrpSpPr>
-        <p:grpSpPr>
-          <a:xfrm>
-            <a:off x="763325" y="584218"/>
-            <a:ext cx="5693134" cy="5480198"/>
-            <a:chOff x="787179" y="834887"/>
-            <a:chExt cx="5308821" cy="5110259"/>
-          </a:xfrm>
-        </p:grpSpPr>
-        <p:sp>
-          <p:nvSpPr>
-            <p:cNvPr id="28" name="Freeform: Shape 27">
-              <a:extLst>
-                <a:ext uri="{FF2B5EF4-FFF2-40B4-BE49-F238E27FC236}">
-                  <a16:creationId xmlns:a16="http://schemas.microsoft.com/office/drawing/2014/main" id="{0A36CE68-CB3C-4699-9422-3073853CB669}"/>
-                </a:ext>
-                <a:ext uri="{C183D7F6-B498-43B3-948B-1728B52AA6E4}">
-                  <adec:decorative xmlns:adec="http://schemas.microsoft.com/office/drawing/2017/decorative" val="1"/>
-                </a:ext>
-              </a:extLst>
-            </p:cNvPr>
-            <p:cNvSpPr/>
-            <p:nvPr>
-              <p:extLst>
-                <p:ext uri="{386F3935-93C4-4BCD-93E2-E3B085C9AB24}">
-                  <p16:designElem xmlns:p16="http://schemas.microsoft.com/office/powerpoint/2015/main" val="1"/>
-                </p:ext>
-              </p:extLst>
-            </p:nvPr>
-          </p:nvSpPr>
-          <p:spPr>
-            <a:xfrm>
-              <a:off x="890546" y="1057523"/>
-              <a:ext cx="5009716" cy="4746929"/>
-            </a:xfrm>
-            <a:custGeom>
-              <a:avLst/>
-              <a:gdLst>
-                <a:gd name="connsiteX0" fmla="*/ 2180840 w 3810827"/>
-                <a:gd name="connsiteY0" fmla="*/ 0 h 3634591"/>
-                <a:gd name="connsiteX1" fmla="*/ 2866380 w 3810827"/>
-                <a:gd name="connsiteY1" fmla="*/ 145165 h 3634591"/>
-                <a:gd name="connsiteX2" fmla="*/ 3366366 w 3810827"/>
-                <a:gd name="connsiteY2" fmla="*/ 536835 h 3634591"/>
-                <a:gd name="connsiteX3" fmla="*/ 3810827 w 3810827"/>
-                <a:gd name="connsiteY3" fmla="*/ 1924156 h 3634591"/>
-                <a:gd name="connsiteX4" fmla="*/ 3612844 w 3810827"/>
-                <a:gd name="connsiteY4" fmla="*/ 2493111 h 3634591"/>
-                <a:gd name="connsiteX5" fmla="*/ 3026664 w 3810827"/>
-                <a:gd name="connsiteY5" fmla="*/ 3022891 h 3634591"/>
-                <a:gd name="connsiteX6" fmla="*/ 2897783 w 3810827"/>
-                <a:gd name="connsiteY6" fmla="*/ 3124233 h 3634591"/>
-                <a:gd name="connsiteX7" fmla="*/ 1838765 w 3810827"/>
-                <a:gd name="connsiteY7" fmla="*/ 3634591 h 3634591"/>
-                <a:gd name="connsiteX8" fmla="*/ 443724 w 3810827"/>
-                <a:gd name="connsiteY8" fmla="*/ 2805020 h 3634591"/>
-                <a:gd name="connsiteX9" fmla="*/ 295053 w 3810827"/>
-                <a:gd name="connsiteY9" fmla="*/ 2592792 h 3634591"/>
-                <a:gd name="connsiteX10" fmla="*/ 0 w 3810827"/>
-                <a:gd name="connsiteY10" fmla="*/ 1924156 h 3634591"/>
-                <a:gd name="connsiteX11" fmla="*/ 178275 w 3810827"/>
-                <a:gd name="connsiteY11" fmla="*/ 1204061 h 3634591"/>
-                <a:gd name="connsiteX12" fmla="*/ 669921 w 3810827"/>
-                <a:gd name="connsiteY12" fmla="*/ 585306 h 3634591"/>
-                <a:gd name="connsiteX13" fmla="*/ 1380730 w 3810827"/>
-                <a:gd name="connsiteY13" fmla="*/ 156203 h 3634591"/>
-                <a:gd name="connsiteX14" fmla="*/ 2180840 w 3810827"/>
-                <a:gd name="connsiteY14" fmla="*/ 0 h 3634591"/>
-              </a:gdLst>
-              <a:ahLst/>
-              <a:cxnLst>
-                <a:cxn ang="0">
-                  <a:pos x="connsiteX0" y="connsiteY0"/>
-                </a:cxn>
-                <a:cxn ang="0">
-                  <a:pos x="connsiteX1" y="connsiteY1"/>
-                </a:cxn>
-                <a:cxn ang="0">
-                  <a:pos x="connsiteX2" y="connsiteY2"/>
-                </a:cxn>
-                <a:cxn ang="0">
-                  <a:pos x="connsiteX3" y="connsiteY3"/>
-                </a:cxn>
-                <a:cxn ang="0">
-                  <a:pos x="connsiteX4" y="connsiteY4"/>
-                </a:cxn>
-                <a:cxn ang="0">
-                  <a:pos x="connsiteX5" y="connsiteY5"/>
-                </a:cxn>
-                <a:cxn ang="0">
-                  <a:pos x="connsiteX6" y="connsiteY6"/>
-                </a:cxn>
-                <a:cxn ang="0">
-                  <a:pos x="connsiteX7" y="connsiteY7"/>
-                </a:cxn>
-                <a:cxn ang="0">
-                  <a:pos x="connsiteX8" y="connsiteY8"/>
-                </a:cxn>
-                <a:cxn ang="0">
-                  <a:pos x="connsiteX9" y="connsiteY9"/>
-                </a:cxn>
-                <a:cxn ang="0">
-                  <a:pos x="connsiteX10" y="connsiteY10"/>
-                </a:cxn>
-                <a:cxn ang="0">
-                  <a:pos x="connsiteX11" y="connsiteY11"/>
-                </a:cxn>
-                <a:cxn ang="0">
-                  <a:pos x="connsiteX12" y="connsiteY12"/>
-                </a:cxn>
-                <a:cxn ang="0">
-                  <a:pos x="connsiteX13" y="connsiteY13"/>
-                </a:cxn>
-                <a:cxn ang="0">
-                  <a:pos x="connsiteX14" y="connsiteY14"/>
-                </a:cxn>
-              </a:cxnLst>
-              <a:rect l="l" t="t" r="r" b="b"/>
-              <a:pathLst>
-                <a:path w="3810827" h="3634591">
-                  <a:moveTo>
-                    <a:pt x="2180840" y="0"/>
-                  </a:moveTo>
-                  <a:cubicBezTo>
-                    <a:pt x="2431406" y="0"/>
-                    <a:pt x="2662018" y="48886"/>
-                    <a:pt x="2866380" y="145165"/>
-                  </a:cubicBezTo>
-                  <a:cubicBezTo>
-                    <a:pt x="3057903" y="235467"/>
-                    <a:pt x="3226119" y="367269"/>
-                    <a:pt x="3366366" y="536835"/>
-                  </a:cubicBezTo>
-                  <a:cubicBezTo>
-                    <a:pt x="3652997" y="883519"/>
-                    <a:pt x="3810827" y="1376199"/>
-                    <a:pt x="3810827" y="1924156"/>
-                  </a:cubicBezTo>
-                  <a:cubicBezTo>
-                    <a:pt x="3810827" y="2142775"/>
-                    <a:pt x="3749739" y="2318234"/>
-                    <a:pt x="3612844" y="2493111"/>
-                  </a:cubicBezTo>
-                  <a:cubicBezTo>
-                    <a:pt x="3469652" y="2676041"/>
-                    <a:pt x="3254495" y="2844528"/>
-                    <a:pt x="3026664" y="3022891"/>
-                  </a:cubicBezTo>
-                  <a:cubicBezTo>
-                    <a:pt x="2984630" y="3055759"/>
-                    <a:pt x="2941206" y="3089789"/>
-                    <a:pt x="2897783" y="3124233"/>
-                  </a:cubicBezTo>
-                  <a:cubicBezTo>
-                    <a:pt x="2509094" y="3432490"/>
-                    <a:pt x="2225408" y="3634591"/>
-                    <a:pt x="1838765" y="3634591"/>
-                  </a:cubicBezTo>
-                  <a:cubicBezTo>
-                    <a:pt x="1249640" y="3634591"/>
-                    <a:pt x="832413" y="3386508"/>
-                    <a:pt x="443724" y="2805020"/>
-                  </a:cubicBezTo>
-                  <a:cubicBezTo>
-                    <a:pt x="392859" y="2728910"/>
-                    <a:pt x="343138" y="2659690"/>
-                    <a:pt x="295053" y="2592792"/>
-                  </a:cubicBezTo>
-                  <a:cubicBezTo>
-                    <a:pt x="95761" y="2315411"/>
-                    <a:pt x="0" y="2171160"/>
-                    <a:pt x="0" y="1924156"/>
-                  </a:cubicBezTo>
-                  <a:cubicBezTo>
-                    <a:pt x="0" y="1678896"/>
-                    <a:pt x="60024" y="1436622"/>
-                    <a:pt x="178275" y="1204061"/>
-                  </a:cubicBezTo>
-                  <a:cubicBezTo>
-                    <a:pt x="293990" y="976561"/>
-                    <a:pt x="459425" y="768319"/>
-                    <a:pt x="669921" y="585306"/>
-                  </a:cubicBezTo>
-                  <a:cubicBezTo>
-                    <a:pt x="876818" y="405365"/>
-                    <a:pt x="1122558" y="256964"/>
-                    <a:pt x="1380730" y="156203"/>
-                  </a:cubicBezTo>
-                  <a:cubicBezTo>
-                    <a:pt x="1645852" y="52539"/>
-                    <a:pt x="1915145" y="0"/>
-                    <a:pt x="2180840" y="0"/>
-                  </a:cubicBezTo>
-                  <a:close/>
-                </a:path>
-              </a:pathLst>
-            </a:custGeom>
-            <a:solidFill>
-              <a:srgbClr val="FFFFFF">
-                <a:alpha val="60000"/>
-              </a:srgbClr>
-            </a:solidFill>
-            <a:ln w="15875">
-              <a:noFill/>
-            </a:ln>
-          </p:spPr>
-          <p:style>
-            <a:lnRef idx="2">
-              <a:schemeClr val="accent1">
-                <a:shade val="50000"/>
-              </a:schemeClr>
-            </a:lnRef>
-            <a:fillRef idx="1">
-              <a:schemeClr val="accent1"/>
-            </a:fillRef>
-            <a:effectRef idx="0">
-              <a:schemeClr val="accent1"/>
-            </a:effectRef>
-            <a:fontRef idx="minor">
-              <a:schemeClr val="lt1"/>
-            </a:fontRef>
-          </p:style>
-          <p:txBody>
-            <a:bodyPr wrap="square" rtlCol="0" anchor="ctr">
-              <a:noAutofit/>
-            </a:bodyPr>
-            <a:lstStyle/>
-            <a:p>
-              <a:pPr algn="ctr"/>
-              <a:endParaRPr lang="en-US" dirty="0"/>
-            </a:p>
-          </p:txBody>
-        </p:sp>
-        <p:sp>
-          <p:nvSpPr>
-            <p:cNvPr id="29" name="Freeform: Shape 28">
-              <a:extLst>
-                <a:ext uri="{FF2B5EF4-FFF2-40B4-BE49-F238E27FC236}">
-                  <a16:creationId xmlns:a16="http://schemas.microsoft.com/office/drawing/2014/main" id="{F356DA69-4637-40FE-A14B-5213BBB585D9}"/>
-                </a:ext>
-                <a:ext uri="{C183D7F6-B498-43B3-948B-1728B52AA6E4}">
-                  <adec:decorative xmlns:adec="http://schemas.microsoft.com/office/drawing/2017/decorative" val="1"/>
-                </a:ext>
-              </a:extLst>
-            </p:cNvPr>
-            <p:cNvSpPr/>
-            <p:nvPr>
-              <p:extLst>
-                <p:ext uri="{386F3935-93C4-4BCD-93E2-E3B085C9AB24}">
-                  <p16:designElem xmlns:p16="http://schemas.microsoft.com/office/powerpoint/2015/main" val="1"/>
-                </p:ext>
-              </p:extLst>
-            </p:nvPr>
-          </p:nvSpPr>
-          <p:spPr>
-            <a:xfrm>
-              <a:off x="787179" y="834887"/>
-              <a:ext cx="5308821" cy="5110259"/>
-            </a:xfrm>
-            <a:custGeom>
-              <a:avLst/>
-              <a:gdLst>
-                <a:gd name="connsiteX0" fmla="*/ 2180840 w 3810827"/>
-                <a:gd name="connsiteY0" fmla="*/ 0 h 3634591"/>
-                <a:gd name="connsiteX1" fmla="*/ 2866380 w 3810827"/>
-                <a:gd name="connsiteY1" fmla="*/ 145165 h 3634591"/>
-                <a:gd name="connsiteX2" fmla="*/ 3366366 w 3810827"/>
-                <a:gd name="connsiteY2" fmla="*/ 536835 h 3634591"/>
-                <a:gd name="connsiteX3" fmla="*/ 3810827 w 3810827"/>
-                <a:gd name="connsiteY3" fmla="*/ 1924156 h 3634591"/>
-                <a:gd name="connsiteX4" fmla="*/ 3612844 w 3810827"/>
-                <a:gd name="connsiteY4" fmla="*/ 2493111 h 3634591"/>
-                <a:gd name="connsiteX5" fmla="*/ 3026664 w 3810827"/>
-                <a:gd name="connsiteY5" fmla="*/ 3022891 h 3634591"/>
-                <a:gd name="connsiteX6" fmla="*/ 2897783 w 3810827"/>
-                <a:gd name="connsiteY6" fmla="*/ 3124233 h 3634591"/>
-                <a:gd name="connsiteX7" fmla="*/ 1838765 w 3810827"/>
-                <a:gd name="connsiteY7" fmla="*/ 3634591 h 3634591"/>
-                <a:gd name="connsiteX8" fmla="*/ 443724 w 3810827"/>
-                <a:gd name="connsiteY8" fmla="*/ 2805020 h 3634591"/>
-                <a:gd name="connsiteX9" fmla="*/ 295053 w 3810827"/>
-                <a:gd name="connsiteY9" fmla="*/ 2592792 h 3634591"/>
-                <a:gd name="connsiteX10" fmla="*/ 0 w 3810827"/>
-                <a:gd name="connsiteY10" fmla="*/ 1924156 h 3634591"/>
-                <a:gd name="connsiteX11" fmla="*/ 178275 w 3810827"/>
-                <a:gd name="connsiteY11" fmla="*/ 1204061 h 3634591"/>
-                <a:gd name="connsiteX12" fmla="*/ 669921 w 3810827"/>
-                <a:gd name="connsiteY12" fmla="*/ 585306 h 3634591"/>
-                <a:gd name="connsiteX13" fmla="*/ 1380730 w 3810827"/>
-                <a:gd name="connsiteY13" fmla="*/ 156203 h 3634591"/>
-                <a:gd name="connsiteX14" fmla="*/ 2180840 w 3810827"/>
-                <a:gd name="connsiteY14" fmla="*/ 0 h 3634591"/>
-              </a:gdLst>
-              <a:ahLst/>
-              <a:cxnLst>
-                <a:cxn ang="0">
-                  <a:pos x="connsiteX0" y="connsiteY0"/>
-                </a:cxn>
-                <a:cxn ang="0">
-                  <a:pos x="connsiteX1" y="connsiteY1"/>
-                </a:cxn>
-                <a:cxn ang="0">
-                  <a:pos x="connsiteX2" y="connsiteY2"/>
-                </a:cxn>
-                <a:cxn ang="0">
-                  <a:pos x="connsiteX3" y="connsiteY3"/>
-                </a:cxn>
-                <a:cxn ang="0">
-                  <a:pos x="connsiteX4" y="connsiteY4"/>
-                </a:cxn>
-                <a:cxn ang="0">
-                  <a:pos x="connsiteX5" y="connsiteY5"/>
-                </a:cxn>
-                <a:cxn ang="0">
-                  <a:pos x="connsiteX6" y="connsiteY6"/>
-                </a:cxn>
-                <a:cxn ang="0">
-                  <a:pos x="connsiteX7" y="connsiteY7"/>
-                </a:cxn>
-                <a:cxn ang="0">
-                  <a:pos x="connsiteX8" y="connsiteY8"/>
-                </a:cxn>
-                <a:cxn ang="0">
-                  <a:pos x="connsiteX9" y="connsiteY9"/>
-                </a:cxn>
-                <a:cxn ang="0">
-                  <a:pos x="connsiteX10" y="connsiteY10"/>
-                </a:cxn>
-                <a:cxn ang="0">
-                  <a:pos x="connsiteX11" y="connsiteY11"/>
-                </a:cxn>
-                <a:cxn ang="0">
-                  <a:pos x="connsiteX12" y="connsiteY12"/>
-                </a:cxn>
-                <a:cxn ang="0">
-                  <a:pos x="connsiteX13" y="connsiteY13"/>
-                </a:cxn>
-                <a:cxn ang="0">
-                  <a:pos x="connsiteX14" y="connsiteY14"/>
-                </a:cxn>
-              </a:cxnLst>
-              <a:rect l="l" t="t" r="r" b="b"/>
-              <a:pathLst>
-                <a:path w="3810827" h="3634591">
-                  <a:moveTo>
-                    <a:pt x="2180840" y="0"/>
-                  </a:moveTo>
-                  <a:cubicBezTo>
-                    <a:pt x="2431406" y="0"/>
-                    <a:pt x="2662018" y="48886"/>
-                    <a:pt x="2866380" y="145165"/>
-                  </a:cubicBezTo>
-                  <a:cubicBezTo>
-                    <a:pt x="3057903" y="235467"/>
-                    <a:pt x="3226119" y="367269"/>
-                    <a:pt x="3366366" y="536835"/>
-                  </a:cubicBezTo>
-                  <a:cubicBezTo>
-                    <a:pt x="3652997" y="883519"/>
-                    <a:pt x="3810827" y="1376199"/>
-                    <a:pt x="3810827" y="1924156"/>
-                  </a:cubicBezTo>
-                  <a:cubicBezTo>
-                    <a:pt x="3810827" y="2142775"/>
-                    <a:pt x="3749739" y="2318234"/>
-                    <a:pt x="3612844" y="2493111"/>
-                  </a:cubicBezTo>
-                  <a:cubicBezTo>
-                    <a:pt x="3469652" y="2676041"/>
-                    <a:pt x="3254495" y="2844528"/>
-                    <a:pt x="3026664" y="3022891"/>
-                  </a:cubicBezTo>
-                  <a:cubicBezTo>
-                    <a:pt x="2984630" y="3055759"/>
-                    <a:pt x="2941206" y="3089789"/>
-                    <a:pt x="2897783" y="3124233"/>
-                  </a:cubicBezTo>
-                  <a:cubicBezTo>
-                    <a:pt x="2509094" y="3432490"/>
-                    <a:pt x="2225408" y="3634591"/>
-                    <a:pt x="1838765" y="3634591"/>
-                  </a:cubicBezTo>
-                  <a:cubicBezTo>
-                    <a:pt x="1249640" y="3634591"/>
-                    <a:pt x="832413" y="3386508"/>
-                    <a:pt x="443724" y="2805020"/>
-                  </a:cubicBezTo>
-                  <a:cubicBezTo>
-                    <a:pt x="392859" y="2728910"/>
-                    <a:pt x="343138" y="2659690"/>
-                    <a:pt x="295053" y="2592792"/>
-                  </a:cubicBezTo>
-                  <a:cubicBezTo>
-                    <a:pt x="95761" y="2315411"/>
-                    <a:pt x="0" y="2171160"/>
-                    <a:pt x="0" y="1924156"/>
-                  </a:cubicBezTo>
-                  <a:cubicBezTo>
-                    <a:pt x="0" y="1678896"/>
-                    <a:pt x="60024" y="1436622"/>
-                    <a:pt x="178275" y="1204061"/>
-                  </a:cubicBezTo>
-                  <a:cubicBezTo>
-                    <a:pt x="293990" y="976561"/>
-                    <a:pt x="459425" y="768319"/>
-                    <a:pt x="669921" y="585306"/>
-                  </a:cubicBezTo>
-                  <a:cubicBezTo>
-                    <a:pt x="876818" y="405365"/>
-                    <a:pt x="1122558" y="256964"/>
-                    <a:pt x="1380730" y="156203"/>
-                  </a:cubicBezTo>
-                  <a:cubicBezTo>
-                    <a:pt x="1645852" y="52539"/>
-                    <a:pt x="1915145" y="0"/>
-                    <a:pt x="2180840" y="0"/>
-                  </a:cubicBezTo>
-                  <a:close/>
-                </a:path>
-              </a:pathLst>
-            </a:custGeom>
-            <a:noFill/>
-            <a:ln w="19050">
-              <a:solidFill>
-                <a:srgbClr val="FFFFFF"/>
-              </a:solidFill>
-            </a:ln>
-          </p:spPr>
-          <p:style>
-            <a:lnRef idx="2">
-              <a:schemeClr val="accent1">
-                <a:shade val="50000"/>
-              </a:schemeClr>
-            </a:lnRef>
-            <a:fillRef idx="1">
-              <a:schemeClr val="accent1"/>
-            </a:fillRef>
-            <a:effectRef idx="0">
-              <a:schemeClr val="accent1"/>
-            </a:effectRef>
-            <a:fontRef idx="minor">
-              <a:schemeClr val="lt1"/>
-            </a:fontRef>
-          </p:style>
-          <p:txBody>
-            <a:bodyPr wrap="square" rtlCol="0" anchor="ctr">
-              <a:noAutofit/>
-            </a:bodyPr>
-            <a:lstStyle/>
-            <a:p>
-              <a:pPr algn="ctr"/>
-              <a:endParaRPr lang="en-US" dirty="0"/>
-            </a:p>
-          </p:txBody>
-        </p:sp>
-        <p:sp>
-          <p:nvSpPr>
-            <p:cNvPr id="30" name="Freeform: Shape 29">
-              <a:extLst>
-                <a:ext uri="{FF2B5EF4-FFF2-40B4-BE49-F238E27FC236}">
-                  <a16:creationId xmlns:a16="http://schemas.microsoft.com/office/drawing/2014/main" id="{364D709A-6610-48B7-9F98-AFA02ECBA191}"/>
-                </a:ext>
-                <a:ext uri="{C183D7F6-B498-43B3-948B-1728B52AA6E4}">
-                  <adec:decorative xmlns:adec="http://schemas.microsoft.com/office/drawing/2017/decorative" val="1"/>
-                </a:ext>
-              </a:extLst>
-            </p:cNvPr>
-            <p:cNvSpPr/>
-            <p:nvPr>
-              <p:extLst>
-                <p:ext uri="{386F3935-93C4-4BCD-93E2-E3B085C9AB24}">
-                  <p16:designElem xmlns:p16="http://schemas.microsoft.com/office/powerpoint/2015/main" val="1"/>
-                </p:ext>
-              </p:extLst>
-            </p:nvPr>
-          </p:nvSpPr>
-          <p:spPr>
-            <a:xfrm>
-              <a:off x="1073427" y="1200647"/>
-              <a:ext cx="4675366" cy="4471706"/>
-            </a:xfrm>
-            <a:custGeom>
-              <a:avLst/>
-              <a:gdLst>
-                <a:gd name="connsiteX0" fmla="*/ 2180840 w 3810827"/>
-                <a:gd name="connsiteY0" fmla="*/ 0 h 3634591"/>
-                <a:gd name="connsiteX1" fmla="*/ 2866380 w 3810827"/>
-                <a:gd name="connsiteY1" fmla="*/ 145165 h 3634591"/>
-                <a:gd name="connsiteX2" fmla="*/ 3366366 w 3810827"/>
-                <a:gd name="connsiteY2" fmla="*/ 536835 h 3634591"/>
-                <a:gd name="connsiteX3" fmla="*/ 3810827 w 3810827"/>
-                <a:gd name="connsiteY3" fmla="*/ 1924156 h 3634591"/>
-                <a:gd name="connsiteX4" fmla="*/ 3612844 w 3810827"/>
-                <a:gd name="connsiteY4" fmla="*/ 2493111 h 3634591"/>
-                <a:gd name="connsiteX5" fmla="*/ 3026664 w 3810827"/>
-                <a:gd name="connsiteY5" fmla="*/ 3022891 h 3634591"/>
-                <a:gd name="connsiteX6" fmla="*/ 2897783 w 3810827"/>
-                <a:gd name="connsiteY6" fmla="*/ 3124233 h 3634591"/>
-                <a:gd name="connsiteX7" fmla="*/ 1838765 w 3810827"/>
-                <a:gd name="connsiteY7" fmla="*/ 3634591 h 3634591"/>
-                <a:gd name="connsiteX8" fmla="*/ 443724 w 3810827"/>
-                <a:gd name="connsiteY8" fmla="*/ 2805020 h 3634591"/>
-                <a:gd name="connsiteX9" fmla="*/ 295053 w 3810827"/>
-                <a:gd name="connsiteY9" fmla="*/ 2592792 h 3634591"/>
-                <a:gd name="connsiteX10" fmla="*/ 0 w 3810827"/>
-                <a:gd name="connsiteY10" fmla="*/ 1924156 h 3634591"/>
-                <a:gd name="connsiteX11" fmla="*/ 178275 w 3810827"/>
-                <a:gd name="connsiteY11" fmla="*/ 1204061 h 3634591"/>
-                <a:gd name="connsiteX12" fmla="*/ 669921 w 3810827"/>
-                <a:gd name="connsiteY12" fmla="*/ 585306 h 3634591"/>
-                <a:gd name="connsiteX13" fmla="*/ 1380730 w 3810827"/>
-                <a:gd name="connsiteY13" fmla="*/ 156203 h 3634591"/>
-                <a:gd name="connsiteX14" fmla="*/ 2180840 w 3810827"/>
-                <a:gd name="connsiteY14" fmla="*/ 0 h 3634591"/>
-              </a:gdLst>
-              <a:ahLst/>
-              <a:cxnLst>
-                <a:cxn ang="0">
-                  <a:pos x="connsiteX0" y="connsiteY0"/>
-                </a:cxn>
-                <a:cxn ang="0">
-                  <a:pos x="connsiteX1" y="connsiteY1"/>
-                </a:cxn>
-                <a:cxn ang="0">
-                  <a:pos x="connsiteX2" y="connsiteY2"/>
-                </a:cxn>
-                <a:cxn ang="0">
-                  <a:pos x="connsiteX3" y="connsiteY3"/>
-                </a:cxn>
-                <a:cxn ang="0">
-                  <a:pos x="connsiteX4" y="connsiteY4"/>
-                </a:cxn>
-                <a:cxn ang="0">
-                  <a:pos x="connsiteX5" y="connsiteY5"/>
-                </a:cxn>
-                <a:cxn ang="0">
-                  <a:pos x="connsiteX6" y="connsiteY6"/>
-                </a:cxn>
-                <a:cxn ang="0">
-                  <a:pos x="connsiteX7" y="connsiteY7"/>
-                </a:cxn>
-                <a:cxn ang="0">
-                  <a:pos x="connsiteX8" y="connsiteY8"/>
-                </a:cxn>
-                <a:cxn ang="0">
-                  <a:pos x="connsiteX9" y="connsiteY9"/>
-                </a:cxn>
-                <a:cxn ang="0">
-                  <a:pos x="connsiteX10" y="connsiteY10"/>
-                </a:cxn>
-                <a:cxn ang="0">
-                  <a:pos x="connsiteX11" y="connsiteY11"/>
-                </a:cxn>
-                <a:cxn ang="0">
-                  <a:pos x="connsiteX12" y="connsiteY12"/>
-                </a:cxn>
-                <a:cxn ang="0">
-                  <a:pos x="connsiteX13" y="connsiteY13"/>
-                </a:cxn>
-                <a:cxn ang="0">
-                  <a:pos x="connsiteX14" y="connsiteY14"/>
-                </a:cxn>
-              </a:cxnLst>
-              <a:rect l="l" t="t" r="r" b="b"/>
-              <a:pathLst>
-                <a:path w="3810827" h="3634591">
-                  <a:moveTo>
-                    <a:pt x="2180840" y="0"/>
-                  </a:moveTo>
-                  <a:cubicBezTo>
-                    <a:pt x="2431406" y="0"/>
-                    <a:pt x="2662018" y="48886"/>
-                    <a:pt x="2866380" y="145165"/>
-                  </a:cubicBezTo>
-                  <a:cubicBezTo>
-                    <a:pt x="3057903" y="235467"/>
-                    <a:pt x="3226119" y="367269"/>
-                    <a:pt x="3366366" y="536835"/>
-                  </a:cubicBezTo>
-                  <a:cubicBezTo>
-                    <a:pt x="3652997" y="883519"/>
-                    <a:pt x="3810827" y="1376199"/>
-                    <a:pt x="3810827" y="1924156"/>
-                  </a:cubicBezTo>
-                  <a:cubicBezTo>
-                    <a:pt x="3810827" y="2142775"/>
-                    <a:pt x="3749739" y="2318234"/>
-                    <a:pt x="3612844" y="2493111"/>
-                  </a:cubicBezTo>
-                  <a:cubicBezTo>
-                    <a:pt x="3469652" y="2676041"/>
-                    <a:pt x="3254495" y="2844528"/>
-                    <a:pt x="3026664" y="3022891"/>
-                  </a:cubicBezTo>
-                  <a:cubicBezTo>
-                    <a:pt x="2984630" y="3055759"/>
-                    <a:pt x="2941206" y="3089789"/>
-                    <a:pt x="2897783" y="3124233"/>
-                  </a:cubicBezTo>
-                  <a:cubicBezTo>
-                    <a:pt x="2509094" y="3432490"/>
-                    <a:pt x="2225408" y="3634591"/>
-                    <a:pt x="1838765" y="3634591"/>
-                  </a:cubicBezTo>
-                  <a:cubicBezTo>
-                    <a:pt x="1249640" y="3634591"/>
-                    <a:pt x="832413" y="3386508"/>
-                    <a:pt x="443724" y="2805020"/>
-                  </a:cubicBezTo>
-                  <a:cubicBezTo>
-                    <a:pt x="392859" y="2728910"/>
-                    <a:pt x="343138" y="2659690"/>
-                    <a:pt x="295053" y="2592792"/>
-                  </a:cubicBezTo>
-                  <a:cubicBezTo>
-                    <a:pt x="95761" y="2315411"/>
-                    <a:pt x="0" y="2171160"/>
-                    <a:pt x="0" y="1924156"/>
-                  </a:cubicBezTo>
-                  <a:cubicBezTo>
-                    <a:pt x="0" y="1678896"/>
-                    <a:pt x="60024" y="1436622"/>
-                    <a:pt x="178275" y="1204061"/>
-                  </a:cubicBezTo>
-                  <a:cubicBezTo>
-                    <a:pt x="293990" y="976561"/>
-                    <a:pt x="459425" y="768319"/>
-                    <a:pt x="669921" y="585306"/>
-                  </a:cubicBezTo>
-                  <a:cubicBezTo>
-                    <a:pt x="876818" y="405365"/>
-                    <a:pt x="1122558" y="256964"/>
-                    <a:pt x="1380730" y="156203"/>
-                  </a:cubicBezTo>
-                  <a:cubicBezTo>
-                    <a:pt x="1645852" y="52539"/>
-                    <a:pt x="1915145" y="0"/>
-                    <a:pt x="2180840" y="0"/>
-                  </a:cubicBezTo>
-                  <a:close/>
-                </a:path>
-              </a:pathLst>
-            </a:custGeom>
-            <a:solidFill>
-              <a:schemeClr val="bg1">
-                <a:alpha val="60000"/>
-              </a:schemeClr>
-            </a:solidFill>
-            <a:ln>
-              <a:noFill/>
-            </a:ln>
-          </p:spPr>
-          <p:style>
-            <a:lnRef idx="2">
-              <a:schemeClr val="accent1">
-                <a:shade val="50000"/>
-              </a:schemeClr>
-            </a:lnRef>
-            <a:fillRef idx="1">
-              <a:schemeClr val="accent1"/>
-            </a:fillRef>
-            <a:effectRef idx="0">
-              <a:schemeClr val="accent1"/>
-            </a:effectRef>
-            <a:fontRef idx="minor">
-              <a:schemeClr val="lt1"/>
-            </a:fontRef>
-          </p:style>
-          <p:txBody>
-            <a:bodyPr wrap="square" rtlCol="0" anchor="ctr">
-              <a:noAutofit/>
-            </a:bodyPr>
-            <a:lstStyle/>
-            <a:p>
-              <a:pPr algn="ctr"/>
-              <a:endParaRPr lang="en-US" dirty="0"/>
-            </a:p>
-          </p:txBody>
-        </p:sp>
-      </p:grpSp>
-      <p:sp>
-        <p:nvSpPr>
-          <p:cNvPr id="2" name="Titolo 1">
-            <a:extLst>
-              <a:ext uri="{FF2B5EF4-FFF2-40B4-BE49-F238E27FC236}">
-                <a16:creationId xmlns:a16="http://schemas.microsoft.com/office/drawing/2014/main" id="{75CDB966-FB2B-DAD2-BDE2-3134C26D10F5}"/>
-              </a:ext>
-            </a:extLst>
-          </p:cNvPr>
-          <p:cNvSpPr>
-            <a:spLocks noGrp="1"/>
-          </p:cNvSpPr>
-          <p:nvPr>
-            <p:ph type="title"/>
-          </p:nvPr>
-        </p:nvSpPr>
-        <p:spPr>
-          <a:xfrm>
-            <a:off x="1598212" y="1796995"/>
-            <a:ext cx="4269851" cy="1132217"/>
-          </a:xfrm>
-        </p:spPr>
-        <p:txBody>
-          <a:bodyPr anchor="b">
-            <a:normAutofit/>
-          </a:bodyPr>
-          <a:lstStyle/>
-          <a:p>
-            <a:pPr algn="ctr"/>
-            <a:r>
-              <a:rPr lang="it-IT" dirty="0">
-                <a:solidFill>
-                  <a:schemeClr val="accent1">
-                    <a:lumMod val="75000"/>
-                  </a:schemeClr>
-                </a:solidFill>
-              </a:rPr>
-              <a:t>Algoritmo DCT2</a:t>
-            </a:r>
-          </a:p>
-        </p:txBody>
-      </p:sp>
-      <p:sp>
-        <p:nvSpPr>
-          <p:cNvPr id="3" name="Segnaposto contenuto 2">
-            <a:extLst>
-              <a:ext uri="{FF2B5EF4-FFF2-40B4-BE49-F238E27FC236}">
-                <a16:creationId xmlns:a16="http://schemas.microsoft.com/office/drawing/2014/main" id="{3E249BDC-997F-455E-D583-968161FA0ACA}"/>
-              </a:ext>
-            </a:extLst>
-          </p:cNvPr>
-          <p:cNvSpPr>
-            <a:spLocks noGrp="1"/>
-          </p:cNvSpPr>
-          <p:nvPr>
-            <p:ph idx="1"/>
-          </p:nvPr>
-        </p:nvSpPr>
-        <p:spPr>
-          <a:xfrm>
-            <a:off x="1598212" y="3088465"/>
-            <a:ext cx="4269851" cy="1897003"/>
-          </a:xfrm>
-        </p:spPr>
-        <p:txBody>
-          <a:bodyPr>
-            <a:normAutofit/>
-          </a:bodyPr>
-          <a:lstStyle/>
-          <a:p>
-            <a:pPr algn="ctr">
-              <a:lnSpc>
-                <a:spcPct val="130000"/>
-              </a:lnSpc>
-            </a:pPr>
-            <a:r>
-              <a:rPr lang="it-IT" sz="1400"/>
-              <a:t>La Trasformata Discreta del Coseno (DCT2) è una trasformata molto simile alla DFT che tratta esclusivamente numeri reali e il suo scopo è di garantire la compressione spaziale.</a:t>
-            </a:r>
-          </a:p>
-        </p:txBody>
-      </p:sp>
-      <p:pic>
-        <p:nvPicPr>
-          <p:cNvPr id="5" name="Immagine 4" descr="Immagine che contiene schizzo, disegno, diagramma, Disegno tecnico&#10;&#10;Descrizione generata automaticamente">
-            <a:extLst>
-              <a:ext uri="{FF2B5EF4-FFF2-40B4-BE49-F238E27FC236}">
-                <a16:creationId xmlns:a16="http://schemas.microsoft.com/office/drawing/2014/main" id="{320A41CB-7F21-2375-7576-BE9F90A46711}"/>
-              </a:ext>
-            </a:extLst>
-          </p:cNvPr>
-          <p:cNvPicPr>
-            <a:picLocks noChangeAspect="1"/>
-          </p:cNvPicPr>
-          <p:nvPr/>
-        </p:nvPicPr>
-        <p:blipFill>
-          <a:blip r:embed="rId2">
-            <a:extLst>
-              <a:ext uri="{28A0092B-C50C-407E-A947-70E740481C1C}">
-                <a14:useLocalDpi xmlns:a14="http://schemas.microsoft.com/office/drawing/2010/main" val="0"/>
-              </a:ext>
-            </a:extLst>
-          </a:blip>
-          <a:stretch>
-            <a:fillRect/>
-          </a:stretch>
-        </p:blipFill>
-        <p:spPr>
-          <a:xfrm>
-            <a:off x="7085275" y="968703"/>
-            <a:ext cx="4343400" cy="2149983"/>
-          </a:xfrm>
-          <a:prstGeom prst="rect">
-            <a:avLst/>
-          </a:prstGeom>
-        </p:spPr>
-      </p:pic>
-      <p:pic>
-        <p:nvPicPr>
-          <p:cNvPr id="7" name="Immagine 6" descr="Immagine che contiene testo, Carattere, linea, bianco&#10;&#10;Descrizione generata automaticamente">
-            <a:extLst>
-              <a:ext uri="{FF2B5EF4-FFF2-40B4-BE49-F238E27FC236}">
-                <a16:creationId xmlns:a16="http://schemas.microsoft.com/office/drawing/2014/main" id="{27FA1452-DCD2-577E-BD51-93E81739C4F0}"/>
-              </a:ext>
-            </a:extLst>
-          </p:cNvPr>
-          <p:cNvPicPr>
-            <a:picLocks noChangeAspect="1"/>
-          </p:cNvPicPr>
-          <p:nvPr/>
-        </p:nvPicPr>
-        <p:blipFill>
-          <a:blip r:embed="rId3"/>
-          <a:stretch>
-            <a:fillRect/>
-          </a:stretch>
-        </p:blipFill>
-        <p:spPr>
-          <a:xfrm>
-            <a:off x="7085275" y="4499408"/>
-            <a:ext cx="4343400" cy="629793"/>
-          </a:xfrm>
-          <a:prstGeom prst="rect">
-            <a:avLst/>
-          </a:prstGeom>
-        </p:spPr>
-      </p:pic>
-    </p:spTree>
-    <p:extLst>
-      <p:ext uri="{BB962C8B-B14F-4D97-AF65-F5344CB8AC3E}">
-        <p14:creationId xmlns:p14="http://schemas.microsoft.com/office/powerpoint/2010/main" val="2042410440"/>
-      </p:ext>
-    </p:extLst>
-  </p:cSld>
-  <p:clrMapOvr>
-    <a:masterClrMapping/>
-  </p:clrMapOvr>
-</p:sld>
-</file>
-
-<file path=ppt/slides/slide4.xml><?xml version="1.0" encoding="utf-8"?>
 <p:sld xmlns:a="http://schemas.openxmlformats.org/drawingml/2006/main" xmlns:r="http://schemas.openxmlformats.org/officeDocument/2006/relationships" xmlns:p="http://schemas.openxmlformats.org/presentationml/2006/main">
   <p:cSld>
     <p:bg>
@@ -15563,8 +13985,8 @@
         </p:nvSpPr>
         <p:spPr>
           <a:xfrm>
-            <a:off x="8046720" y="1045596"/>
-            <a:ext cx="3689406" cy="1944371"/>
+            <a:off x="7572024" y="23379"/>
+            <a:ext cx="4750079" cy="2505058"/>
           </a:xfrm>
         </p:spPr>
         <p:txBody>
@@ -15574,11 +13996,9 @@
           <a:lstStyle/>
           <a:p>
             <a:r>
-              <a:rPr lang="it-IT" dirty="0">
+              <a:rPr lang="it-IT" sz="4000" dirty="0">
                 <a:solidFill>
-                  <a:schemeClr val="accent1">
-                    <a:lumMod val="75000"/>
-                  </a:schemeClr>
+                  <a:schemeClr val="accent1"/>
                 </a:solidFill>
               </a:rPr>
               <a:t>Libreria DCT2 FFT</a:t>
@@ -15647,7 +14067,7 @@
 </p:sld>
 </file>
 
-<file path=ppt/slides/slide5.xml><?xml version="1.0" encoding="utf-8"?>
+<file path=ppt/slides/slide4.xml><?xml version="1.0" encoding="utf-8"?>
 <p:sld xmlns:a="http://schemas.openxmlformats.org/drawingml/2006/main" xmlns:r="http://schemas.openxmlformats.org/officeDocument/2006/relationships" xmlns:p="http://schemas.openxmlformats.org/presentationml/2006/main">
   <p:cSld>
     <p:bg>
@@ -15672,12 +14092,12 @@
           <a:chExt cx="0" cy="0"/>
         </a:xfrm>
       </p:grpSpPr>
-      <p:sp>
+      <p:sp useBgFill="1">
         <p:nvSpPr>
-          <p:cNvPr id="10" name="Freeform: Shape 9">
+          <p:cNvPr id="25" name="Rectangle 24">
             <a:extLst>
               <a:ext uri="{FF2B5EF4-FFF2-40B4-BE49-F238E27FC236}">
-                <a16:creationId xmlns:a16="http://schemas.microsoft.com/office/drawing/2014/main" id="{9B0F7D69-D93C-4C38-A23D-76E000D691CD}"/>
+                <a16:creationId xmlns:a16="http://schemas.microsoft.com/office/drawing/2014/main" id="{AC14302F-E955-47D0-A56B-D1D1A6953B51}"/>
               </a:ext>
               <a:ext uri="{C183D7F6-B498-43B3-948B-1728B52AA6E4}">
                 <adec:decorative xmlns:adec="http://schemas.microsoft.com/office/drawing/2017/decorative" val="1"/>
@@ -15697,1129 +14117,7 @@
         </p:nvSpPr>
         <p:spPr>
           <a:xfrm>
-            <a:off x="0" y="0"/>
-            <a:ext cx="3496422" cy="6858000"/>
-          </a:xfrm>
-          <a:custGeom>
-            <a:avLst/>
-            <a:gdLst/>
-            <a:ahLst/>
-            <a:cxnLst/>
-            <a:rect l="l" t="t" r="r" b="b"/>
-            <a:pathLst>
-              <a:path w="3496422" h="6858000">
-                <a:moveTo>
-                  <a:pt x="0" y="0"/>
-                </a:moveTo>
-                <a:lnTo>
-                  <a:pt x="1873399" y="0"/>
-                </a:lnTo>
-                <a:lnTo>
-                  <a:pt x="1895523" y="14997"/>
-                </a:lnTo>
-                <a:cubicBezTo>
-                  <a:pt x="2922686" y="754641"/>
-                  <a:pt x="3496422" y="2093192"/>
-                  <a:pt x="3496422" y="3621656"/>
-                </a:cubicBezTo>
-                <a:cubicBezTo>
-                  <a:pt x="3496422" y="4969131"/>
-                  <a:pt x="2567697" y="5602839"/>
-                  <a:pt x="1622072" y="6374814"/>
-                </a:cubicBezTo>
-                <a:cubicBezTo>
-                  <a:pt x="1449869" y="6515397"/>
-                  <a:pt x="1279242" y="6653108"/>
-                  <a:pt x="1105424" y="6780599"/>
-                </a:cubicBezTo>
-                <a:lnTo>
-                  <a:pt x="993668" y="6858000"/>
-                </a:lnTo>
-                <a:lnTo>
-                  <a:pt x="0" y="6858000"/>
-                </a:lnTo>
-                <a:close/>
-              </a:path>
-            </a:pathLst>
-          </a:custGeom>
-          <a:solidFill>
-            <a:srgbClr val="FFFFFF">
-              <a:alpha val="60000"/>
-            </a:srgbClr>
-          </a:solidFill>
-          <a:ln>
-            <a:noFill/>
-          </a:ln>
-        </p:spPr>
-        <p:style>
-          <a:lnRef idx="2">
-            <a:schemeClr val="accent1">
-              <a:shade val="50000"/>
-            </a:schemeClr>
-          </a:lnRef>
-          <a:fillRef idx="1">
-            <a:schemeClr val="accent1"/>
-          </a:fillRef>
-          <a:effectRef idx="0">
-            <a:schemeClr val="accent1"/>
-          </a:effectRef>
-          <a:fontRef idx="minor">
-            <a:schemeClr val="lt1"/>
-          </a:fontRef>
-        </p:style>
-        <p:txBody>
-          <a:bodyPr wrap="square" rtlCol="0" anchor="ctr">
-            <a:noAutofit/>
-          </a:bodyPr>
-          <a:lstStyle/>
-          <a:p>
-            <a:pPr algn="ctr"/>
-            <a:endParaRPr lang="en-US" dirty="0"/>
-          </a:p>
-        </p:txBody>
-      </p:sp>
-      <p:sp>
-        <p:nvSpPr>
-          <p:cNvPr id="12" name="Freeform: Shape 11">
-            <a:extLst>
-              <a:ext uri="{FF2B5EF4-FFF2-40B4-BE49-F238E27FC236}">
-                <a16:creationId xmlns:a16="http://schemas.microsoft.com/office/drawing/2014/main" id="{8CD419D4-EA9D-42D9-BF62-B07F0B7B672B}"/>
-              </a:ext>
-              <a:ext uri="{C183D7F6-B498-43B3-948B-1728B52AA6E4}">
-                <adec:decorative xmlns:adec="http://schemas.microsoft.com/office/drawing/2017/decorative" val="1"/>
-              </a:ext>
-            </a:extLst>
-          </p:cNvPr>
-          <p:cNvSpPr>
-            <a:spLocks noGrp="1" noRot="1" noChangeAspect="1" noMove="1" noResize="1" noEditPoints="1" noAdjustHandles="1" noChangeArrowheads="1" noChangeShapeType="1" noTextEdit="1"/>
-          </p:cNvSpPr>
-          <p:nvPr>
-            <p:extLst>
-              <p:ext uri="{386F3935-93C4-4BCD-93E2-E3B085C9AB24}">
-                <p16:designElem xmlns:p16="http://schemas.microsoft.com/office/powerpoint/2015/main" val="1"/>
-              </p:ext>
-            </p:extLst>
-          </p:nvPr>
-        </p:nvSpPr>
-        <p:spPr>
-          <a:xfrm>
-            <a:off x="1375409" y="0"/>
-            <a:ext cx="2529723" cy="6858000"/>
-          </a:xfrm>
-          <a:custGeom>
-            <a:avLst/>
-            <a:gdLst/>
-            <a:ahLst/>
-            <a:cxnLst/>
-            <a:rect l="l" t="t" r="r" b="b"/>
-            <a:pathLst>
-              <a:path w="2529723" h="6858000">
-                <a:moveTo>
-                  <a:pt x="1258269" y="0"/>
-                </a:moveTo>
-                <a:lnTo>
-                  <a:pt x="1275627" y="0"/>
-                </a:lnTo>
-                <a:lnTo>
-                  <a:pt x="1302560" y="24338"/>
-                </a:lnTo>
-                <a:cubicBezTo>
-                  <a:pt x="2156831" y="855667"/>
-                  <a:pt x="2590622" y="2191755"/>
-                  <a:pt x="2522825" y="3678515"/>
-                </a:cubicBezTo>
-                <a:cubicBezTo>
-                  <a:pt x="2459072" y="5076606"/>
-                  <a:pt x="1519830" y="5692656"/>
-                  <a:pt x="557500" y="6451411"/>
-                </a:cubicBezTo>
-                <a:cubicBezTo>
-                  <a:pt x="382255" y="6589587"/>
-                  <a:pt x="208689" y="6724853"/>
-                  <a:pt x="32482" y="6849373"/>
-                </a:cubicBezTo>
-                <a:lnTo>
-                  <a:pt x="19531" y="6858000"/>
-                </a:lnTo>
-                <a:lnTo>
-                  <a:pt x="0" y="6858000"/>
-                </a:lnTo>
-                <a:lnTo>
-                  <a:pt x="14202" y="6848540"/>
-                </a:lnTo>
-                <a:cubicBezTo>
-                  <a:pt x="190409" y="6724020"/>
-                  <a:pt x="363976" y="6588754"/>
-                  <a:pt x="539221" y="6450578"/>
-                </a:cubicBezTo>
-                <a:cubicBezTo>
-                  <a:pt x="1501550" y="5691822"/>
-                  <a:pt x="2440792" y="5075773"/>
-                  <a:pt x="2504546" y="3677682"/>
-                </a:cubicBezTo>
-                <a:cubicBezTo>
-                  <a:pt x="2572343" y="2190921"/>
-                  <a:pt x="2138551" y="854834"/>
-                  <a:pt x="1284280" y="23504"/>
-                </a:cubicBezTo>
-                <a:close/>
-              </a:path>
-            </a:pathLst>
-          </a:custGeom>
-          <a:solidFill>
-            <a:srgbClr val="FFFFFF"/>
-          </a:solidFill>
-          <a:ln>
-            <a:noFill/>
-          </a:ln>
-        </p:spPr>
-        <p:style>
-          <a:lnRef idx="2">
-            <a:schemeClr val="accent1">
-              <a:shade val="50000"/>
-            </a:schemeClr>
-          </a:lnRef>
-          <a:fillRef idx="1">
-            <a:schemeClr val="accent1"/>
-          </a:fillRef>
-          <a:effectRef idx="0">
-            <a:schemeClr val="accent1"/>
-          </a:effectRef>
-          <a:fontRef idx="minor">
-            <a:schemeClr val="lt1"/>
-          </a:fontRef>
-        </p:style>
-        <p:txBody>
-          <a:bodyPr wrap="square" rtlCol="0" anchor="ctr">
-            <a:noAutofit/>
-          </a:bodyPr>
-          <a:lstStyle/>
-          <a:p>
-            <a:pPr marL="0" marR="0" lvl="0" indent="0" algn="ctr" defTabSz="457200" rtl="0" eaLnBrk="1" fontAlgn="auto" latinLnBrk="0" hangingPunct="1">
-              <a:lnSpc>
-                <a:spcPct val="100000"/>
-              </a:lnSpc>
-              <a:spcBef>
-                <a:spcPts val="0"/>
-              </a:spcBef>
-              <a:spcAft>
-                <a:spcPts val="0"/>
-              </a:spcAft>
-              <a:buClrTx/>
-              <a:buSzTx/>
-              <a:buFontTx/>
-              <a:buNone/>
-              <a:tabLst/>
-              <a:defRPr/>
-            </a:pPr>
-            <a:endParaRPr kumimoji="0" lang="en-US" sz="1800" b="0" i="0" u="none" strike="noStrike" kern="1200" cap="none" spc="0" normalizeH="0" baseline="0" noProof="0" dirty="0">
-              <a:ln>
-                <a:noFill/>
-              </a:ln>
-              <a:solidFill>
-                <a:prstClr val="white"/>
-              </a:solidFill>
-              <a:effectLst/>
-              <a:uLnTx/>
-              <a:uFillTx/>
-              <a:latin typeface="Meiryo"/>
-              <a:ea typeface="+mn-ea"/>
-              <a:cs typeface="+mn-cs"/>
-            </a:endParaRPr>
-          </a:p>
-        </p:txBody>
-      </p:sp>
-      <p:sp>
-        <p:nvSpPr>
-          <p:cNvPr id="14" name="Freeform: Shape 13">
-            <a:extLst>
-              <a:ext uri="{FF2B5EF4-FFF2-40B4-BE49-F238E27FC236}">
-                <a16:creationId xmlns:a16="http://schemas.microsoft.com/office/drawing/2014/main" id="{1C6FEC9B-9608-4181-A9E5-A1B80E72021C}"/>
-              </a:ext>
-              <a:ext uri="{C183D7F6-B498-43B3-948B-1728B52AA6E4}">
-                <adec:decorative xmlns:adec="http://schemas.microsoft.com/office/drawing/2017/decorative" val="1"/>
-              </a:ext>
-            </a:extLst>
-          </p:cNvPr>
-          <p:cNvSpPr>
-            <a:spLocks noGrp="1" noRot="1" noChangeAspect="1" noMove="1" noResize="1" noEditPoints="1" noAdjustHandles="1" noChangeArrowheads="1" noChangeShapeType="1" noTextEdit="1"/>
-          </p:cNvSpPr>
-          <p:nvPr>
-            <p:extLst>
-              <p:ext uri="{386F3935-93C4-4BCD-93E2-E3B085C9AB24}">
-                <p16:designElem xmlns:p16="http://schemas.microsoft.com/office/powerpoint/2015/main" val="1"/>
-              </p:ext>
-            </p:extLst>
-          </p:nvPr>
-        </p:nvSpPr>
-        <p:spPr>
-          <a:xfrm>
-            <a:off x="1155402" y="0"/>
-            <a:ext cx="2536434" cy="6858000"/>
-          </a:xfrm>
-          <a:custGeom>
-            <a:avLst/>
-            <a:gdLst/>
-            <a:ahLst/>
-            <a:cxnLst/>
-            <a:rect l="l" t="t" r="r" b="b"/>
-            <a:pathLst>
-              <a:path w="2536434" h="6858000">
-                <a:moveTo>
-                  <a:pt x="879731" y="0"/>
-                </a:moveTo>
-                <a:lnTo>
-                  <a:pt x="913411" y="0"/>
-                </a:lnTo>
-                <a:lnTo>
-                  <a:pt x="935535" y="14997"/>
-                </a:lnTo>
-                <a:cubicBezTo>
-                  <a:pt x="1962698" y="754641"/>
-                  <a:pt x="2536434" y="2093192"/>
-                  <a:pt x="2536434" y="3621656"/>
-                </a:cubicBezTo>
-                <a:cubicBezTo>
-                  <a:pt x="2536434" y="4969131"/>
-                  <a:pt x="1607709" y="5602839"/>
-                  <a:pt x="662084" y="6374814"/>
-                </a:cubicBezTo>
-                <a:cubicBezTo>
-                  <a:pt x="489881" y="6515397"/>
-                  <a:pt x="319254" y="6653108"/>
-                  <a:pt x="145436" y="6780599"/>
-                </a:cubicBezTo>
-                <a:lnTo>
-                  <a:pt x="33680" y="6858000"/>
-                </a:lnTo>
-                <a:lnTo>
-                  <a:pt x="0" y="6858000"/>
-                </a:lnTo>
-                <a:lnTo>
-                  <a:pt x="111756" y="6780599"/>
-                </a:lnTo>
-                <a:cubicBezTo>
-                  <a:pt x="285574" y="6653108"/>
-                  <a:pt x="456201" y="6515397"/>
-                  <a:pt x="628404" y="6374814"/>
-                </a:cubicBezTo>
-                <a:cubicBezTo>
-                  <a:pt x="1574029" y="5602839"/>
-                  <a:pt x="2502754" y="4969131"/>
-                  <a:pt x="2502754" y="3621656"/>
-                </a:cubicBezTo>
-                <a:cubicBezTo>
-                  <a:pt x="2502754" y="2093192"/>
-                  <a:pt x="1929018" y="754641"/>
-                  <a:pt x="901855" y="14997"/>
-                </a:cubicBezTo>
-                <a:close/>
-              </a:path>
-            </a:pathLst>
-          </a:custGeom>
-          <a:solidFill>
-            <a:schemeClr val="bg1"/>
-          </a:solidFill>
-          <a:ln>
-            <a:noFill/>
-          </a:ln>
-        </p:spPr>
-        <p:style>
-          <a:lnRef idx="2">
-            <a:schemeClr val="accent1">
-              <a:shade val="50000"/>
-            </a:schemeClr>
-          </a:lnRef>
-          <a:fillRef idx="1">
-            <a:schemeClr val="accent1"/>
-          </a:fillRef>
-          <a:effectRef idx="0">
-            <a:schemeClr val="accent1"/>
-          </a:effectRef>
-          <a:fontRef idx="minor">
-            <a:schemeClr val="lt1"/>
-          </a:fontRef>
-        </p:style>
-        <p:txBody>
-          <a:bodyPr wrap="square" rtlCol="0" anchor="ctr">
-            <a:noAutofit/>
-          </a:bodyPr>
-          <a:lstStyle/>
-          <a:p>
-            <a:pPr marL="0" marR="0" lvl="0" indent="0" algn="ctr" defTabSz="914400" rtl="0" eaLnBrk="1" fontAlgn="auto" latinLnBrk="0" hangingPunct="1">
-              <a:lnSpc>
-                <a:spcPct val="100000"/>
-              </a:lnSpc>
-              <a:spcBef>
-                <a:spcPts val="0"/>
-              </a:spcBef>
-              <a:spcAft>
-                <a:spcPts val="0"/>
-              </a:spcAft>
-              <a:buClrTx/>
-              <a:buSzTx/>
-              <a:buFontTx/>
-              <a:buNone/>
-              <a:tabLst/>
-              <a:defRPr/>
-            </a:pPr>
-            <a:endParaRPr kumimoji="0" lang="en-US" sz="1800" b="0" i="0" u="none" strike="noStrike" kern="1200" cap="none" spc="0" normalizeH="0" baseline="0" noProof="0" dirty="0">
-              <a:ln>
-                <a:noFill/>
-              </a:ln>
-              <a:solidFill>
-                <a:prstClr val="white"/>
-              </a:solidFill>
-              <a:effectLst/>
-              <a:uLnTx/>
-              <a:uFillTx/>
-              <a:latin typeface="Meiryo"/>
-              <a:ea typeface="+mn-ea"/>
-              <a:cs typeface="+mn-cs"/>
-            </a:endParaRPr>
-          </a:p>
-        </p:txBody>
-      </p:sp>
-      <p:sp>
-        <p:nvSpPr>
-          <p:cNvPr id="38" name="Freeform: Shape 15">
-            <a:extLst>
-              <a:ext uri="{FF2B5EF4-FFF2-40B4-BE49-F238E27FC236}">
-                <a16:creationId xmlns:a16="http://schemas.microsoft.com/office/drawing/2014/main" id="{AB1564ED-F26F-451D-97D6-A6EC3E83FD55}"/>
-              </a:ext>
-              <a:ext uri="{C183D7F6-B498-43B3-948B-1728B52AA6E4}">
-                <adec:decorative xmlns:adec="http://schemas.microsoft.com/office/drawing/2017/decorative" val="1"/>
-              </a:ext>
-            </a:extLst>
-          </p:cNvPr>
-          <p:cNvSpPr>
-            <a:spLocks noGrp="1" noRot="1" noChangeAspect="1" noMove="1" noResize="1" noEditPoints="1" noAdjustHandles="1" noChangeArrowheads="1" noChangeShapeType="1" noTextEdit="1"/>
-          </p:cNvSpPr>
-          <p:nvPr>
-            <p:extLst>
-              <p:ext uri="{386F3935-93C4-4BCD-93E2-E3B085C9AB24}">
-                <p16:designElem xmlns:p16="http://schemas.microsoft.com/office/powerpoint/2015/main" val="1"/>
-              </p:ext>
-            </p:extLst>
-          </p:nvPr>
-        </p:nvSpPr>
-        <p:spPr>
-          <a:xfrm>
-            <a:off x="924161" y="0"/>
-            <a:ext cx="2261351" cy="6858000"/>
-          </a:xfrm>
-          <a:custGeom>
-            <a:avLst/>
-            <a:gdLst/>
-            <a:ahLst/>
-            <a:cxnLst/>
-            <a:rect l="l" t="t" r="r" b="b"/>
-            <a:pathLst>
-              <a:path w="2521425" h="6858000">
-                <a:moveTo>
-                  <a:pt x="879731" y="0"/>
-                </a:moveTo>
-                <a:lnTo>
-                  <a:pt x="898402" y="0"/>
-                </a:lnTo>
-                <a:lnTo>
-                  <a:pt x="920526" y="14997"/>
-                </a:lnTo>
-                <a:cubicBezTo>
-                  <a:pt x="1947689" y="754641"/>
-                  <a:pt x="2521425" y="2093192"/>
-                  <a:pt x="2521425" y="3621656"/>
-                </a:cubicBezTo>
-                <a:cubicBezTo>
-                  <a:pt x="2521425" y="4969131"/>
-                  <a:pt x="1592700" y="5602839"/>
-                  <a:pt x="647075" y="6374814"/>
-                </a:cubicBezTo>
-                <a:cubicBezTo>
-                  <a:pt x="474872" y="6515397"/>
-                  <a:pt x="304245" y="6653108"/>
-                  <a:pt x="130427" y="6780599"/>
-                </a:cubicBezTo>
-                <a:lnTo>
-                  <a:pt x="18671" y="6858000"/>
-                </a:lnTo>
-                <a:lnTo>
-                  <a:pt x="0" y="6858000"/>
-                </a:lnTo>
-                <a:lnTo>
-                  <a:pt x="111756" y="6780599"/>
-                </a:lnTo>
-                <a:cubicBezTo>
-                  <a:pt x="285574" y="6653108"/>
-                  <a:pt x="456201" y="6515397"/>
-                  <a:pt x="628404" y="6374814"/>
-                </a:cubicBezTo>
-                <a:cubicBezTo>
-                  <a:pt x="1574029" y="5602839"/>
-                  <a:pt x="2502754" y="4969131"/>
-                  <a:pt x="2502754" y="3621656"/>
-                </a:cubicBezTo>
-                <a:cubicBezTo>
-                  <a:pt x="2502754" y="2093192"/>
-                  <a:pt x="1929018" y="754641"/>
-                  <a:pt x="901855" y="14997"/>
-                </a:cubicBezTo>
-                <a:close/>
-              </a:path>
-            </a:pathLst>
-          </a:custGeom>
-          <a:solidFill>
-            <a:schemeClr val="bg2">
-              <a:lumMod val="90000"/>
-            </a:schemeClr>
-          </a:solidFill>
-          <a:ln>
-            <a:noFill/>
-          </a:ln>
-        </p:spPr>
-        <p:style>
-          <a:lnRef idx="2">
-            <a:schemeClr val="accent1">
-              <a:shade val="50000"/>
-            </a:schemeClr>
-          </a:lnRef>
-          <a:fillRef idx="1">
-            <a:schemeClr val="accent1"/>
-          </a:fillRef>
-          <a:effectRef idx="0">
-            <a:schemeClr val="accent1"/>
-          </a:effectRef>
-          <a:fontRef idx="minor">
-            <a:schemeClr val="lt1"/>
-          </a:fontRef>
-        </p:style>
-        <p:txBody>
-          <a:bodyPr wrap="square" rtlCol="0" anchor="ctr">
-            <a:noAutofit/>
-          </a:bodyPr>
-          <a:lstStyle/>
-          <a:p>
-            <a:pPr marL="0" marR="0" lvl="0" indent="0" algn="ctr" defTabSz="914400" rtl="0" eaLnBrk="1" fontAlgn="auto" latinLnBrk="0" hangingPunct="1">
-              <a:lnSpc>
-                <a:spcPct val="100000"/>
-              </a:lnSpc>
-              <a:spcBef>
-                <a:spcPts val="0"/>
-              </a:spcBef>
-              <a:spcAft>
-                <a:spcPts val="0"/>
-              </a:spcAft>
-              <a:buClrTx/>
-              <a:buSzTx/>
-              <a:buFontTx/>
-              <a:buNone/>
-              <a:tabLst/>
-              <a:defRPr/>
-            </a:pPr>
-            <a:endParaRPr kumimoji="0" lang="en-US" sz="1800" b="0" i="0" u="none" strike="noStrike" kern="1200" cap="none" spc="0" normalizeH="0" baseline="0" noProof="0">
-              <a:ln>
-                <a:noFill/>
-              </a:ln>
-              <a:solidFill>
-                <a:prstClr val="white"/>
-              </a:solidFill>
-              <a:effectLst/>
-              <a:uLnTx/>
-              <a:uFillTx/>
-              <a:latin typeface="Meiryo"/>
-              <a:ea typeface="+mn-ea"/>
-              <a:cs typeface="+mn-cs"/>
-            </a:endParaRPr>
-          </a:p>
-        </p:txBody>
-      </p:sp>
-      <p:sp>
-        <p:nvSpPr>
-          <p:cNvPr id="18" name="Freeform: Shape 17">
-            <a:extLst>
-              <a:ext uri="{FF2B5EF4-FFF2-40B4-BE49-F238E27FC236}">
-                <a16:creationId xmlns:a16="http://schemas.microsoft.com/office/drawing/2014/main" id="{0CA184B6-3482-4F43-87F0-BC765DCFD8A8}"/>
-              </a:ext>
-              <a:ext uri="{C183D7F6-B498-43B3-948B-1728B52AA6E4}">
-                <adec:decorative xmlns:adec="http://schemas.microsoft.com/office/drawing/2017/decorative" val="1"/>
-              </a:ext>
-            </a:extLst>
-          </p:cNvPr>
-          <p:cNvSpPr>
-            <a:spLocks noGrp="1" noRot="1" noChangeAspect="1" noMove="1" noResize="1" noEditPoints="1" noAdjustHandles="1" noChangeArrowheads="1" noChangeShapeType="1" noTextEdit="1"/>
-          </p:cNvSpPr>
-          <p:nvPr>
-            <p:extLst>
-              <p:ext uri="{386F3935-93C4-4BCD-93E2-E3B085C9AB24}">
-                <p16:designElem xmlns:p16="http://schemas.microsoft.com/office/powerpoint/2015/main" val="1"/>
-              </p:ext>
-            </p:extLst>
-          </p:nvPr>
-        </p:nvSpPr>
-        <p:spPr>
-          <a:xfrm>
-            <a:off x="0" y="0"/>
-            <a:ext cx="3496422" cy="6858000"/>
-          </a:xfrm>
-          <a:custGeom>
-            <a:avLst/>
-            <a:gdLst/>
-            <a:ahLst/>
-            <a:cxnLst/>
-            <a:rect l="l" t="t" r="r" b="b"/>
-            <a:pathLst>
-              <a:path w="3496422" h="6858000">
-                <a:moveTo>
-                  <a:pt x="0" y="0"/>
-                </a:moveTo>
-                <a:lnTo>
-                  <a:pt x="1873399" y="0"/>
-                </a:lnTo>
-                <a:lnTo>
-                  <a:pt x="1895523" y="14997"/>
-                </a:lnTo>
-                <a:cubicBezTo>
-                  <a:pt x="2922686" y="754641"/>
-                  <a:pt x="3496422" y="2093192"/>
-                  <a:pt x="3496422" y="3621656"/>
-                </a:cubicBezTo>
-                <a:cubicBezTo>
-                  <a:pt x="3496422" y="4969131"/>
-                  <a:pt x="2567697" y="5602839"/>
-                  <a:pt x="1622072" y="6374814"/>
-                </a:cubicBezTo>
-                <a:cubicBezTo>
-                  <a:pt x="1449869" y="6515397"/>
-                  <a:pt x="1279242" y="6653108"/>
-                  <a:pt x="1105424" y="6780599"/>
-                </a:cubicBezTo>
-                <a:lnTo>
-                  <a:pt x="993668" y="6858000"/>
-                </a:lnTo>
-                <a:lnTo>
-                  <a:pt x="0" y="6858000"/>
-                </a:lnTo>
-                <a:close/>
-              </a:path>
-            </a:pathLst>
-          </a:custGeom>
-          <a:solidFill>
-            <a:srgbClr val="FFFFFF">
-              <a:alpha val="60000"/>
-            </a:srgbClr>
-          </a:solidFill>
-          <a:ln>
-            <a:noFill/>
-          </a:ln>
-        </p:spPr>
-        <p:style>
-          <a:lnRef idx="2">
-            <a:schemeClr val="accent1">
-              <a:shade val="50000"/>
-            </a:schemeClr>
-          </a:lnRef>
-          <a:fillRef idx="1">
-            <a:schemeClr val="accent1"/>
-          </a:fillRef>
-          <a:effectRef idx="0">
-            <a:schemeClr val="accent1"/>
-          </a:effectRef>
-          <a:fontRef idx="minor">
-            <a:schemeClr val="lt1"/>
-          </a:fontRef>
-        </p:style>
-        <p:txBody>
-          <a:bodyPr wrap="square" rtlCol="0" anchor="ctr">
-            <a:noAutofit/>
-          </a:bodyPr>
-          <a:lstStyle/>
-          <a:p>
-            <a:pPr algn="ctr"/>
-            <a:endParaRPr lang="en-US" dirty="0"/>
-          </a:p>
-        </p:txBody>
-      </p:sp>
-      <p:sp>
-        <p:nvSpPr>
-          <p:cNvPr id="20" name="Freeform: Shape 19">
-            <a:extLst>
-              <a:ext uri="{FF2B5EF4-FFF2-40B4-BE49-F238E27FC236}">
-                <a16:creationId xmlns:a16="http://schemas.microsoft.com/office/drawing/2014/main" id="{6C869923-8380-4244-9548-802C330638A0}"/>
-              </a:ext>
-              <a:ext uri="{C183D7F6-B498-43B3-948B-1728B52AA6E4}">
-                <adec:decorative xmlns:adec="http://schemas.microsoft.com/office/drawing/2017/decorative" val="1"/>
-              </a:ext>
-            </a:extLst>
-          </p:cNvPr>
-          <p:cNvSpPr>
-            <a:spLocks noGrp="1" noRot="1" noChangeAspect="1" noMove="1" noResize="1" noEditPoints="1" noAdjustHandles="1" noChangeArrowheads="1" noChangeShapeType="1" noTextEdit="1"/>
-          </p:cNvSpPr>
-          <p:nvPr>
-            <p:extLst>
-              <p:ext uri="{386F3935-93C4-4BCD-93E2-E3B085C9AB24}">
-                <p16:designElem xmlns:p16="http://schemas.microsoft.com/office/powerpoint/2015/main" val="1"/>
-              </p:ext>
-            </p:extLst>
-          </p:nvPr>
-        </p:nvSpPr>
-        <p:spPr>
-          <a:xfrm>
-            <a:off x="1375409" y="0"/>
-            <a:ext cx="2529723" cy="6858000"/>
-          </a:xfrm>
-          <a:custGeom>
-            <a:avLst/>
-            <a:gdLst/>
-            <a:ahLst/>
-            <a:cxnLst/>
-            <a:rect l="l" t="t" r="r" b="b"/>
-            <a:pathLst>
-              <a:path w="2529723" h="6858000">
-                <a:moveTo>
-                  <a:pt x="1258269" y="0"/>
-                </a:moveTo>
-                <a:lnTo>
-                  <a:pt x="1275627" y="0"/>
-                </a:lnTo>
-                <a:lnTo>
-                  <a:pt x="1302560" y="24338"/>
-                </a:lnTo>
-                <a:cubicBezTo>
-                  <a:pt x="2156831" y="855667"/>
-                  <a:pt x="2590622" y="2191755"/>
-                  <a:pt x="2522825" y="3678515"/>
-                </a:cubicBezTo>
-                <a:cubicBezTo>
-                  <a:pt x="2459072" y="5076606"/>
-                  <a:pt x="1519830" y="5692656"/>
-                  <a:pt x="557500" y="6451411"/>
-                </a:cubicBezTo>
-                <a:cubicBezTo>
-                  <a:pt x="382255" y="6589587"/>
-                  <a:pt x="208689" y="6724853"/>
-                  <a:pt x="32482" y="6849373"/>
-                </a:cubicBezTo>
-                <a:lnTo>
-                  <a:pt x="19531" y="6858000"/>
-                </a:lnTo>
-                <a:lnTo>
-                  <a:pt x="0" y="6858000"/>
-                </a:lnTo>
-                <a:lnTo>
-                  <a:pt x="14202" y="6848540"/>
-                </a:lnTo>
-                <a:cubicBezTo>
-                  <a:pt x="190409" y="6724020"/>
-                  <a:pt x="363976" y="6588754"/>
-                  <a:pt x="539221" y="6450578"/>
-                </a:cubicBezTo>
-                <a:cubicBezTo>
-                  <a:pt x="1501550" y="5691822"/>
-                  <a:pt x="2440792" y="5075773"/>
-                  <a:pt x="2504546" y="3677682"/>
-                </a:cubicBezTo>
-                <a:cubicBezTo>
-                  <a:pt x="2572343" y="2190921"/>
-                  <a:pt x="2138551" y="854834"/>
-                  <a:pt x="1284280" y="23504"/>
-                </a:cubicBezTo>
-                <a:close/>
-              </a:path>
-            </a:pathLst>
-          </a:custGeom>
-          <a:solidFill>
-            <a:srgbClr val="FFFFFF"/>
-          </a:solidFill>
-          <a:ln>
-            <a:noFill/>
-          </a:ln>
-        </p:spPr>
-        <p:style>
-          <a:lnRef idx="2">
-            <a:schemeClr val="accent1">
-              <a:shade val="50000"/>
-            </a:schemeClr>
-          </a:lnRef>
-          <a:fillRef idx="1">
-            <a:schemeClr val="accent1"/>
-          </a:fillRef>
-          <a:effectRef idx="0">
-            <a:schemeClr val="accent1"/>
-          </a:effectRef>
-          <a:fontRef idx="minor">
-            <a:schemeClr val="lt1"/>
-          </a:fontRef>
-        </p:style>
-        <p:txBody>
-          <a:bodyPr wrap="square" rtlCol="0" anchor="ctr">
-            <a:noAutofit/>
-          </a:bodyPr>
-          <a:lstStyle/>
-          <a:p>
-            <a:pPr marL="0" marR="0" lvl="0" indent="0" algn="ctr" defTabSz="457200" rtl="0" eaLnBrk="1" fontAlgn="auto" latinLnBrk="0" hangingPunct="1">
-              <a:lnSpc>
-                <a:spcPct val="100000"/>
-              </a:lnSpc>
-              <a:spcBef>
-                <a:spcPts val="0"/>
-              </a:spcBef>
-              <a:spcAft>
-                <a:spcPts val="0"/>
-              </a:spcAft>
-              <a:buClrTx/>
-              <a:buSzTx/>
-              <a:buFontTx/>
-              <a:buNone/>
-              <a:tabLst/>
-              <a:defRPr/>
-            </a:pPr>
-            <a:endParaRPr kumimoji="0" lang="en-US" sz="1800" b="0" i="0" u="none" strike="noStrike" kern="1200" cap="none" spc="0" normalizeH="0" baseline="0" noProof="0" dirty="0">
-              <a:ln>
-                <a:noFill/>
-              </a:ln>
-              <a:solidFill>
-                <a:prstClr val="white"/>
-              </a:solidFill>
-              <a:effectLst/>
-              <a:uLnTx/>
-              <a:uFillTx/>
-              <a:latin typeface="Meiryo"/>
-              <a:ea typeface="+mn-ea"/>
-              <a:cs typeface="+mn-cs"/>
-            </a:endParaRPr>
-          </a:p>
-        </p:txBody>
-      </p:sp>
-      <p:sp>
-        <p:nvSpPr>
-          <p:cNvPr id="22" name="Freeform: Shape 21">
-            <a:extLst>
-              <a:ext uri="{FF2B5EF4-FFF2-40B4-BE49-F238E27FC236}">
-                <a16:creationId xmlns:a16="http://schemas.microsoft.com/office/drawing/2014/main" id="{C06255F2-BC67-4DDE-B34E-AC4BA21838CC}"/>
-              </a:ext>
-              <a:ext uri="{C183D7F6-B498-43B3-948B-1728B52AA6E4}">
-                <adec:decorative xmlns:adec="http://schemas.microsoft.com/office/drawing/2017/decorative" val="1"/>
-              </a:ext>
-            </a:extLst>
-          </p:cNvPr>
-          <p:cNvSpPr>
-            <a:spLocks noGrp="1" noRot="1" noChangeAspect="1" noMove="1" noResize="1" noEditPoints="1" noAdjustHandles="1" noChangeArrowheads="1" noChangeShapeType="1" noTextEdit="1"/>
-          </p:cNvSpPr>
-          <p:nvPr>
-            <p:extLst>
-              <p:ext uri="{386F3935-93C4-4BCD-93E2-E3B085C9AB24}">
-                <p16:designElem xmlns:p16="http://schemas.microsoft.com/office/powerpoint/2015/main" val="1"/>
-              </p:ext>
-            </p:extLst>
-          </p:nvPr>
-        </p:nvSpPr>
-        <p:spPr>
-          <a:xfrm>
-            <a:off x="1155402" y="0"/>
-            <a:ext cx="2536434" cy="6858000"/>
-          </a:xfrm>
-          <a:custGeom>
-            <a:avLst/>
-            <a:gdLst/>
-            <a:ahLst/>
-            <a:cxnLst/>
-            <a:rect l="l" t="t" r="r" b="b"/>
-            <a:pathLst>
-              <a:path w="2536434" h="6858000">
-                <a:moveTo>
-                  <a:pt x="879731" y="0"/>
-                </a:moveTo>
-                <a:lnTo>
-                  <a:pt x="913411" y="0"/>
-                </a:lnTo>
-                <a:lnTo>
-                  <a:pt x="935535" y="14997"/>
-                </a:lnTo>
-                <a:cubicBezTo>
-                  <a:pt x="1962698" y="754641"/>
-                  <a:pt x="2536434" y="2093192"/>
-                  <a:pt x="2536434" y="3621656"/>
-                </a:cubicBezTo>
-                <a:cubicBezTo>
-                  <a:pt x="2536434" y="4969131"/>
-                  <a:pt x="1607709" y="5602839"/>
-                  <a:pt x="662084" y="6374814"/>
-                </a:cubicBezTo>
-                <a:cubicBezTo>
-                  <a:pt x="489881" y="6515397"/>
-                  <a:pt x="319254" y="6653108"/>
-                  <a:pt x="145436" y="6780599"/>
-                </a:cubicBezTo>
-                <a:lnTo>
-                  <a:pt x="33680" y="6858000"/>
-                </a:lnTo>
-                <a:lnTo>
-                  <a:pt x="0" y="6858000"/>
-                </a:lnTo>
-                <a:lnTo>
-                  <a:pt x="111756" y="6780599"/>
-                </a:lnTo>
-                <a:cubicBezTo>
-                  <a:pt x="285574" y="6653108"/>
-                  <a:pt x="456201" y="6515397"/>
-                  <a:pt x="628404" y="6374814"/>
-                </a:cubicBezTo>
-                <a:cubicBezTo>
-                  <a:pt x="1574029" y="5602839"/>
-                  <a:pt x="2502754" y="4969131"/>
-                  <a:pt x="2502754" y="3621656"/>
-                </a:cubicBezTo>
-                <a:cubicBezTo>
-                  <a:pt x="2502754" y="2093192"/>
-                  <a:pt x="1929018" y="754641"/>
-                  <a:pt x="901855" y="14997"/>
-                </a:cubicBezTo>
-                <a:close/>
-              </a:path>
-            </a:pathLst>
-          </a:custGeom>
-          <a:solidFill>
-            <a:schemeClr val="bg1"/>
-          </a:solidFill>
-          <a:ln>
-            <a:noFill/>
-          </a:ln>
-        </p:spPr>
-        <p:style>
-          <a:lnRef idx="2">
-            <a:schemeClr val="accent1">
-              <a:shade val="50000"/>
-            </a:schemeClr>
-          </a:lnRef>
-          <a:fillRef idx="1">
-            <a:schemeClr val="accent1"/>
-          </a:fillRef>
-          <a:effectRef idx="0">
-            <a:schemeClr val="accent1"/>
-          </a:effectRef>
-          <a:fontRef idx="minor">
-            <a:schemeClr val="lt1"/>
-          </a:fontRef>
-        </p:style>
-        <p:txBody>
-          <a:bodyPr wrap="square" rtlCol="0" anchor="ctr">
-            <a:noAutofit/>
-          </a:bodyPr>
-          <a:lstStyle/>
-          <a:p>
-            <a:pPr marL="0" marR="0" lvl="0" indent="0" algn="ctr" defTabSz="914400" rtl="0" eaLnBrk="1" fontAlgn="auto" latinLnBrk="0" hangingPunct="1">
-              <a:lnSpc>
-                <a:spcPct val="100000"/>
-              </a:lnSpc>
-              <a:spcBef>
-                <a:spcPts val="0"/>
-              </a:spcBef>
-              <a:spcAft>
-                <a:spcPts val="0"/>
-              </a:spcAft>
-              <a:buClrTx/>
-              <a:buSzTx/>
-              <a:buFontTx/>
-              <a:buNone/>
-              <a:tabLst/>
-              <a:defRPr/>
-            </a:pPr>
-            <a:endParaRPr kumimoji="0" lang="en-US" sz="1800" b="0" i="0" u="none" strike="noStrike" kern="1200" cap="none" spc="0" normalizeH="0" baseline="0" noProof="0" dirty="0">
-              <a:ln>
-                <a:noFill/>
-              </a:ln>
-              <a:solidFill>
-                <a:prstClr val="white"/>
-              </a:solidFill>
-              <a:effectLst/>
-              <a:uLnTx/>
-              <a:uFillTx/>
-              <a:latin typeface="Meiryo"/>
-              <a:ea typeface="+mn-ea"/>
-              <a:cs typeface="+mn-cs"/>
-            </a:endParaRPr>
-          </a:p>
-        </p:txBody>
-      </p:sp>
-      <p:sp>
-        <p:nvSpPr>
-          <p:cNvPr id="24" name="Freeform: Shape 23">
-            <a:extLst>
-              <a:ext uri="{FF2B5EF4-FFF2-40B4-BE49-F238E27FC236}">
-                <a16:creationId xmlns:a16="http://schemas.microsoft.com/office/drawing/2014/main" id="{55169443-FCCD-4C0A-8C69-18CD3FA0968D}"/>
-              </a:ext>
-              <a:ext uri="{C183D7F6-B498-43B3-948B-1728B52AA6E4}">
-                <adec:decorative xmlns:adec="http://schemas.microsoft.com/office/drawing/2017/decorative" val="1"/>
-              </a:ext>
-            </a:extLst>
-          </p:cNvPr>
-          <p:cNvSpPr>
-            <a:spLocks noGrp="1" noRot="1" noChangeAspect="1" noMove="1" noResize="1" noEditPoints="1" noAdjustHandles="1" noChangeArrowheads="1" noChangeShapeType="1" noTextEdit="1"/>
-          </p:cNvSpPr>
-          <p:nvPr>
-            <p:extLst>
-              <p:ext uri="{386F3935-93C4-4BCD-93E2-E3B085C9AB24}">
-                <p16:designElem xmlns:p16="http://schemas.microsoft.com/office/powerpoint/2015/main" val="1"/>
-              </p:ext>
-            </p:extLst>
-          </p:nvPr>
-        </p:nvSpPr>
-        <p:spPr>
-          <a:xfrm>
-            <a:off x="924161" y="0"/>
-            <a:ext cx="2261351" cy="6858000"/>
-          </a:xfrm>
-          <a:custGeom>
-            <a:avLst/>
-            <a:gdLst/>
-            <a:ahLst/>
-            <a:cxnLst/>
-            <a:rect l="l" t="t" r="r" b="b"/>
-            <a:pathLst>
-              <a:path w="2521425" h="6858000">
-                <a:moveTo>
-                  <a:pt x="879731" y="0"/>
-                </a:moveTo>
-                <a:lnTo>
-                  <a:pt x="898402" y="0"/>
-                </a:lnTo>
-                <a:lnTo>
-                  <a:pt x="920526" y="14997"/>
-                </a:lnTo>
-                <a:cubicBezTo>
-                  <a:pt x="1947689" y="754641"/>
-                  <a:pt x="2521425" y="2093192"/>
-                  <a:pt x="2521425" y="3621656"/>
-                </a:cubicBezTo>
-                <a:cubicBezTo>
-                  <a:pt x="2521425" y="4969131"/>
-                  <a:pt x="1592700" y="5602839"/>
-                  <a:pt x="647075" y="6374814"/>
-                </a:cubicBezTo>
-                <a:cubicBezTo>
-                  <a:pt x="474872" y="6515397"/>
-                  <a:pt x="304245" y="6653108"/>
-                  <a:pt x="130427" y="6780599"/>
-                </a:cubicBezTo>
-                <a:lnTo>
-                  <a:pt x="18671" y="6858000"/>
-                </a:lnTo>
-                <a:lnTo>
-                  <a:pt x="0" y="6858000"/>
-                </a:lnTo>
-                <a:lnTo>
-                  <a:pt x="111756" y="6780599"/>
-                </a:lnTo>
-                <a:cubicBezTo>
-                  <a:pt x="285574" y="6653108"/>
-                  <a:pt x="456201" y="6515397"/>
-                  <a:pt x="628404" y="6374814"/>
-                </a:cubicBezTo>
-                <a:cubicBezTo>
-                  <a:pt x="1574029" y="5602839"/>
-                  <a:pt x="2502754" y="4969131"/>
-                  <a:pt x="2502754" y="3621656"/>
-                </a:cubicBezTo>
-                <a:cubicBezTo>
-                  <a:pt x="2502754" y="2093192"/>
-                  <a:pt x="1929018" y="754641"/>
-                  <a:pt x="901855" y="14997"/>
-                </a:cubicBezTo>
-                <a:close/>
-              </a:path>
-            </a:pathLst>
-          </a:custGeom>
-          <a:solidFill>
-            <a:schemeClr val="bg2">
-              <a:lumMod val="90000"/>
-            </a:schemeClr>
-          </a:solidFill>
-          <a:ln>
-            <a:noFill/>
-          </a:ln>
-        </p:spPr>
-        <p:style>
-          <a:lnRef idx="2">
-            <a:schemeClr val="accent1">
-              <a:shade val="50000"/>
-            </a:schemeClr>
-          </a:lnRef>
-          <a:fillRef idx="1">
-            <a:schemeClr val="accent1"/>
-          </a:fillRef>
-          <a:effectRef idx="0">
-            <a:schemeClr val="accent1"/>
-          </a:effectRef>
-          <a:fontRef idx="minor">
-            <a:schemeClr val="lt1"/>
-          </a:fontRef>
-        </p:style>
-        <p:txBody>
-          <a:bodyPr wrap="square" rtlCol="0" anchor="ctr">
-            <a:noAutofit/>
-          </a:bodyPr>
-          <a:lstStyle/>
-          <a:p>
-            <a:pPr marL="0" marR="0" lvl="0" indent="0" algn="ctr" defTabSz="914400" rtl="0" eaLnBrk="1" fontAlgn="auto" latinLnBrk="0" hangingPunct="1">
-              <a:lnSpc>
-                <a:spcPct val="100000"/>
-              </a:lnSpc>
-              <a:spcBef>
-                <a:spcPts val="0"/>
-              </a:spcBef>
-              <a:spcAft>
-                <a:spcPts val="0"/>
-              </a:spcAft>
-              <a:buClrTx/>
-              <a:buSzTx/>
-              <a:buFontTx/>
-              <a:buNone/>
-              <a:tabLst/>
-              <a:defRPr/>
-            </a:pPr>
-            <a:endParaRPr kumimoji="0" lang="en-US" sz="1800" b="0" i="0" u="none" strike="noStrike" kern="1200" cap="none" spc="0" normalizeH="0" baseline="0" noProof="0">
-              <a:ln>
-                <a:noFill/>
-              </a:ln>
-              <a:solidFill>
-                <a:prstClr val="white"/>
-              </a:solidFill>
-              <a:effectLst/>
-              <a:uLnTx/>
-              <a:uFillTx/>
-              <a:latin typeface="Meiryo"/>
-              <a:ea typeface="+mn-ea"/>
-              <a:cs typeface="+mn-cs"/>
-            </a:endParaRPr>
-          </a:p>
-        </p:txBody>
-      </p:sp>
-      <p:sp useBgFill="1">
-        <p:nvSpPr>
-          <p:cNvPr id="26" name="Rectangle 25">
-            <a:extLst>
-              <a:ext uri="{FF2B5EF4-FFF2-40B4-BE49-F238E27FC236}">
-                <a16:creationId xmlns:a16="http://schemas.microsoft.com/office/drawing/2014/main" id="{AC8EEB0F-BA72-49AC-956F-331B60FDE79E}"/>
-              </a:ext>
-              <a:ext uri="{C183D7F6-B498-43B3-948B-1728B52AA6E4}">
-                <adec:decorative xmlns:adec="http://schemas.microsoft.com/office/drawing/2017/decorative" val="1"/>
-              </a:ext>
-            </a:extLst>
-          </p:cNvPr>
-          <p:cNvSpPr>
-            <a:spLocks noGrp="1" noRot="1" noChangeAspect="1" noMove="1" noResize="1" noEditPoints="1" noAdjustHandles="1" noChangeArrowheads="1" noChangeShapeType="1" noTextEdit="1"/>
-          </p:cNvSpPr>
-          <p:nvPr>
-            <p:extLst>
-              <p:ext uri="{386F3935-93C4-4BCD-93E2-E3B085C9AB24}">
-                <p16:designElem xmlns:p16="http://schemas.microsoft.com/office/powerpoint/2015/main" val="1"/>
-              </p:ext>
-            </p:extLst>
-          </p:nvPr>
-        </p:nvSpPr>
-        <p:spPr>
-          <a:xfrm>
-            <a:off x="305" y="0"/>
+            <a:off x="153" y="0"/>
             <a:ext cx="12191695" cy="6858000"/>
           </a:xfrm>
           <a:prstGeom prst="rect">
@@ -16883,21 +14181,21 @@
           </a:p>
         </p:txBody>
       </p:sp>
-      <p:sp>
-        <p:nvSpPr>
-          <p:cNvPr id="28" name="Freeform: Shape 27">
+      <p:grpSp>
+        <p:nvGrpSpPr>
+          <p:cNvPr id="27" name="Group 26">
             <a:extLst>
               <a:ext uri="{FF2B5EF4-FFF2-40B4-BE49-F238E27FC236}">
-                <a16:creationId xmlns:a16="http://schemas.microsoft.com/office/drawing/2014/main" id="{8CC700D5-9809-43F4-89D5-7DBBCB0DCC10}"/>
+                <a16:creationId xmlns:a16="http://schemas.microsoft.com/office/drawing/2014/main" id="{F0DA1A54-9FBE-4DAE-B253-1715AA029202}"/>
               </a:ext>
               <a:ext uri="{C183D7F6-B498-43B3-948B-1728B52AA6E4}">
                 <adec:decorative xmlns:adec="http://schemas.microsoft.com/office/drawing/2017/decorative" val="1"/>
               </a:ext>
             </a:extLst>
           </p:cNvPr>
-          <p:cNvSpPr>
-            <a:spLocks noGrp="1" noRot="1" noChangeAspect="1" noMove="1" noResize="1" noEditPoints="1" noAdjustHandles="1" noChangeArrowheads="1" noChangeShapeType="1" noTextEdit="1"/>
-          </p:cNvSpPr>
+          <p:cNvGrpSpPr>
+            <a:grpSpLocks noGrp="1" noUngrp="1" noRot="1" noChangeAspect="1" noMove="1" noResize="1"/>
+          </p:cNvGrpSpPr>
           <p:nvPr>
             <p:extLst>
               <p:ext uri="{386F3935-93C4-4BCD-93E2-E3B085C9AB24}">
@@ -16905,666 +14203,692 @@
               </p:ext>
             </p:extLst>
           </p:nvPr>
-        </p:nvSpPr>
-        <p:spPr>
-          <a:xfrm flipH="1">
-            <a:off x="6902296" y="1287887"/>
-            <a:ext cx="4523890" cy="4187191"/>
+        </p:nvGrpSpPr>
+        <p:grpSpPr>
+          <a:xfrm>
+            <a:off x="763325" y="584218"/>
+            <a:ext cx="5693134" cy="5480198"/>
+            <a:chOff x="787179" y="834887"/>
+            <a:chExt cx="5308821" cy="5110259"/>
           </a:xfrm>
-          <a:custGeom>
-            <a:avLst/>
-            <a:gdLst>
-              <a:gd name="connsiteX0" fmla="*/ 2180840 w 3810827"/>
-              <a:gd name="connsiteY0" fmla="*/ 0 h 3634591"/>
-              <a:gd name="connsiteX1" fmla="*/ 2866380 w 3810827"/>
-              <a:gd name="connsiteY1" fmla="*/ 145165 h 3634591"/>
-              <a:gd name="connsiteX2" fmla="*/ 3366366 w 3810827"/>
-              <a:gd name="connsiteY2" fmla="*/ 536835 h 3634591"/>
-              <a:gd name="connsiteX3" fmla="*/ 3810827 w 3810827"/>
-              <a:gd name="connsiteY3" fmla="*/ 1924156 h 3634591"/>
-              <a:gd name="connsiteX4" fmla="*/ 3612844 w 3810827"/>
-              <a:gd name="connsiteY4" fmla="*/ 2493111 h 3634591"/>
-              <a:gd name="connsiteX5" fmla="*/ 3026664 w 3810827"/>
-              <a:gd name="connsiteY5" fmla="*/ 3022891 h 3634591"/>
-              <a:gd name="connsiteX6" fmla="*/ 2897783 w 3810827"/>
-              <a:gd name="connsiteY6" fmla="*/ 3124233 h 3634591"/>
-              <a:gd name="connsiteX7" fmla="*/ 1838765 w 3810827"/>
-              <a:gd name="connsiteY7" fmla="*/ 3634591 h 3634591"/>
-              <a:gd name="connsiteX8" fmla="*/ 443724 w 3810827"/>
-              <a:gd name="connsiteY8" fmla="*/ 2805020 h 3634591"/>
-              <a:gd name="connsiteX9" fmla="*/ 295053 w 3810827"/>
-              <a:gd name="connsiteY9" fmla="*/ 2592792 h 3634591"/>
-              <a:gd name="connsiteX10" fmla="*/ 0 w 3810827"/>
-              <a:gd name="connsiteY10" fmla="*/ 1924156 h 3634591"/>
-              <a:gd name="connsiteX11" fmla="*/ 178275 w 3810827"/>
-              <a:gd name="connsiteY11" fmla="*/ 1204061 h 3634591"/>
-              <a:gd name="connsiteX12" fmla="*/ 669921 w 3810827"/>
-              <a:gd name="connsiteY12" fmla="*/ 585306 h 3634591"/>
-              <a:gd name="connsiteX13" fmla="*/ 1380730 w 3810827"/>
-              <a:gd name="connsiteY13" fmla="*/ 156203 h 3634591"/>
-              <a:gd name="connsiteX14" fmla="*/ 2180840 w 3810827"/>
-              <a:gd name="connsiteY14" fmla="*/ 0 h 3634591"/>
-            </a:gdLst>
-            <a:ahLst/>
-            <a:cxnLst>
-              <a:cxn ang="0">
-                <a:pos x="connsiteX0" y="connsiteY0"/>
-              </a:cxn>
-              <a:cxn ang="0">
-                <a:pos x="connsiteX1" y="connsiteY1"/>
-              </a:cxn>
-              <a:cxn ang="0">
-                <a:pos x="connsiteX2" y="connsiteY2"/>
-              </a:cxn>
-              <a:cxn ang="0">
-                <a:pos x="connsiteX3" y="connsiteY3"/>
-              </a:cxn>
-              <a:cxn ang="0">
-                <a:pos x="connsiteX4" y="connsiteY4"/>
-              </a:cxn>
-              <a:cxn ang="0">
-                <a:pos x="connsiteX5" y="connsiteY5"/>
-              </a:cxn>
-              <a:cxn ang="0">
-                <a:pos x="connsiteX6" y="connsiteY6"/>
-              </a:cxn>
-              <a:cxn ang="0">
-                <a:pos x="connsiteX7" y="connsiteY7"/>
-              </a:cxn>
-              <a:cxn ang="0">
-                <a:pos x="connsiteX8" y="connsiteY8"/>
-              </a:cxn>
-              <a:cxn ang="0">
-                <a:pos x="connsiteX9" y="connsiteY9"/>
-              </a:cxn>
-              <a:cxn ang="0">
-                <a:pos x="connsiteX10" y="connsiteY10"/>
-              </a:cxn>
-              <a:cxn ang="0">
-                <a:pos x="connsiteX11" y="connsiteY11"/>
-              </a:cxn>
-              <a:cxn ang="0">
-                <a:pos x="connsiteX12" y="connsiteY12"/>
-              </a:cxn>
-              <a:cxn ang="0">
-                <a:pos x="connsiteX13" y="connsiteY13"/>
-              </a:cxn>
-              <a:cxn ang="0">
-                <a:pos x="connsiteX14" y="connsiteY14"/>
-              </a:cxn>
-            </a:cxnLst>
-            <a:rect l="l" t="t" r="r" b="b"/>
-            <a:pathLst>
-              <a:path w="3810827" h="3634591">
-                <a:moveTo>
-                  <a:pt x="2180840" y="0"/>
-                </a:moveTo>
-                <a:cubicBezTo>
-                  <a:pt x="2431406" y="0"/>
-                  <a:pt x="2662018" y="48886"/>
-                  <a:pt x="2866380" y="145165"/>
-                </a:cubicBezTo>
-                <a:cubicBezTo>
-                  <a:pt x="3057903" y="235467"/>
-                  <a:pt x="3226119" y="367269"/>
-                  <a:pt x="3366366" y="536835"/>
-                </a:cubicBezTo>
-                <a:cubicBezTo>
-                  <a:pt x="3652997" y="883519"/>
-                  <a:pt x="3810827" y="1376199"/>
-                  <a:pt x="3810827" y="1924156"/>
-                </a:cubicBezTo>
-                <a:cubicBezTo>
-                  <a:pt x="3810827" y="2142775"/>
-                  <a:pt x="3749739" y="2318234"/>
-                  <a:pt x="3612844" y="2493111"/>
-                </a:cubicBezTo>
-                <a:cubicBezTo>
-                  <a:pt x="3469652" y="2676041"/>
-                  <a:pt x="3254495" y="2844528"/>
-                  <a:pt x="3026664" y="3022891"/>
-                </a:cubicBezTo>
-                <a:cubicBezTo>
-                  <a:pt x="2984630" y="3055759"/>
-                  <a:pt x="2941206" y="3089789"/>
-                  <a:pt x="2897783" y="3124233"/>
-                </a:cubicBezTo>
-                <a:cubicBezTo>
-                  <a:pt x="2509094" y="3432490"/>
-                  <a:pt x="2225408" y="3634591"/>
-                  <a:pt x="1838765" y="3634591"/>
-                </a:cubicBezTo>
-                <a:cubicBezTo>
-                  <a:pt x="1249640" y="3634591"/>
-                  <a:pt x="832413" y="3386508"/>
-                  <a:pt x="443724" y="2805020"/>
-                </a:cubicBezTo>
-                <a:cubicBezTo>
-                  <a:pt x="392859" y="2728910"/>
-                  <a:pt x="343138" y="2659690"/>
-                  <a:pt x="295053" y="2592792"/>
-                </a:cubicBezTo>
-                <a:cubicBezTo>
-                  <a:pt x="95761" y="2315411"/>
-                  <a:pt x="0" y="2171160"/>
-                  <a:pt x="0" y="1924156"/>
-                </a:cubicBezTo>
-                <a:cubicBezTo>
-                  <a:pt x="0" y="1678896"/>
-                  <a:pt x="60024" y="1436622"/>
-                  <a:pt x="178275" y="1204061"/>
-                </a:cubicBezTo>
-                <a:cubicBezTo>
-                  <a:pt x="293990" y="976561"/>
-                  <a:pt x="459425" y="768319"/>
-                  <a:pt x="669921" y="585306"/>
-                </a:cubicBezTo>
-                <a:cubicBezTo>
-                  <a:pt x="876818" y="405365"/>
-                  <a:pt x="1122558" y="256964"/>
-                  <a:pt x="1380730" y="156203"/>
-                </a:cubicBezTo>
-                <a:cubicBezTo>
-                  <a:pt x="1645852" y="52539"/>
-                  <a:pt x="1915145" y="0"/>
-                  <a:pt x="2180840" y="0"/>
-                </a:cubicBezTo>
-                <a:close/>
-              </a:path>
-            </a:pathLst>
-          </a:custGeom>
-          <a:solidFill>
-            <a:srgbClr val="FFFFFF">
-              <a:alpha val="60000"/>
-            </a:srgbClr>
-          </a:solidFill>
-          <a:ln>
+        </p:grpSpPr>
+        <p:sp>
+          <p:nvSpPr>
+            <p:cNvPr id="28" name="Freeform: Shape 27">
+              <a:extLst>
+                <a:ext uri="{FF2B5EF4-FFF2-40B4-BE49-F238E27FC236}">
+                  <a16:creationId xmlns:a16="http://schemas.microsoft.com/office/drawing/2014/main" id="{0A36CE68-CB3C-4699-9422-3073853CB669}"/>
+                </a:ext>
+                <a:ext uri="{C183D7F6-B498-43B3-948B-1728B52AA6E4}">
+                  <adec:decorative xmlns:adec="http://schemas.microsoft.com/office/drawing/2017/decorative" val="1"/>
+                </a:ext>
+              </a:extLst>
+            </p:cNvPr>
+            <p:cNvSpPr/>
+            <p:nvPr>
+              <p:extLst>
+                <p:ext uri="{386F3935-93C4-4BCD-93E2-E3B085C9AB24}">
+                  <p16:designElem xmlns:p16="http://schemas.microsoft.com/office/powerpoint/2015/main" val="1"/>
+                </p:ext>
+              </p:extLst>
+            </p:nvPr>
+          </p:nvSpPr>
+          <p:spPr>
+            <a:xfrm>
+              <a:off x="890546" y="1057523"/>
+              <a:ext cx="5009716" cy="4746929"/>
+            </a:xfrm>
+            <a:custGeom>
+              <a:avLst/>
+              <a:gdLst>
+                <a:gd name="connsiteX0" fmla="*/ 2180840 w 3810827"/>
+                <a:gd name="connsiteY0" fmla="*/ 0 h 3634591"/>
+                <a:gd name="connsiteX1" fmla="*/ 2866380 w 3810827"/>
+                <a:gd name="connsiteY1" fmla="*/ 145165 h 3634591"/>
+                <a:gd name="connsiteX2" fmla="*/ 3366366 w 3810827"/>
+                <a:gd name="connsiteY2" fmla="*/ 536835 h 3634591"/>
+                <a:gd name="connsiteX3" fmla="*/ 3810827 w 3810827"/>
+                <a:gd name="connsiteY3" fmla="*/ 1924156 h 3634591"/>
+                <a:gd name="connsiteX4" fmla="*/ 3612844 w 3810827"/>
+                <a:gd name="connsiteY4" fmla="*/ 2493111 h 3634591"/>
+                <a:gd name="connsiteX5" fmla="*/ 3026664 w 3810827"/>
+                <a:gd name="connsiteY5" fmla="*/ 3022891 h 3634591"/>
+                <a:gd name="connsiteX6" fmla="*/ 2897783 w 3810827"/>
+                <a:gd name="connsiteY6" fmla="*/ 3124233 h 3634591"/>
+                <a:gd name="connsiteX7" fmla="*/ 1838765 w 3810827"/>
+                <a:gd name="connsiteY7" fmla="*/ 3634591 h 3634591"/>
+                <a:gd name="connsiteX8" fmla="*/ 443724 w 3810827"/>
+                <a:gd name="connsiteY8" fmla="*/ 2805020 h 3634591"/>
+                <a:gd name="connsiteX9" fmla="*/ 295053 w 3810827"/>
+                <a:gd name="connsiteY9" fmla="*/ 2592792 h 3634591"/>
+                <a:gd name="connsiteX10" fmla="*/ 0 w 3810827"/>
+                <a:gd name="connsiteY10" fmla="*/ 1924156 h 3634591"/>
+                <a:gd name="connsiteX11" fmla="*/ 178275 w 3810827"/>
+                <a:gd name="connsiteY11" fmla="*/ 1204061 h 3634591"/>
+                <a:gd name="connsiteX12" fmla="*/ 669921 w 3810827"/>
+                <a:gd name="connsiteY12" fmla="*/ 585306 h 3634591"/>
+                <a:gd name="connsiteX13" fmla="*/ 1380730 w 3810827"/>
+                <a:gd name="connsiteY13" fmla="*/ 156203 h 3634591"/>
+                <a:gd name="connsiteX14" fmla="*/ 2180840 w 3810827"/>
+                <a:gd name="connsiteY14" fmla="*/ 0 h 3634591"/>
+              </a:gdLst>
+              <a:ahLst/>
+              <a:cxnLst>
+                <a:cxn ang="0">
+                  <a:pos x="connsiteX0" y="connsiteY0"/>
+                </a:cxn>
+                <a:cxn ang="0">
+                  <a:pos x="connsiteX1" y="connsiteY1"/>
+                </a:cxn>
+                <a:cxn ang="0">
+                  <a:pos x="connsiteX2" y="connsiteY2"/>
+                </a:cxn>
+                <a:cxn ang="0">
+                  <a:pos x="connsiteX3" y="connsiteY3"/>
+                </a:cxn>
+                <a:cxn ang="0">
+                  <a:pos x="connsiteX4" y="connsiteY4"/>
+                </a:cxn>
+                <a:cxn ang="0">
+                  <a:pos x="connsiteX5" y="connsiteY5"/>
+                </a:cxn>
+                <a:cxn ang="0">
+                  <a:pos x="connsiteX6" y="connsiteY6"/>
+                </a:cxn>
+                <a:cxn ang="0">
+                  <a:pos x="connsiteX7" y="connsiteY7"/>
+                </a:cxn>
+                <a:cxn ang="0">
+                  <a:pos x="connsiteX8" y="connsiteY8"/>
+                </a:cxn>
+                <a:cxn ang="0">
+                  <a:pos x="connsiteX9" y="connsiteY9"/>
+                </a:cxn>
+                <a:cxn ang="0">
+                  <a:pos x="connsiteX10" y="connsiteY10"/>
+                </a:cxn>
+                <a:cxn ang="0">
+                  <a:pos x="connsiteX11" y="connsiteY11"/>
+                </a:cxn>
+                <a:cxn ang="0">
+                  <a:pos x="connsiteX12" y="connsiteY12"/>
+                </a:cxn>
+                <a:cxn ang="0">
+                  <a:pos x="connsiteX13" y="connsiteY13"/>
+                </a:cxn>
+                <a:cxn ang="0">
+                  <a:pos x="connsiteX14" y="connsiteY14"/>
+                </a:cxn>
+              </a:cxnLst>
+              <a:rect l="l" t="t" r="r" b="b"/>
+              <a:pathLst>
+                <a:path w="3810827" h="3634591">
+                  <a:moveTo>
+                    <a:pt x="2180840" y="0"/>
+                  </a:moveTo>
+                  <a:cubicBezTo>
+                    <a:pt x="2431406" y="0"/>
+                    <a:pt x="2662018" y="48886"/>
+                    <a:pt x="2866380" y="145165"/>
+                  </a:cubicBezTo>
+                  <a:cubicBezTo>
+                    <a:pt x="3057903" y="235467"/>
+                    <a:pt x="3226119" y="367269"/>
+                    <a:pt x="3366366" y="536835"/>
+                  </a:cubicBezTo>
+                  <a:cubicBezTo>
+                    <a:pt x="3652997" y="883519"/>
+                    <a:pt x="3810827" y="1376199"/>
+                    <a:pt x="3810827" y="1924156"/>
+                  </a:cubicBezTo>
+                  <a:cubicBezTo>
+                    <a:pt x="3810827" y="2142775"/>
+                    <a:pt x="3749739" y="2318234"/>
+                    <a:pt x="3612844" y="2493111"/>
+                  </a:cubicBezTo>
+                  <a:cubicBezTo>
+                    <a:pt x="3469652" y="2676041"/>
+                    <a:pt x="3254495" y="2844528"/>
+                    <a:pt x="3026664" y="3022891"/>
+                  </a:cubicBezTo>
+                  <a:cubicBezTo>
+                    <a:pt x="2984630" y="3055759"/>
+                    <a:pt x="2941206" y="3089789"/>
+                    <a:pt x="2897783" y="3124233"/>
+                  </a:cubicBezTo>
+                  <a:cubicBezTo>
+                    <a:pt x="2509094" y="3432490"/>
+                    <a:pt x="2225408" y="3634591"/>
+                    <a:pt x="1838765" y="3634591"/>
+                  </a:cubicBezTo>
+                  <a:cubicBezTo>
+                    <a:pt x="1249640" y="3634591"/>
+                    <a:pt x="832413" y="3386508"/>
+                    <a:pt x="443724" y="2805020"/>
+                  </a:cubicBezTo>
+                  <a:cubicBezTo>
+                    <a:pt x="392859" y="2728910"/>
+                    <a:pt x="343138" y="2659690"/>
+                    <a:pt x="295053" y="2592792"/>
+                  </a:cubicBezTo>
+                  <a:cubicBezTo>
+                    <a:pt x="95761" y="2315411"/>
+                    <a:pt x="0" y="2171160"/>
+                    <a:pt x="0" y="1924156"/>
+                  </a:cubicBezTo>
+                  <a:cubicBezTo>
+                    <a:pt x="0" y="1678896"/>
+                    <a:pt x="60024" y="1436622"/>
+                    <a:pt x="178275" y="1204061"/>
+                  </a:cubicBezTo>
+                  <a:cubicBezTo>
+                    <a:pt x="293990" y="976561"/>
+                    <a:pt x="459425" y="768319"/>
+                    <a:pt x="669921" y="585306"/>
+                  </a:cubicBezTo>
+                  <a:cubicBezTo>
+                    <a:pt x="876818" y="405365"/>
+                    <a:pt x="1122558" y="256964"/>
+                    <a:pt x="1380730" y="156203"/>
+                  </a:cubicBezTo>
+                  <a:cubicBezTo>
+                    <a:pt x="1645852" y="52539"/>
+                    <a:pt x="1915145" y="0"/>
+                    <a:pt x="2180840" y="0"/>
+                  </a:cubicBezTo>
+                  <a:close/>
+                </a:path>
+              </a:pathLst>
+            </a:custGeom>
+            <a:solidFill>
+              <a:srgbClr val="FFFFFF">
+                <a:alpha val="60000"/>
+              </a:srgbClr>
+            </a:solidFill>
+            <a:ln w="15875">
+              <a:noFill/>
+            </a:ln>
+          </p:spPr>
+          <p:style>
+            <a:lnRef idx="2">
+              <a:schemeClr val="accent1">
+                <a:shade val="50000"/>
+              </a:schemeClr>
+            </a:lnRef>
+            <a:fillRef idx="1">
+              <a:schemeClr val="accent1"/>
+            </a:fillRef>
+            <a:effectRef idx="0">
+              <a:schemeClr val="accent1"/>
+            </a:effectRef>
+            <a:fontRef idx="minor">
+              <a:schemeClr val="lt1"/>
+            </a:fontRef>
+          </p:style>
+          <p:txBody>
+            <a:bodyPr wrap="square" rtlCol="0" anchor="ctr">
+              <a:noAutofit/>
+            </a:bodyPr>
+            <a:lstStyle/>
+            <a:p>
+              <a:pPr algn="ctr"/>
+              <a:endParaRPr lang="en-US" dirty="0"/>
+            </a:p>
+          </p:txBody>
+        </p:sp>
+        <p:sp>
+          <p:nvSpPr>
+            <p:cNvPr id="29" name="Freeform: Shape 28">
+              <a:extLst>
+                <a:ext uri="{FF2B5EF4-FFF2-40B4-BE49-F238E27FC236}">
+                  <a16:creationId xmlns:a16="http://schemas.microsoft.com/office/drawing/2014/main" id="{F356DA69-4637-40FE-A14B-5213BBB585D9}"/>
+                </a:ext>
+                <a:ext uri="{C183D7F6-B498-43B3-948B-1728B52AA6E4}">
+                  <adec:decorative xmlns:adec="http://schemas.microsoft.com/office/drawing/2017/decorative" val="1"/>
+                </a:ext>
+              </a:extLst>
+            </p:cNvPr>
+            <p:cNvSpPr/>
+            <p:nvPr>
+              <p:extLst>
+                <p:ext uri="{386F3935-93C4-4BCD-93E2-E3B085C9AB24}">
+                  <p16:designElem xmlns:p16="http://schemas.microsoft.com/office/powerpoint/2015/main" val="1"/>
+                </p:ext>
+              </p:extLst>
+            </p:nvPr>
+          </p:nvSpPr>
+          <p:spPr>
+            <a:xfrm>
+              <a:off x="787179" y="834887"/>
+              <a:ext cx="5308821" cy="5110259"/>
+            </a:xfrm>
+            <a:custGeom>
+              <a:avLst/>
+              <a:gdLst>
+                <a:gd name="connsiteX0" fmla="*/ 2180840 w 3810827"/>
+                <a:gd name="connsiteY0" fmla="*/ 0 h 3634591"/>
+                <a:gd name="connsiteX1" fmla="*/ 2866380 w 3810827"/>
+                <a:gd name="connsiteY1" fmla="*/ 145165 h 3634591"/>
+                <a:gd name="connsiteX2" fmla="*/ 3366366 w 3810827"/>
+                <a:gd name="connsiteY2" fmla="*/ 536835 h 3634591"/>
+                <a:gd name="connsiteX3" fmla="*/ 3810827 w 3810827"/>
+                <a:gd name="connsiteY3" fmla="*/ 1924156 h 3634591"/>
+                <a:gd name="connsiteX4" fmla="*/ 3612844 w 3810827"/>
+                <a:gd name="connsiteY4" fmla="*/ 2493111 h 3634591"/>
+                <a:gd name="connsiteX5" fmla="*/ 3026664 w 3810827"/>
+                <a:gd name="connsiteY5" fmla="*/ 3022891 h 3634591"/>
+                <a:gd name="connsiteX6" fmla="*/ 2897783 w 3810827"/>
+                <a:gd name="connsiteY6" fmla="*/ 3124233 h 3634591"/>
+                <a:gd name="connsiteX7" fmla="*/ 1838765 w 3810827"/>
+                <a:gd name="connsiteY7" fmla="*/ 3634591 h 3634591"/>
+                <a:gd name="connsiteX8" fmla="*/ 443724 w 3810827"/>
+                <a:gd name="connsiteY8" fmla="*/ 2805020 h 3634591"/>
+                <a:gd name="connsiteX9" fmla="*/ 295053 w 3810827"/>
+                <a:gd name="connsiteY9" fmla="*/ 2592792 h 3634591"/>
+                <a:gd name="connsiteX10" fmla="*/ 0 w 3810827"/>
+                <a:gd name="connsiteY10" fmla="*/ 1924156 h 3634591"/>
+                <a:gd name="connsiteX11" fmla="*/ 178275 w 3810827"/>
+                <a:gd name="connsiteY11" fmla="*/ 1204061 h 3634591"/>
+                <a:gd name="connsiteX12" fmla="*/ 669921 w 3810827"/>
+                <a:gd name="connsiteY12" fmla="*/ 585306 h 3634591"/>
+                <a:gd name="connsiteX13" fmla="*/ 1380730 w 3810827"/>
+                <a:gd name="connsiteY13" fmla="*/ 156203 h 3634591"/>
+                <a:gd name="connsiteX14" fmla="*/ 2180840 w 3810827"/>
+                <a:gd name="connsiteY14" fmla="*/ 0 h 3634591"/>
+              </a:gdLst>
+              <a:ahLst/>
+              <a:cxnLst>
+                <a:cxn ang="0">
+                  <a:pos x="connsiteX0" y="connsiteY0"/>
+                </a:cxn>
+                <a:cxn ang="0">
+                  <a:pos x="connsiteX1" y="connsiteY1"/>
+                </a:cxn>
+                <a:cxn ang="0">
+                  <a:pos x="connsiteX2" y="connsiteY2"/>
+                </a:cxn>
+                <a:cxn ang="0">
+                  <a:pos x="connsiteX3" y="connsiteY3"/>
+                </a:cxn>
+                <a:cxn ang="0">
+                  <a:pos x="connsiteX4" y="connsiteY4"/>
+                </a:cxn>
+                <a:cxn ang="0">
+                  <a:pos x="connsiteX5" y="connsiteY5"/>
+                </a:cxn>
+                <a:cxn ang="0">
+                  <a:pos x="connsiteX6" y="connsiteY6"/>
+                </a:cxn>
+                <a:cxn ang="0">
+                  <a:pos x="connsiteX7" y="connsiteY7"/>
+                </a:cxn>
+                <a:cxn ang="0">
+                  <a:pos x="connsiteX8" y="connsiteY8"/>
+                </a:cxn>
+                <a:cxn ang="0">
+                  <a:pos x="connsiteX9" y="connsiteY9"/>
+                </a:cxn>
+                <a:cxn ang="0">
+                  <a:pos x="connsiteX10" y="connsiteY10"/>
+                </a:cxn>
+                <a:cxn ang="0">
+                  <a:pos x="connsiteX11" y="connsiteY11"/>
+                </a:cxn>
+                <a:cxn ang="0">
+                  <a:pos x="connsiteX12" y="connsiteY12"/>
+                </a:cxn>
+                <a:cxn ang="0">
+                  <a:pos x="connsiteX13" y="connsiteY13"/>
+                </a:cxn>
+                <a:cxn ang="0">
+                  <a:pos x="connsiteX14" y="connsiteY14"/>
+                </a:cxn>
+              </a:cxnLst>
+              <a:rect l="l" t="t" r="r" b="b"/>
+              <a:pathLst>
+                <a:path w="3810827" h="3634591">
+                  <a:moveTo>
+                    <a:pt x="2180840" y="0"/>
+                  </a:moveTo>
+                  <a:cubicBezTo>
+                    <a:pt x="2431406" y="0"/>
+                    <a:pt x="2662018" y="48886"/>
+                    <a:pt x="2866380" y="145165"/>
+                  </a:cubicBezTo>
+                  <a:cubicBezTo>
+                    <a:pt x="3057903" y="235467"/>
+                    <a:pt x="3226119" y="367269"/>
+                    <a:pt x="3366366" y="536835"/>
+                  </a:cubicBezTo>
+                  <a:cubicBezTo>
+                    <a:pt x="3652997" y="883519"/>
+                    <a:pt x="3810827" y="1376199"/>
+                    <a:pt x="3810827" y="1924156"/>
+                  </a:cubicBezTo>
+                  <a:cubicBezTo>
+                    <a:pt x="3810827" y="2142775"/>
+                    <a:pt x="3749739" y="2318234"/>
+                    <a:pt x="3612844" y="2493111"/>
+                  </a:cubicBezTo>
+                  <a:cubicBezTo>
+                    <a:pt x="3469652" y="2676041"/>
+                    <a:pt x="3254495" y="2844528"/>
+                    <a:pt x="3026664" y="3022891"/>
+                  </a:cubicBezTo>
+                  <a:cubicBezTo>
+                    <a:pt x="2984630" y="3055759"/>
+                    <a:pt x="2941206" y="3089789"/>
+                    <a:pt x="2897783" y="3124233"/>
+                  </a:cubicBezTo>
+                  <a:cubicBezTo>
+                    <a:pt x="2509094" y="3432490"/>
+                    <a:pt x="2225408" y="3634591"/>
+                    <a:pt x="1838765" y="3634591"/>
+                  </a:cubicBezTo>
+                  <a:cubicBezTo>
+                    <a:pt x="1249640" y="3634591"/>
+                    <a:pt x="832413" y="3386508"/>
+                    <a:pt x="443724" y="2805020"/>
+                  </a:cubicBezTo>
+                  <a:cubicBezTo>
+                    <a:pt x="392859" y="2728910"/>
+                    <a:pt x="343138" y="2659690"/>
+                    <a:pt x="295053" y="2592792"/>
+                  </a:cubicBezTo>
+                  <a:cubicBezTo>
+                    <a:pt x="95761" y="2315411"/>
+                    <a:pt x="0" y="2171160"/>
+                    <a:pt x="0" y="1924156"/>
+                  </a:cubicBezTo>
+                  <a:cubicBezTo>
+                    <a:pt x="0" y="1678896"/>
+                    <a:pt x="60024" y="1436622"/>
+                    <a:pt x="178275" y="1204061"/>
+                  </a:cubicBezTo>
+                  <a:cubicBezTo>
+                    <a:pt x="293990" y="976561"/>
+                    <a:pt x="459425" y="768319"/>
+                    <a:pt x="669921" y="585306"/>
+                  </a:cubicBezTo>
+                  <a:cubicBezTo>
+                    <a:pt x="876818" y="405365"/>
+                    <a:pt x="1122558" y="256964"/>
+                    <a:pt x="1380730" y="156203"/>
+                  </a:cubicBezTo>
+                  <a:cubicBezTo>
+                    <a:pt x="1645852" y="52539"/>
+                    <a:pt x="1915145" y="0"/>
+                    <a:pt x="2180840" y="0"/>
+                  </a:cubicBezTo>
+                  <a:close/>
+                </a:path>
+              </a:pathLst>
+            </a:custGeom>
             <a:noFill/>
-          </a:ln>
-        </p:spPr>
-        <p:style>
-          <a:lnRef idx="2">
-            <a:schemeClr val="accent1">
-              <a:shade val="50000"/>
-            </a:schemeClr>
-          </a:lnRef>
-          <a:fillRef idx="1">
-            <a:schemeClr val="accent1"/>
-          </a:fillRef>
-          <a:effectRef idx="0">
-            <a:schemeClr val="accent1"/>
-          </a:effectRef>
-          <a:fontRef idx="minor">
-            <a:schemeClr val="lt1"/>
-          </a:fontRef>
-        </p:style>
-        <p:txBody>
-          <a:bodyPr wrap="square" rtlCol="0" anchor="ctr">
-            <a:noAutofit/>
-          </a:bodyPr>
-          <a:lstStyle/>
-          <a:p>
-            <a:pPr algn="ctr"/>
-            <a:endParaRPr lang="en-US" dirty="0"/>
-          </a:p>
-        </p:txBody>
-      </p:sp>
-      <p:sp>
-        <p:nvSpPr>
-          <p:cNvPr id="30" name="Freeform: Shape 29">
-            <a:extLst>
-              <a:ext uri="{FF2B5EF4-FFF2-40B4-BE49-F238E27FC236}">
-                <a16:creationId xmlns:a16="http://schemas.microsoft.com/office/drawing/2014/main" id="{C7163242-6303-46DC-BAC1-2A204F061321}"/>
-              </a:ext>
-              <a:ext uri="{C183D7F6-B498-43B3-948B-1728B52AA6E4}">
-                <adec:decorative xmlns:adec="http://schemas.microsoft.com/office/drawing/2017/decorative" val="1"/>
-              </a:ext>
-            </a:extLst>
-          </p:cNvPr>
-          <p:cNvSpPr>
-            <a:spLocks noGrp="1" noRot="1" noChangeAspect="1" noMove="1" noResize="1" noEditPoints="1" noAdjustHandles="1" noChangeArrowheads="1" noChangeShapeType="1" noTextEdit="1"/>
-          </p:cNvSpPr>
-          <p:nvPr>
-            <p:extLst>
-              <p:ext uri="{386F3935-93C4-4BCD-93E2-E3B085C9AB24}">
-                <p16:designElem xmlns:p16="http://schemas.microsoft.com/office/powerpoint/2015/main" val="1"/>
-              </p:ext>
-            </p:extLst>
-          </p:nvPr>
-        </p:nvSpPr>
-        <p:spPr>
-          <a:xfrm flipH="1">
-            <a:off x="7051182" y="1382922"/>
-            <a:ext cx="4174735" cy="3941951"/>
-          </a:xfrm>
-          <a:custGeom>
-            <a:avLst/>
-            <a:gdLst>
-              <a:gd name="connsiteX0" fmla="*/ 2180840 w 3810827"/>
-              <a:gd name="connsiteY0" fmla="*/ 0 h 3634591"/>
-              <a:gd name="connsiteX1" fmla="*/ 2866380 w 3810827"/>
-              <a:gd name="connsiteY1" fmla="*/ 145165 h 3634591"/>
-              <a:gd name="connsiteX2" fmla="*/ 3366366 w 3810827"/>
-              <a:gd name="connsiteY2" fmla="*/ 536835 h 3634591"/>
-              <a:gd name="connsiteX3" fmla="*/ 3810827 w 3810827"/>
-              <a:gd name="connsiteY3" fmla="*/ 1924156 h 3634591"/>
-              <a:gd name="connsiteX4" fmla="*/ 3612844 w 3810827"/>
-              <a:gd name="connsiteY4" fmla="*/ 2493111 h 3634591"/>
-              <a:gd name="connsiteX5" fmla="*/ 3026664 w 3810827"/>
-              <a:gd name="connsiteY5" fmla="*/ 3022891 h 3634591"/>
-              <a:gd name="connsiteX6" fmla="*/ 2897783 w 3810827"/>
-              <a:gd name="connsiteY6" fmla="*/ 3124233 h 3634591"/>
-              <a:gd name="connsiteX7" fmla="*/ 1838765 w 3810827"/>
-              <a:gd name="connsiteY7" fmla="*/ 3634591 h 3634591"/>
-              <a:gd name="connsiteX8" fmla="*/ 443724 w 3810827"/>
-              <a:gd name="connsiteY8" fmla="*/ 2805020 h 3634591"/>
-              <a:gd name="connsiteX9" fmla="*/ 295053 w 3810827"/>
-              <a:gd name="connsiteY9" fmla="*/ 2592792 h 3634591"/>
-              <a:gd name="connsiteX10" fmla="*/ 0 w 3810827"/>
-              <a:gd name="connsiteY10" fmla="*/ 1924156 h 3634591"/>
-              <a:gd name="connsiteX11" fmla="*/ 178275 w 3810827"/>
-              <a:gd name="connsiteY11" fmla="*/ 1204061 h 3634591"/>
-              <a:gd name="connsiteX12" fmla="*/ 669921 w 3810827"/>
-              <a:gd name="connsiteY12" fmla="*/ 585306 h 3634591"/>
-              <a:gd name="connsiteX13" fmla="*/ 1380730 w 3810827"/>
-              <a:gd name="connsiteY13" fmla="*/ 156203 h 3634591"/>
-              <a:gd name="connsiteX14" fmla="*/ 2180840 w 3810827"/>
-              <a:gd name="connsiteY14" fmla="*/ 0 h 3634591"/>
-            </a:gdLst>
-            <a:ahLst/>
-            <a:cxnLst>
-              <a:cxn ang="0">
-                <a:pos x="connsiteX0" y="connsiteY0"/>
-              </a:cxn>
-              <a:cxn ang="0">
-                <a:pos x="connsiteX1" y="connsiteY1"/>
-              </a:cxn>
-              <a:cxn ang="0">
-                <a:pos x="connsiteX2" y="connsiteY2"/>
-              </a:cxn>
-              <a:cxn ang="0">
-                <a:pos x="connsiteX3" y="connsiteY3"/>
-              </a:cxn>
-              <a:cxn ang="0">
-                <a:pos x="connsiteX4" y="connsiteY4"/>
-              </a:cxn>
-              <a:cxn ang="0">
-                <a:pos x="connsiteX5" y="connsiteY5"/>
-              </a:cxn>
-              <a:cxn ang="0">
-                <a:pos x="connsiteX6" y="connsiteY6"/>
-              </a:cxn>
-              <a:cxn ang="0">
-                <a:pos x="connsiteX7" y="connsiteY7"/>
-              </a:cxn>
-              <a:cxn ang="0">
-                <a:pos x="connsiteX8" y="connsiteY8"/>
-              </a:cxn>
-              <a:cxn ang="0">
-                <a:pos x="connsiteX9" y="connsiteY9"/>
-              </a:cxn>
-              <a:cxn ang="0">
-                <a:pos x="connsiteX10" y="connsiteY10"/>
-              </a:cxn>
-              <a:cxn ang="0">
-                <a:pos x="connsiteX11" y="connsiteY11"/>
-              </a:cxn>
-              <a:cxn ang="0">
-                <a:pos x="connsiteX12" y="connsiteY12"/>
-              </a:cxn>
-              <a:cxn ang="0">
-                <a:pos x="connsiteX13" y="connsiteY13"/>
-              </a:cxn>
-              <a:cxn ang="0">
-                <a:pos x="connsiteX14" y="connsiteY14"/>
-              </a:cxn>
-            </a:cxnLst>
-            <a:rect l="l" t="t" r="r" b="b"/>
-            <a:pathLst>
-              <a:path w="3810827" h="3634591">
-                <a:moveTo>
-                  <a:pt x="2180840" y="0"/>
-                </a:moveTo>
-                <a:cubicBezTo>
-                  <a:pt x="2431406" y="0"/>
-                  <a:pt x="2662018" y="48886"/>
-                  <a:pt x="2866380" y="145165"/>
-                </a:cubicBezTo>
-                <a:cubicBezTo>
-                  <a:pt x="3057903" y="235467"/>
-                  <a:pt x="3226119" y="367269"/>
-                  <a:pt x="3366366" y="536835"/>
-                </a:cubicBezTo>
-                <a:cubicBezTo>
-                  <a:pt x="3652997" y="883519"/>
-                  <a:pt x="3810827" y="1376199"/>
-                  <a:pt x="3810827" y="1924156"/>
-                </a:cubicBezTo>
-                <a:cubicBezTo>
-                  <a:pt x="3810827" y="2142775"/>
-                  <a:pt x="3749739" y="2318234"/>
-                  <a:pt x="3612844" y="2493111"/>
-                </a:cubicBezTo>
-                <a:cubicBezTo>
-                  <a:pt x="3469652" y="2676041"/>
-                  <a:pt x="3254495" y="2844528"/>
-                  <a:pt x="3026664" y="3022891"/>
-                </a:cubicBezTo>
-                <a:cubicBezTo>
-                  <a:pt x="2984630" y="3055759"/>
-                  <a:pt x="2941206" y="3089789"/>
-                  <a:pt x="2897783" y="3124233"/>
-                </a:cubicBezTo>
-                <a:cubicBezTo>
-                  <a:pt x="2509094" y="3432490"/>
-                  <a:pt x="2225408" y="3634591"/>
-                  <a:pt x="1838765" y="3634591"/>
-                </a:cubicBezTo>
-                <a:cubicBezTo>
-                  <a:pt x="1249640" y="3634591"/>
-                  <a:pt x="832413" y="3386508"/>
-                  <a:pt x="443724" y="2805020"/>
-                </a:cubicBezTo>
-                <a:cubicBezTo>
-                  <a:pt x="392859" y="2728910"/>
-                  <a:pt x="343138" y="2659690"/>
-                  <a:pt x="295053" y="2592792"/>
-                </a:cubicBezTo>
-                <a:cubicBezTo>
-                  <a:pt x="95761" y="2315411"/>
-                  <a:pt x="0" y="2171160"/>
-                  <a:pt x="0" y="1924156"/>
-                </a:cubicBezTo>
-                <a:cubicBezTo>
-                  <a:pt x="0" y="1678896"/>
-                  <a:pt x="60024" y="1436622"/>
-                  <a:pt x="178275" y="1204061"/>
-                </a:cubicBezTo>
-                <a:cubicBezTo>
-                  <a:pt x="293990" y="976561"/>
-                  <a:pt x="459425" y="768319"/>
-                  <a:pt x="669921" y="585306"/>
-                </a:cubicBezTo>
-                <a:cubicBezTo>
-                  <a:pt x="876818" y="405365"/>
-                  <a:pt x="1122558" y="256964"/>
-                  <a:pt x="1380730" y="156203"/>
-                </a:cubicBezTo>
-                <a:cubicBezTo>
-                  <a:pt x="1645852" y="52539"/>
-                  <a:pt x="1915145" y="0"/>
-                  <a:pt x="2180840" y="0"/>
-                </a:cubicBezTo>
-                <a:close/>
-              </a:path>
-            </a:pathLst>
-          </a:custGeom>
-          <a:solidFill>
-            <a:schemeClr val="bg1">
-              <a:alpha val="60000"/>
-            </a:schemeClr>
-          </a:solidFill>
-          <a:ln>
-            <a:noFill/>
-          </a:ln>
-        </p:spPr>
-        <p:style>
-          <a:lnRef idx="2">
-            <a:schemeClr val="accent1">
-              <a:shade val="50000"/>
-            </a:schemeClr>
-          </a:lnRef>
-          <a:fillRef idx="1">
-            <a:schemeClr val="accent1"/>
-          </a:fillRef>
-          <a:effectRef idx="0">
-            <a:schemeClr val="accent1"/>
-          </a:effectRef>
-          <a:fontRef idx="minor">
-            <a:schemeClr val="lt1"/>
-          </a:fontRef>
-        </p:style>
-        <p:txBody>
-          <a:bodyPr wrap="square" rtlCol="0" anchor="ctr">
-            <a:noAutofit/>
-          </a:bodyPr>
-          <a:lstStyle/>
-          <a:p>
-            <a:pPr algn="ctr"/>
-            <a:endParaRPr lang="en-US" dirty="0"/>
-          </a:p>
-        </p:txBody>
-      </p:sp>
-      <p:sp>
-        <p:nvSpPr>
-          <p:cNvPr id="32" name="Freeform: Shape 31">
-            <a:extLst>
-              <a:ext uri="{FF2B5EF4-FFF2-40B4-BE49-F238E27FC236}">
-                <a16:creationId xmlns:a16="http://schemas.microsoft.com/office/drawing/2014/main" id="{805C4C40-D70E-4C4F-B228-98A0A6132603}"/>
-              </a:ext>
-              <a:ext uri="{C183D7F6-B498-43B3-948B-1728B52AA6E4}">
-                <adec:decorative xmlns:adec="http://schemas.microsoft.com/office/drawing/2017/decorative" val="1"/>
-              </a:ext>
-            </a:extLst>
-          </p:cNvPr>
-          <p:cNvSpPr>
-            <a:spLocks noGrp="1" noRot="1" noChangeAspect="1" noMove="1" noResize="1" noEditPoints="1" noAdjustHandles="1" noChangeArrowheads="1" noChangeShapeType="1" noTextEdit="1"/>
-          </p:cNvSpPr>
-          <p:nvPr>
-            <p:extLst>
-              <p:ext uri="{386F3935-93C4-4BCD-93E2-E3B085C9AB24}">
-                <p16:designElem xmlns:p16="http://schemas.microsoft.com/office/powerpoint/2015/main" val="1"/>
-              </p:ext>
-            </p:extLst>
-          </p:nvPr>
-        </p:nvSpPr>
-        <p:spPr>
-          <a:xfrm rot="21300000" flipH="1">
-            <a:off x="6733248" y="1097468"/>
-            <a:ext cx="4908132" cy="4613915"/>
-          </a:xfrm>
-          <a:custGeom>
-            <a:avLst/>
-            <a:gdLst>
-              <a:gd name="connsiteX0" fmla="*/ 2180840 w 3810827"/>
-              <a:gd name="connsiteY0" fmla="*/ 0 h 3634591"/>
-              <a:gd name="connsiteX1" fmla="*/ 2866380 w 3810827"/>
-              <a:gd name="connsiteY1" fmla="*/ 145165 h 3634591"/>
-              <a:gd name="connsiteX2" fmla="*/ 3366366 w 3810827"/>
-              <a:gd name="connsiteY2" fmla="*/ 536835 h 3634591"/>
-              <a:gd name="connsiteX3" fmla="*/ 3810827 w 3810827"/>
-              <a:gd name="connsiteY3" fmla="*/ 1924156 h 3634591"/>
-              <a:gd name="connsiteX4" fmla="*/ 3612844 w 3810827"/>
-              <a:gd name="connsiteY4" fmla="*/ 2493111 h 3634591"/>
-              <a:gd name="connsiteX5" fmla="*/ 3026664 w 3810827"/>
-              <a:gd name="connsiteY5" fmla="*/ 3022891 h 3634591"/>
-              <a:gd name="connsiteX6" fmla="*/ 2897783 w 3810827"/>
-              <a:gd name="connsiteY6" fmla="*/ 3124233 h 3634591"/>
-              <a:gd name="connsiteX7" fmla="*/ 1838765 w 3810827"/>
-              <a:gd name="connsiteY7" fmla="*/ 3634591 h 3634591"/>
-              <a:gd name="connsiteX8" fmla="*/ 443724 w 3810827"/>
-              <a:gd name="connsiteY8" fmla="*/ 2805020 h 3634591"/>
-              <a:gd name="connsiteX9" fmla="*/ 295053 w 3810827"/>
-              <a:gd name="connsiteY9" fmla="*/ 2592792 h 3634591"/>
-              <a:gd name="connsiteX10" fmla="*/ 0 w 3810827"/>
-              <a:gd name="connsiteY10" fmla="*/ 1924156 h 3634591"/>
-              <a:gd name="connsiteX11" fmla="*/ 178275 w 3810827"/>
-              <a:gd name="connsiteY11" fmla="*/ 1204061 h 3634591"/>
-              <a:gd name="connsiteX12" fmla="*/ 669921 w 3810827"/>
-              <a:gd name="connsiteY12" fmla="*/ 585306 h 3634591"/>
-              <a:gd name="connsiteX13" fmla="*/ 1380730 w 3810827"/>
-              <a:gd name="connsiteY13" fmla="*/ 156203 h 3634591"/>
-              <a:gd name="connsiteX14" fmla="*/ 2180840 w 3810827"/>
-              <a:gd name="connsiteY14" fmla="*/ 0 h 3634591"/>
-            </a:gdLst>
-            <a:ahLst/>
-            <a:cxnLst>
-              <a:cxn ang="0">
-                <a:pos x="connsiteX0" y="connsiteY0"/>
-              </a:cxn>
-              <a:cxn ang="0">
-                <a:pos x="connsiteX1" y="connsiteY1"/>
-              </a:cxn>
-              <a:cxn ang="0">
-                <a:pos x="connsiteX2" y="connsiteY2"/>
-              </a:cxn>
-              <a:cxn ang="0">
-                <a:pos x="connsiteX3" y="connsiteY3"/>
-              </a:cxn>
-              <a:cxn ang="0">
-                <a:pos x="connsiteX4" y="connsiteY4"/>
-              </a:cxn>
-              <a:cxn ang="0">
-                <a:pos x="connsiteX5" y="connsiteY5"/>
-              </a:cxn>
-              <a:cxn ang="0">
-                <a:pos x="connsiteX6" y="connsiteY6"/>
-              </a:cxn>
-              <a:cxn ang="0">
-                <a:pos x="connsiteX7" y="connsiteY7"/>
-              </a:cxn>
-              <a:cxn ang="0">
-                <a:pos x="connsiteX8" y="connsiteY8"/>
-              </a:cxn>
-              <a:cxn ang="0">
-                <a:pos x="connsiteX9" y="connsiteY9"/>
-              </a:cxn>
-              <a:cxn ang="0">
-                <a:pos x="connsiteX10" y="connsiteY10"/>
-              </a:cxn>
-              <a:cxn ang="0">
-                <a:pos x="connsiteX11" y="connsiteY11"/>
-              </a:cxn>
-              <a:cxn ang="0">
-                <a:pos x="connsiteX12" y="connsiteY12"/>
-              </a:cxn>
-              <a:cxn ang="0">
-                <a:pos x="connsiteX13" y="connsiteY13"/>
-              </a:cxn>
-              <a:cxn ang="0">
-                <a:pos x="connsiteX14" y="connsiteY14"/>
-              </a:cxn>
-            </a:cxnLst>
-            <a:rect l="l" t="t" r="r" b="b"/>
-            <a:pathLst>
-              <a:path w="3810827" h="3634591">
-                <a:moveTo>
-                  <a:pt x="2180840" y="0"/>
-                </a:moveTo>
-                <a:cubicBezTo>
-                  <a:pt x="2431406" y="0"/>
-                  <a:pt x="2662018" y="48886"/>
-                  <a:pt x="2866380" y="145165"/>
-                </a:cubicBezTo>
-                <a:cubicBezTo>
-                  <a:pt x="3057903" y="235467"/>
-                  <a:pt x="3226119" y="367269"/>
-                  <a:pt x="3366366" y="536835"/>
-                </a:cubicBezTo>
-                <a:cubicBezTo>
-                  <a:pt x="3652997" y="883519"/>
-                  <a:pt x="3810827" y="1376199"/>
-                  <a:pt x="3810827" y="1924156"/>
-                </a:cubicBezTo>
-                <a:cubicBezTo>
-                  <a:pt x="3810827" y="2142775"/>
-                  <a:pt x="3749739" y="2318234"/>
-                  <a:pt x="3612844" y="2493111"/>
-                </a:cubicBezTo>
-                <a:cubicBezTo>
-                  <a:pt x="3469652" y="2676041"/>
-                  <a:pt x="3254495" y="2844528"/>
-                  <a:pt x="3026664" y="3022891"/>
-                </a:cubicBezTo>
-                <a:cubicBezTo>
-                  <a:pt x="2984630" y="3055759"/>
-                  <a:pt x="2941206" y="3089789"/>
-                  <a:pt x="2897783" y="3124233"/>
-                </a:cubicBezTo>
-                <a:cubicBezTo>
-                  <a:pt x="2509094" y="3432490"/>
-                  <a:pt x="2225408" y="3634591"/>
-                  <a:pt x="1838765" y="3634591"/>
-                </a:cubicBezTo>
-                <a:cubicBezTo>
-                  <a:pt x="1249640" y="3634591"/>
-                  <a:pt x="832413" y="3386508"/>
-                  <a:pt x="443724" y="2805020"/>
-                </a:cubicBezTo>
-                <a:cubicBezTo>
-                  <a:pt x="392859" y="2728910"/>
-                  <a:pt x="343138" y="2659690"/>
-                  <a:pt x="295053" y="2592792"/>
-                </a:cubicBezTo>
-                <a:cubicBezTo>
-                  <a:pt x="95761" y="2315411"/>
-                  <a:pt x="0" y="2171160"/>
-                  <a:pt x="0" y="1924156"/>
-                </a:cubicBezTo>
-                <a:cubicBezTo>
-                  <a:pt x="0" y="1678896"/>
-                  <a:pt x="60024" y="1436622"/>
-                  <a:pt x="178275" y="1204061"/>
-                </a:cubicBezTo>
-                <a:cubicBezTo>
-                  <a:pt x="293990" y="976561"/>
-                  <a:pt x="459425" y="768319"/>
-                  <a:pt x="669921" y="585306"/>
-                </a:cubicBezTo>
-                <a:cubicBezTo>
-                  <a:pt x="876818" y="405365"/>
-                  <a:pt x="1122558" y="256964"/>
-                  <a:pt x="1380730" y="156203"/>
-                </a:cubicBezTo>
-                <a:cubicBezTo>
-                  <a:pt x="1645852" y="52539"/>
-                  <a:pt x="1915145" y="0"/>
-                  <a:pt x="2180840" y="0"/>
-                </a:cubicBezTo>
-                <a:close/>
-              </a:path>
-            </a:pathLst>
-          </a:custGeom>
-          <a:noFill/>
-          <a:ln w="19050">
+            <a:ln w="19050">
+              <a:solidFill>
+                <a:srgbClr val="FFFFFF"/>
+              </a:solidFill>
+            </a:ln>
+          </p:spPr>
+          <p:style>
+            <a:lnRef idx="2">
+              <a:schemeClr val="accent1">
+                <a:shade val="50000"/>
+              </a:schemeClr>
+            </a:lnRef>
+            <a:fillRef idx="1">
+              <a:schemeClr val="accent1"/>
+            </a:fillRef>
+            <a:effectRef idx="0">
+              <a:schemeClr val="accent1"/>
+            </a:effectRef>
+            <a:fontRef idx="minor">
+              <a:schemeClr val="lt1"/>
+            </a:fontRef>
+          </p:style>
+          <p:txBody>
+            <a:bodyPr wrap="square" rtlCol="0" anchor="ctr">
+              <a:noAutofit/>
+            </a:bodyPr>
+            <a:lstStyle/>
+            <a:p>
+              <a:pPr algn="ctr"/>
+              <a:endParaRPr lang="en-US" dirty="0"/>
+            </a:p>
+          </p:txBody>
+        </p:sp>
+        <p:sp>
+          <p:nvSpPr>
+            <p:cNvPr id="30" name="Freeform: Shape 29">
+              <a:extLst>
+                <a:ext uri="{FF2B5EF4-FFF2-40B4-BE49-F238E27FC236}">
+                  <a16:creationId xmlns:a16="http://schemas.microsoft.com/office/drawing/2014/main" id="{364D709A-6610-48B7-9F98-AFA02ECBA191}"/>
+                </a:ext>
+                <a:ext uri="{C183D7F6-B498-43B3-948B-1728B52AA6E4}">
+                  <adec:decorative xmlns:adec="http://schemas.microsoft.com/office/drawing/2017/decorative" val="1"/>
+                </a:ext>
+              </a:extLst>
+            </p:cNvPr>
+            <p:cNvSpPr/>
+            <p:nvPr>
+              <p:extLst>
+                <p:ext uri="{386F3935-93C4-4BCD-93E2-E3B085C9AB24}">
+                  <p16:designElem xmlns:p16="http://schemas.microsoft.com/office/powerpoint/2015/main" val="1"/>
+                </p:ext>
+              </p:extLst>
+            </p:nvPr>
+          </p:nvSpPr>
+          <p:spPr>
+            <a:xfrm>
+              <a:off x="1073427" y="1200647"/>
+              <a:ext cx="4675366" cy="4471706"/>
+            </a:xfrm>
+            <a:custGeom>
+              <a:avLst/>
+              <a:gdLst>
+                <a:gd name="connsiteX0" fmla="*/ 2180840 w 3810827"/>
+                <a:gd name="connsiteY0" fmla="*/ 0 h 3634591"/>
+                <a:gd name="connsiteX1" fmla="*/ 2866380 w 3810827"/>
+                <a:gd name="connsiteY1" fmla="*/ 145165 h 3634591"/>
+                <a:gd name="connsiteX2" fmla="*/ 3366366 w 3810827"/>
+                <a:gd name="connsiteY2" fmla="*/ 536835 h 3634591"/>
+                <a:gd name="connsiteX3" fmla="*/ 3810827 w 3810827"/>
+                <a:gd name="connsiteY3" fmla="*/ 1924156 h 3634591"/>
+                <a:gd name="connsiteX4" fmla="*/ 3612844 w 3810827"/>
+                <a:gd name="connsiteY4" fmla="*/ 2493111 h 3634591"/>
+                <a:gd name="connsiteX5" fmla="*/ 3026664 w 3810827"/>
+                <a:gd name="connsiteY5" fmla="*/ 3022891 h 3634591"/>
+                <a:gd name="connsiteX6" fmla="*/ 2897783 w 3810827"/>
+                <a:gd name="connsiteY6" fmla="*/ 3124233 h 3634591"/>
+                <a:gd name="connsiteX7" fmla="*/ 1838765 w 3810827"/>
+                <a:gd name="connsiteY7" fmla="*/ 3634591 h 3634591"/>
+                <a:gd name="connsiteX8" fmla="*/ 443724 w 3810827"/>
+                <a:gd name="connsiteY8" fmla="*/ 2805020 h 3634591"/>
+                <a:gd name="connsiteX9" fmla="*/ 295053 w 3810827"/>
+                <a:gd name="connsiteY9" fmla="*/ 2592792 h 3634591"/>
+                <a:gd name="connsiteX10" fmla="*/ 0 w 3810827"/>
+                <a:gd name="connsiteY10" fmla="*/ 1924156 h 3634591"/>
+                <a:gd name="connsiteX11" fmla="*/ 178275 w 3810827"/>
+                <a:gd name="connsiteY11" fmla="*/ 1204061 h 3634591"/>
+                <a:gd name="connsiteX12" fmla="*/ 669921 w 3810827"/>
+                <a:gd name="connsiteY12" fmla="*/ 585306 h 3634591"/>
+                <a:gd name="connsiteX13" fmla="*/ 1380730 w 3810827"/>
+                <a:gd name="connsiteY13" fmla="*/ 156203 h 3634591"/>
+                <a:gd name="connsiteX14" fmla="*/ 2180840 w 3810827"/>
+                <a:gd name="connsiteY14" fmla="*/ 0 h 3634591"/>
+              </a:gdLst>
+              <a:ahLst/>
+              <a:cxnLst>
+                <a:cxn ang="0">
+                  <a:pos x="connsiteX0" y="connsiteY0"/>
+                </a:cxn>
+                <a:cxn ang="0">
+                  <a:pos x="connsiteX1" y="connsiteY1"/>
+                </a:cxn>
+                <a:cxn ang="0">
+                  <a:pos x="connsiteX2" y="connsiteY2"/>
+                </a:cxn>
+                <a:cxn ang="0">
+                  <a:pos x="connsiteX3" y="connsiteY3"/>
+                </a:cxn>
+                <a:cxn ang="0">
+                  <a:pos x="connsiteX4" y="connsiteY4"/>
+                </a:cxn>
+                <a:cxn ang="0">
+                  <a:pos x="connsiteX5" y="connsiteY5"/>
+                </a:cxn>
+                <a:cxn ang="0">
+                  <a:pos x="connsiteX6" y="connsiteY6"/>
+                </a:cxn>
+                <a:cxn ang="0">
+                  <a:pos x="connsiteX7" y="connsiteY7"/>
+                </a:cxn>
+                <a:cxn ang="0">
+                  <a:pos x="connsiteX8" y="connsiteY8"/>
+                </a:cxn>
+                <a:cxn ang="0">
+                  <a:pos x="connsiteX9" y="connsiteY9"/>
+                </a:cxn>
+                <a:cxn ang="0">
+                  <a:pos x="connsiteX10" y="connsiteY10"/>
+                </a:cxn>
+                <a:cxn ang="0">
+                  <a:pos x="connsiteX11" y="connsiteY11"/>
+                </a:cxn>
+                <a:cxn ang="0">
+                  <a:pos x="connsiteX12" y="connsiteY12"/>
+                </a:cxn>
+                <a:cxn ang="0">
+                  <a:pos x="connsiteX13" y="connsiteY13"/>
+                </a:cxn>
+                <a:cxn ang="0">
+                  <a:pos x="connsiteX14" y="connsiteY14"/>
+                </a:cxn>
+              </a:cxnLst>
+              <a:rect l="l" t="t" r="r" b="b"/>
+              <a:pathLst>
+                <a:path w="3810827" h="3634591">
+                  <a:moveTo>
+                    <a:pt x="2180840" y="0"/>
+                  </a:moveTo>
+                  <a:cubicBezTo>
+                    <a:pt x="2431406" y="0"/>
+                    <a:pt x="2662018" y="48886"/>
+                    <a:pt x="2866380" y="145165"/>
+                  </a:cubicBezTo>
+                  <a:cubicBezTo>
+                    <a:pt x="3057903" y="235467"/>
+                    <a:pt x="3226119" y="367269"/>
+                    <a:pt x="3366366" y="536835"/>
+                  </a:cubicBezTo>
+                  <a:cubicBezTo>
+                    <a:pt x="3652997" y="883519"/>
+                    <a:pt x="3810827" y="1376199"/>
+                    <a:pt x="3810827" y="1924156"/>
+                  </a:cubicBezTo>
+                  <a:cubicBezTo>
+                    <a:pt x="3810827" y="2142775"/>
+                    <a:pt x="3749739" y="2318234"/>
+                    <a:pt x="3612844" y="2493111"/>
+                  </a:cubicBezTo>
+                  <a:cubicBezTo>
+                    <a:pt x="3469652" y="2676041"/>
+                    <a:pt x="3254495" y="2844528"/>
+                    <a:pt x="3026664" y="3022891"/>
+                  </a:cubicBezTo>
+                  <a:cubicBezTo>
+                    <a:pt x="2984630" y="3055759"/>
+                    <a:pt x="2941206" y="3089789"/>
+                    <a:pt x="2897783" y="3124233"/>
+                  </a:cubicBezTo>
+                  <a:cubicBezTo>
+                    <a:pt x="2509094" y="3432490"/>
+                    <a:pt x="2225408" y="3634591"/>
+                    <a:pt x="1838765" y="3634591"/>
+                  </a:cubicBezTo>
+                  <a:cubicBezTo>
+                    <a:pt x="1249640" y="3634591"/>
+                    <a:pt x="832413" y="3386508"/>
+                    <a:pt x="443724" y="2805020"/>
+                  </a:cubicBezTo>
+                  <a:cubicBezTo>
+                    <a:pt x="392859" y="2728910"/>
+                    <a:pt x="343138" y="2659690"/>
+                    <a:pt x="295053" y="2592792"/>
+                  </a:cubicBezTo>
+                  <a:cubicBezTo>
+                    <a:pt x="95761" y="2315411"/>
+                    <a:pt x="0" y="2171160"/>
+                    <a:pt x="0" y="1924156"/>
+                  </a:cubicBezTo>
+                  <a:cubicBezTo>
+                    <a:pt x="0" y="1678896"/>
+                    <a:pt x="60024" y="1436622"/>
+                    <a:pt x="178275" y="1204061"/>
+                  </a:cubicBezTo>
+                  <a:cubicBezTo>
+                    <a:pt x="293990" y="976561"/>
+                    <a:pt x="459425" y="768319"/>
+                    <a:pt x="669921" y="585306"/>
+                  </a:cubicBezTo>
+                  <a:cubicBezTo>
+                    <a:pt x="876818" y="405365"/>
+                    <a:pt x="1122558" y="256964"/>
+                    <a:pt x="1380730" y="156203"/>
+                  </a:cubicBezTo>
+                  <a:cubicBezTo>
+                    <a:pt x="1645852" y="52539"/>
+                    <a:pt x="1915145" y="0"/>
+                    <a:pt x="2180840" y="0"/>
+                  </a:cubicBezTo>
+                  <a:close/>
+                </a:path>
+              </a:pathLst>
+            </a:custGeom>
             <a:solidFill>
-              <a:srgbClr val="FFFFFF"/>
+              <a:schemeClr val="bg1">
+                <a:alpha val="60000"/>
+              </a:schemeClr>
             </a:solidFill>
-          </a:ln>
-        </p:spPr>
-        <p:style>
-          <a:lnRef idx="2">
-            <a:schemeClr val="accent1">
-              <a:shade val="50000"/>
-            </a:schemeClr>
-          </a:lnRef>
-          <a:fillRef idx="1">
-            <a:schemeClr val="accent1"/>
-          </a:fillRef>
-          <a:effectRef idx="0">
-            <a:schemeClr val="accent1"/>
-          </a:effectRef>
-          <a:fontRef idx="minor">
-            <a:schemeClr val="lt1"/>
-          </a:fontRef>
-        </p:style>
-        <p:txBody>
-          <a:bodyPr wrap="square" rtlCol="0" anchor="ctr">
-            <a:noAutofit/>
-          </a:bodyPr>
-          <a:lstStyle/>
-          <a:p>
-            <a:pPr algn="ctr"/>
-            <a:endParaRPr lang="en-US" dirty="0"/>
-          </a:p>
-        </p:txBody>
-      </p:sp>
+            <a:ln>
+              <a:noFill/>
+            </a:ln>
+          </p:spPr>
+          <p:style>
+            <a:lnRef idx="2">
+              <a:schemeClr val="accent1">
+                <a:shade val="50000"/>
+              </a:schemeClr>
+            </a:lnRef>
+            <a:fillRef idx="1">
+              <a:schemeClr val="accent1"/>
+            </a:fillRef>
+            <a:effectRef idx="0">
+              <a:schemeClr val="accent1"/>
+            </a:effectRef>
+            <a:fontRef idx="minor">
+              <a:schemeClr val="lt1"/>
+            </a:fontRef>
+          </p:style>
+          <p:txBody>
+            <a:bodyPr wrap="square" rtlCol="0" anchor="ctr">
+              <a:noAutofit/>
+            </a:bodyPr>
+            <a:lstStyle/>
+            <a:p>
+              <a:pPr algn="ctr"/>
+              <a:endParaRPr lang="en-US" dirty="0"/>
+            </a:p>
+          </p:txBody>
+        </p:sp>
+      </p:grpSp>
       <p:sp>
         <p:nvSpPr>
           <p:cNvPr id="2" name="Titolo 1">
             <a:extLst>
               <a:ext uri="{FF2B5EF4-FFF2-40B4-BE49-F238E27FC236}">
-                <a16:creationId xmlns:a16="http://schemas.microsoft.com/office/drawing/2014/main" id="{F366A98B-3EE8-B823-4A51-32D24353423D}"/>
+                <a16:creationId xmlns:a16="http://schemas.microsoft.com/office/drawing/2014/main" id="{75CDB966-FB2B-DAD2-BDE2-3134C26D10F5}"/>
               </a:ext>
             </a:extLst>
           </p:cNvPr>
@@ -17577,87 +14901,81 @@
         </p:nvSpPr>
         <p:spPr>
           <a:xfrm>
-            <a:off x="6846061" y="1930724"/>
-            <a:ext cx="4551492" cy="2186393"/>
+            <a:off x="624704" y="-199218"/>
+            <a:ext cx="5621847" cy="2112596"/>
           </a:xfrm>
         </p:spPr>
         <p:txBody>
-          <a:bodyPr vert="horz" lIns="109728" tIns="109728" rIns="109728" bIns="91440" rtlCol="0" anchor="b">
-            <a:normAutofit fontScale="90000"/>
+          <a:bodyPr anchor="b">
+            <a:normAutofit/>
+          </a:bodyPr>
+          <a:lstStyle/>
+          <a:p>
+            <a:pPr algn="ctr"/>
+            <a:r>
+              <a:rPr lang="it-IT" sz="6000" dirty="0">
+                <a:solidFill>
+                  <a:schemeClr val="accent1"/>
+                </a:solidFill>
+              </a:rPr>
+              <a:t>Algoritmo DCT2</a:t>
+            </a:r>
+          </a:p>
+        </p:txBody>
+      </p:sp>
+      <p:sp>
+        <p:nvSpPr>
+          <p:cNvPr id="3" name="Segnaposto contenuto 2">
+            <a:extLst>
+              <a:ext uri="{FF2B5EF4-FFF2-40B4-BE49-F238E27FC236}">
+                <a16:creationId xmlns:a16="http://schemas.microsoft.com/office/drawing/2014/main" id="{3E249BDC-997F-455E-D583-968161FA0ACA}"/>
+              </a:ext>
+            </a:extLst>
+          </p:cNvPr>
+          <p:cNvSpPr>
+            <a:spLocks noGrp="1"/>
+          </p:cNvSpPr>
+          <p:nvPr>
+            <p:ph idx="1"/>
+          </p:nvPr>
+        </p:nvSpPr>
+        <p:spPr>
+          <a:xfrm>
+            <a:off x="1070295" y="2581443"/>
+            <a:ext cx="5104738" cy="1804245"/>
+          </a:xfrm>
+        </p:spPr>
+        <p:txBody>
+          <a:bodyPr>
+            <a:normAutofit/>
           </a:bodyPr>
           <a:lstStyle/>
           <a:p>
             <a:pPr algn="ctr">
               <a:lnSpc>
-                <a:spcPct val="120000"/>
+                <a:spcPct val="130000"/>
               </a:lnSpc>
             </a:pPr>
-            <a:br>
-              <a:rPr lang="en-US" sz="3600" dirty="0">
-                <a:solidFill>
-                  <a:schemeClr val="accent1">
-                    <a:lumMod val="75000"/>
-                  </a:schemeClr>
-                </a:solidFill>
-              </a:rPr>
-            </a:br>
             <a:r>
-              <a:rPr lang="en-US" sz="3600" dirty="0" err="1">
-                <a:solidFill>
-                  <a:schemeClr val="accent1">
-                    <a:lumMod val="75000"/>
-                  </a:schemeClr>
-                </a:solidFill>
-              </a:rPr>
-              <a:t>Implementazione</a:t>
-            </a:r>
-            <a:br>
-              <a:rPr lang="en-US" sz="3600" dirty="0">
-                <a:solidFill>
-                  <a:schemeClr val="accent1">
-                    <a:lumMod val="75000"/>
-                  </a:schemeClr>
-                </a:solidFill>
-              </a:rPr>
-            </a:br>
-            <a:r>
-              <a:rPr lang="en-US" sz="3600" dirty="0" err="1">
-                <a:solidFill>
-                  <a:schemeClr val="accent1">
-                    <a:lumMod val="75000"/>
-                  </a:schemeClr>
-                </a:solidFill>
-              </a:rPr>
-              <a:t>algoritmo</a:t>
-            </a:r>
-            <a:r>
-              <a:rPr lang="en-US" sz="3600" dirty="0">
-                <a:solidFill>
-                  <a:schemeClr val="accent1">
-                    <a:lumMod val="75000"/>
-                  </a:schemeClr>
-                </a:solidFill>
-              </a:rPr>
-              <a:t> DCT2</a:t>
+              <a:rPr lang="it-IT" dirty="0"/>
+              <a:t>La Trasformata Discreta del Coseno (DCT2) è una trasformata molto simile alla DFT che tratta numeri reali e il suo scopo è di garantire la compressione spaziale.</a:t>
             </a:r>
           </a:p>
         </p:txBody>
       </p:sp>
       <p:pic>
         <p:nvPicPr>
-          <p:cNvPr id="5" name="Segnaposto contenuto 4">
+          <p:cNvPr id="7" name="Immagine 6" descr="Immagine che contiene testo, Carattere, linea, bianco&#10;&#10;Descrizione generata automaticamente">
             <a:extLst>
               <a:ext uri="{FF2B5EF4-FFF2-40B4-BE49-F238E27FC236}">
-                <a16:creationId xmlns:a16="http://schemas.microsoft.com/office/drawing/2014/main" id="{6287332E-811F-5414-AFB8-ACE13A5EFBE9}"/>
+                <a16:creationId xmlns:a16="http://schemas.microsoft.com/office/drawing/2014/main" id="{27FA1452-DCD2-577E-BD51-93E81739C4F0}"/>
               </a:ext>
             </a:extLst>
           </p:cNvPr>
           <p:cNvPicPr>
-            <a:picLocks noGrp="1" noChangeAspect="1"/>
+            <a:picLocks noChangeAspect="1"/>
           </p:cNvPicPr>
-          <p:nvPr>
-            <p:ph idx="1"/>
-          </p:nvPr>
+          <p:nvPr/>
         </p:nvPicPr>
         <p:blipFill>
           <a:blip r:embed="rId2"/>
@@ -17667,8 +14985,38 @@
         </p:blipFill>
         <p:spPr>
           <a:xfrm>
-            <a:off x="279726" y="662758"/>
-            <a:ext cx="6286914" cy="5532483"/>
+            <a:off x="1388663" y="4655009"/>
+            <a:ext cx="4343400" cy="629793"/>
+          </a:xfrm>
+          <a:prstGeom prst="rect">
+            <a:avLst/>
+          </a:prstGeom>
+        </p:spPr>
+      </p:pic>
+      <p:pic>
+        <p:nvPicPr>
+          <p:cNvPr id="4" name="Segnaposto contenuto 4">
+            <a:extLst>
+              <a:ext uri="{FF2B5EF4-FFF2-40B4-BE49-F238E27FC236}">
+                <a16:creationId xmlns:a16="http://schemas.microsoft.com/office/drawing/2014/main" id="{B32306BD-9436-1EE0-316D-3A9346A67296}"/>
+              </a:ext>
+            </a:extLst>
+          </p:cNvPr>
+          <p:cNvPicPr>
+            <a:picLocks noChangeAspect="1"/>
+          </p:cNvPicPr>
+          <p:nvPr/>
+        </p:nvPicPr>
+        <p:blipFill>
+          <a:blip r:embed="rId3"/>
+          <a:stretch>
+            <a:fillRect/>
+          </a:stretch>
+        </p:blipFill>
+        <p:spPr>
+          <a:xfrm>
+            <a:off x="6456459" y="1031290"/>
+            <a:ext cx="5449341" cy="4795419"/>
           </a:xfrm>
           <a:prstGeom prst="rect">
             <a:avLst/>
@@ -17678,7 +15026,7 @@
     </p:spTree>
     <p:extLst>
       <p:ext uri="{BB962C8B-B14F-4D97-AF65-F5344CB8AC3E}">
-        <p14:creationId xmlns:p14="http://schemas.microsoft.com/office/powerpoint/2010/main" val="1544314842"/>
+        <p14:creationId xmlns:p14="http://schemas.microsoft.com/office/powerpoint/2010/main" val="2042410440"/>
       </p:ext>
     </p:extLst>
   </p:cSld>
@@ -17688,7 +15036,7 @@
 </p:sld>
 </file>
 
-<file path=ppt/slides/slide6.xml><?xml version="1.0" encoding="utf-8"?>
+<file path=ppt/slides/slide5.xml><?xml version="1.0" encoding="utf-8"?>
 <p:sld xmlns:a="http://schemas.openxmlformats.org/drawingml/2006/main" xmlns:r="http://schemas.openxmlformats.org/officeDocument/2006/relationships" xmlns:p="http://schemas.openxmlformats.org/presentationml/2006/main">
   <p:cSld>
     <p:spTree>
@@ -17718,32 +15066,45 @@
             <a:spLocks noGrp="1"/>
           </p:cNvSpPr>
           <p:nvPr>
-            <p:ph type="title"/>
+            <p:ph type="title" idx="4294967295"/>
           </p:nvPr>
         </p:nvSpPr>
-        <p:spPr/>
+        <p:spPr>
+          <a:xfrm>
+            <a:off x="-270164" y="-396492"/>
+            <a:ext cx="6366164" cy="3145414"/>
+          </a:xfrm>
+        </p:spPr>
         <p:txBody>
-          <a:bodyPr/>
+          <a:bodyPr>
+            <a:normAutofit/>
+          </a:bodyPr>
           <a:lstStyle/>
           <a:p>
             <a:pPr algn="ctr"/>
             <a:r>
-              <a:rPr lang="it-IT">
+              <a:rPr lang="it-IT" sz="5400" dirty="0">
                 <a:solidFill>
-                  <a:schemeClr val="accent1">
-                    <a:lumMod val="75000"/>
-                  </a:schemeClr>
+                  <a:schemeClr val="accent1"/>
                 </a:solidFill>
               </a:rPr>
-              <a:t>Conclusioni – prima parte </a:t>
+              <a:t>Conclusioni</a:t>
             </a:r>
-            <a:endParaRPr lang="it-IT" dirty="0">
-              <a:solidFill>
-                <a:schemeClr val="accent1">
-                  <a:lumMod val="75000"/>
-                </a:schemeClr>
-              </a:solidFill>
-            </a:endParaRPr>
+            <a:br>
+              <a:rPr lang="it-IT" sz="5400" dirty="0">
+                <a:solidFill>
+                  <a:schemeClr val="accent1"/>
+                </a:solidFill>
+              </a:rPr>
+            </a:br>
+            <a:r>
+              <a:rPr lang="it-IT" sz="5400" dirty="0">
+                <a:solidFill>
+                  <a:schemeClr val="accent1"/>
+                </a:solidFill>
+              </a:rPr>
+              <a:t>prima parte </a:t>
+            </a:r>
           </a:p>
         </p:txBody>
       </p:sp>
@@ -17760,14 +15121,14 @@
           <p:nvPr>
             <p:extLst>
               <p:ext uri="{D42A27DB-BD31-4B8C-83A1-F6EECF244321}">
-                <p14:modId xmlns:p14="http://schemas.microsoft.com/office/powerpoint/2010/main" val="889921711"/>
+                <p14:modId xmlns:p14="http://schemas.microsoft.com/office/powerpoint/2010/main" val="3949493214"/>
               </p:ext>
             </p:extLst>
           </p:nvPr>
         </p:nvGraphicFramePr>
         <p:xfrm>
-          <a:off x="165419" y="3309257"/>
-          <a:ext cx="3849232" cy="2420982"/>
+          <a:off x="441047" y="3309257"/>
+          <a:ext cx="5163116" cy="3016728"/>
         </p:xfrm>
         <a:graphic>
           <a:graphicData uri="http://schemas.openxmlformats.org/drawingml/2006/chart">
@@ -17788,13 +15149,13 @@
           <p:nvPr>
             <p:extLst>
               <p:ext uri="{D42A27DB-BD31-4B8C-83A1-F6EECF244321}">
-                <p14:modId xmlns:p14="http://schemas.microsoft.com/office/powerpoint/2010/main" val="3095870795"/>
+                <p14:modId xmlns:p14="http://schemas.microsoft.com/office/powerpoint/2010/main" val="772251800"/>
               </p:ext>
             </p:extLst>
           </p:nvPr>
         </p:nvGraphicFramePr>
         <p:xfrm>
-          <a:off x="4014651" y="3309255"/>
+          <a:off x="7471360" y="888274"/>
           <a:ext cx="4049484" cy="2420983"/>
         </p:xfrm>
         <a:graphic>
@@ -17816,13 +15177,13 @@
           <p:nvPr>
             <p:extLst>
               <p:ext uri="{D42A27DB-BD31-4B8C-83A1-F6EECF244321}">
-                <p14:modId xmlns:p14="http://schemas.microsoft.com/office/powerpoint/2010/main" val="2346768573"/>
+                <p14:modId xmlns:p14="http://schemas.microsoft.com/office/powerpoint/2010/main" val="3434739621"/>
               </p:ext>
             </p:extLst>
           </p:nvPr>
         </p:nvGraphicFramePr>
         <p:xfrm>
-          <a:off x="7881212" y="3309257"/>
+          <a:off x="7440165" y="3905002"/>
           <a:ext cx="4310788" cy="2420983"/>
         </p:xfrm>
         <a:graphic>
@@ -17831,6 +15192,87 @@
           </a:graphicData>
         </a:graphic>
       </p:graphicFrame>
+      <p:cxnSp>
+        <p:nvCxnSpPr>
+          <p:cNvPr id="5" name="Connettore 2 4">
+            <a:extLst>
+              <a:ext uri="{FF2B5EF4-FFF2-40B4-BE49-F238E27FC236}">
+                <a16:creationId xmlns:a16="http://schemas.microsoft.com/office/drawing/2014/main" id="{2EB96294-00B7-4FF2-B318-5E161D3B371A}"/>
+              </a:ext>
+            </a:extLst>
+          </p:cNvPr>
+          <p:cNvCxnSpPr/>
+          <p:nvPr/>
+        </p:nvCxnSpPr>
+        <p:spPr>
+          <a:xfrm flipV="1">
+            <a:off x="5604163" y="2570018"/>
+            <a:ext cx="1867197" cy="1170709"/>
+          </a:xfrm>
+          <a:prstGeom prst="straightConnector1">
+            <a:avLst/>
+          </a:prstGeom>
+          <a:ln>
+            <a:tailEnd type="triangle"/>
+          </a:ln>
+        </p:spPr>
+        <p:style>
+          <a:lnRef idx="1">
+            <a:schemeClr val="accent1"/>
+          </a:lnRef>
+          <a:fillRef idx="0">
+            <a:schemeClr val="accent1"/>
+          </a:fillRef>
+          <a:effectRef idx="0">
+            <a:schemeClr val="accent1"/>
+          </a:effectRef>
+          <a:fontRef idx="minor">
+            <a:schemeClr val="tx1"/>
+          </a:fontRef>
+        </p:style>
+      </p:cxnSp>
+      <p:cxnSp>
+        <p:nvCxnSpPr>
+          <p:cNvPr id="7" name="Connettore 2 6">
+            <a:extLst>
+              <a:ext uri="{FF2B5EF4-FFF2-40B4-BE49-F238E27FC236}">
+                <a16:creationId xmlns:a16="http://schemas.microsoft.com/office/drawing/2014/main" id="{E7A84D00-A7E7-58F7-3CEB-D054D95DF566}"/>
+              </a:ext>
+            </a:extLst>
+          </p:cNvPr>
+          <p:cNvCxnSpPr/>
+          <p:nvPr/>
+        </p:nvCxnSpPr>
+        <p:spPr>
+          <a:xfrm>
+            <a:off x="5588566" y="5334000"/>
+            <a:ext cx="1851599" cy="0"/>
+          </a:xfrm>
+          <a:prstGeom prst="straightConnector1">
+            <a:avLst/>
+          </a:prstGeom>
+          <a:ln>
+            <a:solidFill>
+              <a:schemeClr val="accent3"/>
+            </a:solidFill>
+            <a:tailEnd type="triangle"/>
+          </a:ln>
+        </p:spPr>
+        <p:style>
+          <a:lnRef idx="1">
+            <a:schemeClr val="accent1"/>
+          </a:lnRef>
+          <a:fillRef idx="0">
+            <a:schemeClr val="accent1"/>
+          </a:fillRef>
+          <a:effectRef idx="0">
+            <a:schemeClr val="accent1"/>
+          </a:effectRef>
+          <a:fontRef idx="minor">
+            <a:schemeClr val="tx1"/>
+          </a:fontRef>
+        </p:style>
+      </p:cxnSp>
     </p:spTree>
     <p:extLst>
       <p:ext uri="{BB962C8B-B14F-4D97-AF65-F5344CB8AC3E}">
@@ -17844,7 +15286,7 @@
 </p:sld>
 </file>
 
-<file path=ppt/slides/slide7.xml><?xml version="1.0" encoding="utf-8"?>
+<file path=ppt/slides/slide6.xml><?xml version="1.0" encoding="utf-8"?>
 <p:sld xmlns:a="http://schemas.openxmlformats.org/drawingml/2006/main" xmlns:r="http://schemas.openxmlformats.org/officeDocument/2006/relationships" xmlns:p="http://schemas.openxmlformats.org/presentationml/2006/main">
   <p:cSld>
     <p:spTree>
@@ -17879,16 +15321,16 @@
         </p:nvSpPr>
         <p:spPr/>
         <p:txBody>
-          <a:bodyPr/>
+          <a:bodyPr>
+            <a:normAutofit/>
+          </a:bodyPr>
           <a:lstStyle/>
           <a:p>
             <a:pPr algn="ctr"/>
             <a:r>
-              <a:rPr lang="it-IT" dirty="0">
+              <a:rPr lang="it-IT" sz="5400" dirty="0">
                 <a:solidFill>
-                  <a:schemeClr val="accent1">
-                    <a:lumMod val="75000"/>
-                  </a:schemeClr>
+                  <a:schemeClr val="accent1"/>
                 </a:solidFill>
               </a:rPr>
               <a:t>Seconda parte</a:t>
@@ -17927,7 +15369,21 @@
             </a:r>
             <a:r>
               <a:rPr lang="it-IT" dirty="0"/>
-              <a:t>) in linea alla compressione jpeg. E’ stata implementata un interfaccia grafica che permette la compressione tramite parametri di dimensione di blocco e taglio della frequenza inseriti dall’utente.</a:t>
+              <a:t>) in linea alla compressione jpeg. E’ stata sviluppata un interfaccia grafica che permette la compressione tramite parametri di dimensione di blocco e taglio della frequenza inseriti dall’utente.</a:t>
+            </a:r>
+          </a:p>
+          <a:p>
+            <a:r>
+              <a:rPr lang="it-IT" dirty="0"/>
+              <a:t>La libreria utilizzata per la risoluzione del metodo è la stessa usata nella prima parte, ovvero </a:t>
+            </a:r>
+            <a:r>
+              <a:rPr lang="it-IT" dirty="0" err="1"/>
+              <a:t>Jtransform</a:t>
+            </a:r>
+            <a:r>
+              <a:rPr lang="it-IT" dirty="0"/>
+              <a:t>.</a:t>
             </a:r>
           </a:p>
         </p:txBody>
@@ -17945,7 +15401,7 @@
 </p:sld>
 </file>
 
-<file path=ppt/slides/slide8.xml><?xml version="1.0" encoding="utf-8"?>
+<file path=ppt/slides/slide7.xml><?xml version="1.0" encoding="utf-8"?>
 <p:sld xmlns:a="http://schemas.openxmlformats.org/drawingml/2006/main" xmlns:r="http://schemas.openxmlformats.org/officeDocument/2006/relationships" xmlns:p="http://schemas.openxmlformats.org/presentationml/2006/main">
   <p:cSld>
     <p:spTree>
@@ -18072,7 +15528,7 @@
 </p:sld>
 </file>
 
-<file path=ppt/slides/slide9.xml><?xml version="1.0" encoding="utf-8"?>
+<file path=ppt/slides/slide8.xml><?xml version="1.0" encoding="utf-8"?>
 <p:sld xmlns:a="http://schemas.openxmlformats.org/drawingml/2006/main" xmlns:r="http://schemas.openxmlformats.org/officeDocument/2006/relationships" xmlns:p="http://schemas.openxmlformats.org/presentationml/2006/main">
   <p:cSld>
     <p:bg>
@@ -18842,7 +16298,7 @@
         </p:nvSpPr>
         <p:spPr>
           <a:xfrm>
-            <a:off x="7587615" y="1045596"/>
+            <a:off x="7594530" y="280143"/>
             <a:ext cx="4148511" cy="1944371"/>
           </a:xfrm>
         </p:spPr>
@@ -18854,15 +16310,18 @@
           <a:p>
             <a:pPr algn="ctr"/>
             <a:r>
-              <a:rPr lang="it-IT" dirty="0">
+              <a:rPr lang="it-IT" sz="6600" dirty="0">
                 <a:solidFill>
-                  <a:schemeClr val="accent1">
-                    <a:lumMod val="75000"/>
-                  </a:schemeClr>
+                  <a:schemeClr val="accent1"/>
                 </a:solidFill>
               </a:rPr>
               <a:t>Codice</a:t>
             </a:r>
+            <a:endParaRPr lang="it-IT" dirty="0">
+              <a:solidFill>
+                <a:schemeClr val="accent1"/>
+              </a:solidFill>
+            </a:endParaRPr>
           </a:p>
         </p:txBody>
       </p:sp>
@@ -18914,7 +16373,7 @@
         </p:nvSpPr>
         <p:spPr>
           <a:xfrm>
-            <a:off x="7657106" y="3220279"/>
+            <a:off x="7657104" y="2693806"/>
             <a:ext cx="4023361" cy="2385392"/>
           </a:xfrm>
         </p:spPr>
@@ -18935,6 +16394,160 @@
     <p:extLst>
       <p:ext uri="{BB962C8B-B14F-4D97-AF65-F5344CB8AC3E}">
         <p14:creationId xmlns:p14="http://schemas.microsoft.com/office/powerpoint/2010/main" val="637554930"/>
+      </p:ext>
+    </p:extLst>
+  </p:cSld>
+  <p:clrMapOvr>
+    <a:masterClrMapping/>
+  </p:clrMapOvr>
+</p:sld>
+</file>
+
+<file path=ppt/slides/slide9.xml><?xml version="1.0" encoding="utf-8"?>
+<p:sld xmlns:a="http://schemas.openxmlformats.org/drawingml/2006/main" xmlns:r="http://schemas.openxmlformats.org/officeDocument/2006/relationships" xmlns:p="http://schemas.openxmlformats.org/presentationml/2006/main">
+  <p:cSld>
+    <p:spTree>
+      <p:nvGrpSpPr>
+        <p:cNvPr id="1" name=""/>
+        <p:cNvGrpSpPr/>
+        <p:nvPr/>
+      </p:nvGrpSpPr>
+      <p:grpSpPr>
+        <a:xfrm>
+          <a:off x="0" y="0"/>
+          <a:ext cx="0" cy="0"/>
+          <a:chOff x="0" y="0"/>
+          <a:chExt cx="0" cy="0"/>
+        </a:xfrm>
+      </p:grpSpPr>
+      <p:sp>
+        <p:nvSpPr>
+          <p:cNvPr id="5" name="Titolo 1">
+            <a:extLst>
+              <a:ext uri="{FF2B5EF4-FFF2-40B4-BE49-F238E27FC236}">
+                <a16:creationId xmlns:a16="http://schemas.microsoft.com/office/drawing/2014/main" id="{6A663824-B132-B52B-CE64-B4B2ADFA2D04}"/>
+              </a:ext>
+            </a:extLst>
+          </p:cNvPr>
+          <p:cNvSpPr txBox="1">
+            <a:spLocks/>
+          </p:cNvSpPr>
+          <p:nvPr/>
+        </p:nvSpPr>
+        <p:spPr>
+          <a:xfrm>
+            <a:off x="2929264" y="2628114"/>
+            <a:ext cx="6333471" cy="856304"/>
+          </a:xfrm>
+          <a:prstGeom prst="rect">
+            <a:avLst/>
+          </a:prstGeom>
+        </p:spPr>
+        <p:txBody>
+          <a:bodyPr anchor="b">
+            <a:normAutofit fontScale="97500"/>
+          </a:bodyPr>
+          <a:lstStyle>
+            <a:lvl1pPr algn="l" defTabSz="914400" rtl="0" eaLnBrk="1" latinLnBrk="0" hangingPunct="1">
+              <a:lnSpc>
+                <a:spcPct val="130000"/>
+              </a:lnSpc>
+              <a:spcBef>
+                <a:spcPct val="0"/>
+              </a:spcBef>
+              <a:buNone/>
+              <a:defRPr sz="3200" b="1" kern="1200" spc="150" baseline="0">
+                <a:solidFill>
+                  <a:schemeClr val="tx1">
+                    <a:lumMod val="75000"/>
+                    <a:lumOff val="25000"/>
+                  </a:schemeClr>
+                </a:solidFill>
+                <a:latin typeface="+mj-lt"/>
+                <a:ea typeface="+mj-ea"/>
+                <a:cs typeface="+mj-cs"/>
+              </a:defRPr>
+            </a:lvl1pPr>
+          </a:lstStyle>
+          <a:p>
+            <a:pPr algn="ctr"/>
+            <a:r>
+              <a:rPr lang="it-IT" sz="4000" dirty="0">
+                <a:solidFill>
+                  <a:schemeClr val="accent1"/>
+                </a:solidFill>
+              </a:rPr>
+              <a:t>FINE</a:t>
+            </a:r>
+          </a:p>
+        </p:txBody>
+      </p:sp>
+      <p:sp>
+        <p:nvSpPr>
+          <p:cNvPr id="6" name="Titolo 1">
+            <a:extLst>
+              <a:ext uri="{FF2B5EF4-FFF2-40B4-BE49-F238E27FC236}">
+                <a16:creationId xmlns:a16="http://schemas.microsoft.com/office/drawing/2014/main" id="{923D3751-C398-FD8D-C34D-992AB4BD97FA}"/>
+              </a:ext>
+            </a:extLst>
+          </p:cNvPr>
+          <p:cNvSpPr txBox="1">
+            <a:spLocks/>
+          </p:cNvSpPr>
+          <p:nvPr/>
+        </p:nvSpPr>
+        <p:spPr>
+          <a:xfrm>
+            <a:off x="2929264" y="3422073"/>
+            <a:ext cx="6333471" cy="856304"/>
+          </a:xfrm>
+          <a:prstGeom prst="rect">
+            <a:avLst/>
+          </a:prstGeom>
+        </p:spPr>
+        <p:txBody>
+          <a:bodyPr anchor="b">
+            <a:normAutofit fontScale="97500"/>
+          </a:bodyPr>
+          <a:lstStyle>
+            <a:lvl1pPr algn="l" defTabSz="914400" rtl="0" eaLnBrk="1" latinLnBrk="0" hangingPunct="1">
+              <a:lnSpc>
+                <a:spcPct val="130000"/>
+              </a:lnSpc>
+              <a:spcBef>
+                <a:spcPct val="0"/>
+              </a:spcBef>
+              <a:buNone/>
+              <a:defRPr sz="3200" b="1" kern="1200" spc="150" baseline="0">
+                <a:solidFill>
+                  <a:schemeClr val="tx1">
+                    <a:lumMod val="75000"/>
+                    <a:lumOff val="25000"/>
+                  </a:schemeClr>
+                </a:solidFill>
+                <a:latin typeface="+mj-lt"/>
+                <a:ea typeface="+mj-ea"/>
+                <a:cs typeface="+mj-cs"/>
+              </a:defRPr>
+            </a:lvl1pPr>
+          </a:lstStyle>
+          <a:p>
+            <a:pPr algn="ctr"/>
+            <a:r>
+              <a:rPr lang="it-IT" sz="2400" dirty="0">
+                <a:solidFill>
+                  <a:schemeClr val="tx1"/>
+                </a:solidFill>
+              </a:rPr>
+              <a:t>Ringraziamo per l’attenzione</a:t>
+            </a:r>
+          </a:p>
+        </p:txBody>
+      </p:sp>
+    </p:spTree>
+    <p:extLst>
+      <p:ext uri="{BB962C8B-B14F-4D97-AF65-F5344CB8AC3E}">
+        <p14:creationId xmlns:p14="http://schemas.microsoft.com/office/powerpoint/2010/main" val="3095669492"/>
       </p:ext>
     </p:extLst>
   </p:cSld>
